--- a/6019_Phys_1/D2D/W10/Broad_vs_Narrow.pptx
+++ b/6019_Phys_1/D2D/W10/Broad_vs_Narrow.pptx
@@ -28,6 +28,16 @@
     <p:sldId id="276" r:id="rId22"/>
     <p:sldId id="277" r:id="rId23"/>
     <p:sldId id="278" r:id="rId24"/>
+    <p:sldId id="279" r:id="rId25"/>
+    <p:sldId id="280" r:id="rId26"/>
+    <p:sldId id="281" r:id="rId27"/>
+    <p:sldId id="282" r:id="rId28"/>
+    <p:sldId id="283" r:id="rId29"/>
+    <p:sldId id="284" r:id="rId30"/>
+    <p:sldId id="285" r:id="rId31"/>
+    <p:sldId id="286" r:id="rId32"/>
+    <p:sldId id="287" r:id="rId33"/>
+    <p:sldId id="288" r:id="rId34"/>
   </p:sldIdLst>
   <p:sldSz cx="12192000" cy="6858000"/>
   <p:notesSz cx="6858000" cy="9144000"/>
@@ -283,7 +293,7 @@
           <a:p>
             <a:fld id="{2FB7D1A7-6E77-43C4-AF30-3CCDF994557E}" type="datetimeFigureOut">
               <a:rPr lang="en-CA" smtClean="0"/>
-              <a:t>2024-11-14</a:t>
+              <a:t>2024-11-21</a:t>
             </a:fld>
             <a:endParaRPr lang="en-CA"/>
           </a:p>
@@ -483,7 +493,7 @@
           <a:p>
             <a:fld id="{2FB7D1A7-6E77-43C4-AF30-3CCDF994557E}" type="datetimeFigureOut">
               <a:rPr lang="en-CA" smtClean="0"/>
-              <a:t>2024-11-14</a:t>
+              <a:t>2024-11-21</a:t>
             </a:fld>
             <a:endParaRPr lang="en-CA"/>
           </a:p>
@@ -693,7 +703,7 @@
           <a:p>
             <a:fld id="{2FB7D1A7-6E77-43C4-AF30-3CCDF994557E}" type="datetimeFigureOut">
               <a:rPr lang="en-CA" smtClean="0"/>
-              <a:t>2024-11-14</a:t>
+              <a:t>2024-11-21</a:t>
             </a:fld>
             <a:endParaRPr lang="en-CA"/>
           </a:p>
@@ -893,7 +903,7 @@
           <a:p>
             <a:fld id="{2FB7D1A7-6E77-43C4-AF30-3CCDF994557E}" type="datetimeFigureOut">
               <a:rPr lang="en-CA" smtClean="0"/>
-              <a:t>2024-11-14</a:t>
+              <a:t>2024-11-21</a:t>
             </a:fld>
             <a:endParaRPr lang="en-CA"/>
           </a:p>
@@ -1169,7 +1179,7 @@
           <a:p>
             <a:fld id="{2FB7D1A7-6E77-43C4-AF30-3CCDF994557E}" type="datetimeFigureOut">
               <a:rPr lang="en-CA" smtClean="0"/>
-              <a:t>2024-11-14</a:t>
+              <a:t>2024-11-21</a:t>
             </a:fld>
             <a:endParaRPr lang="en-CA"/>
           </a:p>
@@ -1437,7 +1447,7 @@
           <a:p>
             <a:fld id="{2FB7D1A7-6E77-43C4-AF30-3CCDF994557E}" type="datetimeFigureOut">
               <a:rPr lang="en-CA" smtClean="0"/>
-              <a:t>2024-11-14</a:t>
+              <a:t>2024-11-21</a:t>
             </a:fld>
             <a:endParaRPr lang="en-CA"/>
           </a:p>
@@ -1852,7 +1862,7 @@
           <a:p>
             <a:fld id="{2FB7D1A7-6E77-43C4-AF30-3CCDF994557E}" type="datetimeFigureOut">
               <a:rPr lang="en-CA" smtClean="0"/>
-              <a:t>2024-11-14</a:t>
+              <a:t>2024-11-21</a:t>
             </a:fld>
             <a:endParaRPr lang="en-CA"/>
           </a:p>
@@ -1994,7 +2004,7 @@
           <a:p>
             <a:fld id="{2FB7D1A7-6E77-43C4-AF30-3CCDF994557E}" type="datetimeFigureOut">
               <a:rPr lang="en-CA" smtClean="0"/>
-              <a:t>2024-11-14</a:t>
+              <a:t>2024-11-21</a:t>
             </a:fld>
             <a:endParaRPr lang="en-CA"/>
           </a:p>
@@ -2107,7 +2117,7 @@
           <a:p>
             <a:fld id="{2FB7D1A7-6E77-43C4-AF30-3CCDF994557E}" type="datetimeFigureOut">
               <a:rPr lang="en-CA" smtClean="0"/>
-              <a:t>2024-11-14</a:t>
+              <a:t>2024-11-21</a:t>
             </a:fld>
             <a:endParaRPr lang="en-CA"/>
           </a:p>
@@ -2420,7 +2430,7 @@
           <a:p>
             <a:fld id="{2FB7D1A7-6E77-43C4-AF30-3CCDF994557E}" type="datetimeFigureOut">
               <a:rPr lang="en-CA" smtClean="0"/>
-              <a:t>2024-11-14</a:t>
+              <a:t>2024-11-21</a:t>
             </a:fld>
             <a:endParaRPr lang="en-CA"/>
           </a:p>
@@ -2709,7 +2719,7 @@
           <a:p>
             <a:fld id="{2FB7D1A7-6E77-43C4-AF30-3CCDF994557E}" type="datetimeFigureOut">
               <a:rPr lang="en-CA" smtClean="0"/>
-              <a:t>2024-11-14</a:t>
+              <a:t>2024-11-21</a:t>
             </a:fld>
             <a:endParaRPr lang="en-CA"/>
           </a:p>
@@ -2952,7 +2962,7 @@
           <a:p>
             <a:fld id="{2FB7D1A7-6E77-43C4-AF30-3CCDF994557E}" type="datetimeFigureOut">
               <a:rPr lang="en-CA" smtClean="0"/>
-              <a:t>2024-11-14</a:t>
+              <a:t>2024-11-21</a:t>
             </a:fld>
             <a:endParaRPr lang="en-CA"/>
           </a:p>
@@ -7461,6 +7471,2673 @@
 </p:sld>
 </file>
 
+<file path=ppt/slides/slide24.xml><?xml version="1.0" encoding="utf-8"?>
+<p:sld xmlns:a="http://schemas.openxmlformats.org/drawingml/2006/main" xmlns:r="http://schemas.openxmlformats.org/officeDocument/2006/relationships" xmlns:p="http://schemas.openxmlformats.org/presentationml/2006/main">
+  <p:cSld>
+    <p:spTree>
+      <p:nvGrpSpPr>
+        <p:cNvPr id="1" name=""/>
+        <p:cNvGrpSpPr/>
+        <p:nvPr/>
+      </p:nvGrpSpPr>
+      <p:grpSpPr>
+        <a:xfrm>
+          <a:off x="0" y="0"/>
+          <a:ext cx="0" cy="0"/>
+          <a:chOff x="0" y="0"/>
+          <a:chExt cx="0" cy="0"/>
+        </a:xfrm>
+      </p:grpSpPr>
+      <p:pic>
+        <p:nvPicPr>
+          <p:cNvPr id="5" name="Picture 4">
+            <a:extLst>
+              <a:ext uri="{FF2B5EF4-FFF2-40B4-BE49-F238E27FC236}">
+                <a16:creationId xmlns:a16="http://schemas.microsoft.com/office/drawing/2014/main" id="{B749E447-1967-EE28-90AD-3463B07314B2}"/>
+              </a:ext>
+            </a:extLst>
+          </p:cNvPr>
+          <p:cNvPicPr>
+            <a:picLocks noChangeAspect="1"/>
+          </p:cNvPicPr>
+          <p:nvPr/>
+        </p:nvPicPr>
+        <p:blipFill>
+          <a:blip r:embed="rId2"/>
+          <a:srcRect t="38946" b="32823"/>
+          <a:stretch/>
+        </p:blipFill>
+        <p:spPr>
+          <a:xfrm>
+            <a:off x="0" y="2721429"/>
+            <a:ext cx="12192000" cy="1807028"/>
+          </a:xfrm>
+          <a:prstGeom prst="rect">
+            <a:avLst/>
+          </a:prstGeom>
+        </p:spPr>
+      </p:pic>
+      <p:sp>
+        <p:nvSpPr>
+          <p:cNvPr id="6" name="Rectangle 5">
+            <a:extLst>
+              <a:ext uri="{FF2B5EF4-FFF2-40B4-BE49-F238E27FC236}">
+                <a16:creationId xmlns:a16="http://schemas.microsoft.com/office/drawing/2014/main" id="{10A98EFA-F06D-024A-D388-F207031D915F}"/>
+              </a:ext>
+            </a:extLst>
+          </p:cNvPr>
+          <p:cNvSpPr/>
+          <p:nvPr/>
+        </p:nvSpPr>
+        <p:spPr>
+          <a:xfrm>
+            <a:off x="685802" y="1637911"/>
+            <a:ext cx="653141" cy="653141"/>
+          </a:xfrm>
+          <a:prstGeom prst="rect">
+            <a:avLst/>
+          </a:prstGeom>
+        </p:spPr>
+        <p:style>
+          <a:lnRef idx="2">
+            <a:schemeClr val="accent1">
+              <a:shade val="15000"/>
+            </a:schemeClr>
+          </a:lnRef>
+          <a:fillRef idx="1">
+            <a:schemeClr val="accent1"/>
+          </a:fillRef>
+          <a:effectRef idx="0">
+            <a:schemeClr val="accent1"/>
+          </a:effectRef>
+          <a:fontRef idx="minor">
+            <a:schemeClr val="lt1"/>
+          </a:fontRef>
+        </p:style>
+        <p:txBody>
+          <a:bodyPr rtlCol="0" anchor="ctr"/>
+          <a:lstStyle/>
+          <a:p>
+            <a:pPr algn="ctr"/>
+            <a:endParaRPr lang="en-CA"/>
+          </a:p>
+        </p:txBody>
+      </p:sp>
+      <p:sp>
+        <p:nvSpPr>
+          <p:cNvPr id="7" name="TextBox 6">
+            <a:extLst>
+              <a:ext uri="{FF2B5EF4-FFF2-40B4-BE49-F238E27FC236}">
+                <a16:creationId xmlns:a16="http://schemas.microsoft.com/office/drawing/2014/main" id="{86794835-F1E0-1F86-8E24-7E5E7F7732D6}"/>
+              </a:ext>
+            </a:extLst>
+          </p:cNvPr>
+          <p:cNvSpPr txBox="1"/>
+          <p:nvPr/>
+        </p:nvSpPr>
+        <p:spPr>
+          <a:xfrm>
+            <a:off x="4991100" y="2136909"/>
+            <a:ext cx="1582484" cy="369332"/>
+          </a:xfrm>
+          <a:prstGeom prst="rect">
+            <a:avLst/>
+          </a:prstGeom>
+          <a:noFill/>
+        </p:spPr>
+        <p:txBody>
+          <a:bodyPr wrap="none" rtlCol="0">
+            <a:spAutoFit/>
+          </a:bodyPr>
+          <a:lstStyle/>
+          <a:p>
+            <a:r>
+              <a:rPr lang="en-CA" dirty="0">
+                <a:sym typeface="Wingdings" panose="05000000000000000000" pitchFamily="2" charset="2"/>
+              </a:rPr>
+              <a:t> </a:t>
+            </a:r>
+            <a:r>
+              <a:rPr lang="en-CA" dirty="0"/>
+              <a:t>380,000  </a:t>
+            </a:r>
+            <a:r>
+              <a:rPr lang="en-CA" dirty="0">
+                <a:sym typeface="Wingdings" panose="05000000000000000000" pitchFamily="2" charset="2"/>
+              </a:rPr>
+              <a:t></a:t>
+            </a:r>
+            <a:endParaRPr lang="en-CA" dirty="0"/>
+          </a:p>
+        </p:txBody>
+      </p:sp>
+      <p:sp>
+        <p:nvSpPr>
+          <p:cNvPr id="8" name="Callout: Line 7">
+            <a:extLst>
+              <a:ext uri="{FF2B5EF4-FFF2-40B4-BE49-F238E27FC236}">
+                <a16:creationId xmlns:a16="http://schemas.microsoft.com/office/drawing/2014/main" id="{FBCD118D-D112-197C-A450-47995FD19A99}"/>
+              </a:ext>
+            </a:extLst>
+          </p:cNvPr>
+          <p:cNvSpPr/>
+          <p:nvPr/>
+        </p:nvSpPr>
+        <p:spPr>
+          <a:xfrm>
+            <a:off x="2362200" y="304800"/>
+            <a:ext cx="5257800" cy="1513113"/>
+          </a:xfrm>
+          <a:prstGeom prst="borderCallout1">
+            <a:avLst>
+              <a:gd name="adj1" fmla="val 18750"/>
+              <a:gd name="adj2" fmla="val -8333"/>
+              <a:gd name="adj3" fmla="val 87470"/>
+              <a:gd name="adj4" fmla="val -21148"/>
+            </a:avLst>
+          </a:prstGeom>
+        </p:spPr>
+        <p:style>
+          <a:lnRef idx="2">
+            <a:schemeClr val="accent1">
+              <a:shade val="15000"/>
+            </a:schemeClr>
+          </a:lnRef>
+          <a:fillRef idx="1">
+            <a:schemeClr val="accent1"/>
+          </a:fillRef>
+          <a:effectRef idx="0">
+            <a:schemeClr val="accent1"/>
+          </a:effectRef>
+          <a:fontRef idx="minor">
+            <a:schemeClr val="lt1"/>
+          </a:fontRef>
+        </p:style>
+        <p:txBody>
+          <a:bodyPr rtlCol="0" anchor="ctr"/>
+          <a:lstStyle/>
+          <a:p>
+            <a:pPr algn="ctr"/>
+            <a:r>
+              <a:rPr lang="en-CA" dirty="0"/>
+              <a:t>Can do a single ray-cast on the Warehouse model, which is 30,000 triangles with no issues.</a:t>
+            </a:r>
+          </a:p>
+          <a:p>
+            <a:pPr algn="ctr"/>
+            <a:r>
+              <a:rPr lang="en-CA" dirty="0"/>
+              <a:t>That should help decide how large this region should be…</a:t>
+            </a:r>
+          </a:p>
+        </p:txBody>
+      </p:sp>
+      <p:sp>
+        <p:nvSpPr>
+          <p:cNvPr id="9" name="TextBox 8">
+            <a:extLst>
+              <a:ext uri="{FF2B5EF4-FFF2-40B4-BE49-F238E27FC236}">
+                <a16:creationId xmlns:a16="http://schemas.microsoft.com/office/drawing/2014/main" id="{AB9A21F0-2648-F481-50D8-C9D7514524A8}"/>
+              </a:ext>
+            </a:extLst>
+          </p:cNvPr>
+          <p:cNvSpPr txBox="1"/>
+          <p:nvPr/>
+        </p:nvSpPr>
+        <p:spPr>
+          <a:xfrm>
+            <a:off x="685802" y="4865914"/>
+            <a:ext cx="10591798" cy="646331"/>
+          </a:xfrm>
+          <a:prstGeom prst="rect">
+            <a:avLst/>
+          </a:prstGeom>
+          <a:noFill/>
+        </p:spPr>
+        <p:txBody>
+          <a:bodyPr wrap="square" rtlCol="0">
+            <a:spAutoFit/>
+          </a:bodyPr>
+          <a:lstStyle/>
+          <a:p>
+            <a:r>
+              <a:rPr lang="en-CA" dirty="0"/>
+              <a:t>The smaller the cubes, the more of them there are and that can lead to a memory issue.</a:t>
+            </a:r>
+          </a:p>
+          <a:p>
+            <a:r>
+              <a:rPr lang="en-CA" dirty="0"/>
+              <a:t>The larger they are, the more triangle per cube</a:t>
+            </a:r>
+          </a:p>
+        </p:txBody>
+      </p:sp>
+    </p:spTree>
+    <p:extLst>
+      <p:ext uri="{BB962C8B-B14F-4D97-AF65-F5344CB8AC3E}">
+        <p14:creationId xmlns:p14="http://schemas.microsoft.com/office/powerpoint/2010/main" val="425382142"/>
+      </p:ext>
+    </p:extLst>
+  </p:cSld>
+  <p:clrMapOvr>
+    <a:masterClrMapping/>
+  </p:clrMapOvr>
+</p:sld>
+</file>
+
+<file path=ppt/slides/slide25.xml><?xml version="1.0" encoding="utf-8"?>
+<p:sld xmlns:a="http://schemas.openxmlformats.org/drawingml/2006/main" xmlns:r="http://schemas.openxmlformats.org/officeDocument/2006/relationships" xmlns:p="http://schemas.openxmlformats.org/presentationml/2006/main">
+  <p:cSld>
+    <p:spTree>
+      <p:nvGrpSpPr>
+        <p:cNvPr id="1" name=""/>
+        <p:cNvGrpSpPr/>
+        <p:nvPr/>
+      </p:nvGrpSpPr>
+      <p:grpSpPr>
+        <a:xfrm>
+          <a:off x="0" y="0"/>
+          <a:ext cx="0" cy="0"/>
+          <a:chOff x="0" y="0"/>
+          <a:chExt cx="0" cy="0"/>
+        </a:xfrm>
+      </p:grpSpPr>
+      <p:pic>
+        <p:nvPicPr>
+          <p:cNvPr id="5" name="Picture 4">
+            <a:extLst>
+              <a:ext uri="{FF2B5EF4-FFF2-40B4-BE49-F238E27FC236}">
+                <a16:creationId xmlns:a16="http://schemas.microsoft.com/office/drawing/2014/main" id="{B749E447-1967-EE28-90AD-3463B07314B2}"/>
+              </a:ext>
+            </a:extLst>
+          </p:cNvPr>
+          <p:cNvPicPr>
+            <a:picLocks noChangeAspect="1"/>
+          </p:cNvPicPr>
+          <p:nvPr/>
+        </p:nvPicPr>
+        <p:blipFill>
+          <a:blip r:embed="rId2"/>
+          <a:srcRect t="38946" b="32823"/>
+          <a:stretch/>
+        </p:blipFill>
+        <p:spPr>
+          <a:xfrm>
+            <a:off x="0" y="2721429"/>
+            <a:ext cx="12192000" cy="1807028"/>
+          </a:xfrm>
+          <a:prstGeom prst="rect">
+            <a:avLst/>
+          </a:prstGeom>
+        </p:spPr>
+      </p:pic>
+      <p:sp>
+        <p:nvSpPr>
+          <p:cNvPr id="6" name="Rectangle 5">
+            <a:extLst>
+              <a:ext uri="{FF2B5EF4-FFF2-40B4-BE49-F238E27FC236}">
+                <a16:creationId xmlns:a16="http://schemas.microsoft.com/office/drawing/2014/main" id="{10A98EFA-F06D-024A-D388-F207031D915F}"/>
+              </a:ext>
+            </a:extLst>
+          </p:cNvPr>
+          <p:cNvSpPr/>
+          <p:nvPr/>
+        </p:nvSpPr>
+        <p:spPr>
+          <a:xfrm>
+            <a:off x="685802" y="1572989"/>
+            <a:ext cx="653141" cy="653141"/>
+          </a:xfrm>
+          <a:prstGeom prst="rect">
+            <a:avLst/>
+          </a:prstGeom>
+        </p:spPr>
+        <p:style>
+          <a:lnRef idx="2">
+            <a:schemeClr val="accent1">
+              <a:shade val="15000"/>
+            </a:schemeClr>
+          </a:lnRef>
+          <a:fillRef idx="1">
+            <a:schemeClr val="accent1"/>
+          </a:fillRef>
+          <a:effectRef idx="0">
+            <a:schemeClr val="accent1"/>
+          </a:effectRef>
+          <a:fontRef idx="minor">
+            <a:schemeClr val="lt1"/>
+          </a:fontRef>
+        </p:style>
+        <p:txBody>
+          <a:bodyPr rtlCol="0" anchor="ctr"/>
+          <a:lstStyle/>
+          <a:p>
+            <a:pPr algn="ctr"/>
+            <a:endParaRPr lang="en-CA"/>
+          </a:p>
+        </p:txBody>
+      </p:sp>
+      <p:sp>
+        <p:nvSpPr>
+          <p:cNvPr id="7" name="TextBox 6">
+            <a:extLst>
+              <a:ext uri="{FF2B5EF4-FFF2-40B4-BE49-F238E27FC236}">
+                <a16:creationId xmlns:a16="http://schemas.microsoft.com/office/drawing/2014/main" id="{86794835-F1E0-1F86-8E24-7E5E7F7732D6}"/>
+              </a:ext>
+            </a:extLst>
+          </p:cNvPr>
+          <p:cNvSpPr txBox="1"/>
+          <p:nvPr/>
+        </p:nvSpPr>
+        <p:spPr>
+          <a:xfrm>
+            <a:off x="4991100" y="2136909"/>
+            <a:ext cx="3328155" cy="369332"/>
+          </a:xfrm>
+          <a:prstGeom prst="rect">
+            <a:avLst/>
+          </a:prstGeom>
+          <a:noFill/>
+        </p:spPr>
+        <p:txBody>
+          <a:bodyPr wrap="none" rtlCol="0">
+            <a:spAutoFit/>
+          </a:bodyPr>
+          <a:lstStyle/>
+          <a:p>
+            <a:r>
+              <a:rPr lang="en-CA" dirty="0">
+                <a:sym typeface="Wingdings" panose="05000000000000000000" pitchFamily="2" charset="2"/>
+              </a:rPr>
+              <a:t> </a:t>
+            </a:r>
+            <a:r>
+              <a:rPr lang="en-CA" dirty="0"/>
+              <a:t>380,000 (or 38 cube wide)  </a:t>
+            </a:r>
+            <a:r>
+              <a:rPr lang="en-CA" dirty="0">
+                <a:sym typeface="Wingdings" panose="05000000000000000000" pitchFamily="2" charset="2"/>
+              </a:rPr>
+              <a:t></a:t>
+            </a:r>
+            <a:endParaRPr lang="en-CA" dirty="0"/>
+          </a:p>
+        </p:txBody>
+      </p:sp>
+      <p:sp>
+        <p:nvSpPr>
+          <p:cNvPr id="8" name="Callout: Line 7">
+            <a:extLst>
+              <a:ext uri="{FF2B5EF4-FFF2-40B4-BE49-F238E27FC236}">
+                <a16:creationId xmlns:a16="http://schemas.microsoft.com/office/drawing/2014/main" id="{FBCD118D-D112-197C-A450-47995FD19A99}"/>
+              </a:ext>
+            </a:extLst>
+          </p:cNvPr>
+          <p:cNvSpPr/>
+          <p:nvPr/>
+        </p:nvSpPr>
+        <p:spPr>
+          <a:xfrm>
+            <a:off x="2362200" y="304800"/>
+            <a:ext cx="5257800" cy="1040955"/>
+          </a:xfrm>
+          <a:prstGeom prst="borderCallout1">
+            <a:avLst>
+              <a:gd name="adj1" fmla="val 18750"/>
+              <a:gd name="adj2" fmla="val -8333"/>
+              <a:gd name="adj3" fmla="val 120934"/>
+              <a:gd name="adj4" fmla="val -19492"/>
+            </a:avLst>
+          </a:prstGeom>
+        </p:spPr>
+        <p:style>
+          <a:lnRef idx="2">
+            <a:schemeClr val="accent1">
+              <a:shade val="15000"/>
+            </a:schemeClr>
+          </a:lnRef>
+          <a:fillRef idx="1">
+            <a:schemeClr val="accent1"/>
+          </a:fillRef>
+          <a:effectRef idx="0">
+            <a:schemeClr val="accent1"/>
+          </a:effectRef>
+          <a:fontRef idx="minor">
+            <a:schemeClr val="lt1"/>
+          </a:fontRef>
+        </p:style>
+        <p:txBody>
+          <a:bodyPr rtlCol="0" anchor="ctr"/>
+          <a:lstStyle/>
+          <a:p>
+            <a:pPr algn="ctr"/>
+            <a:r>
+              <a:rPr lang="en-CA" dirty="0"/>
+              <a:t>Let’s make these cubes 1000x1000x1000 in size</a:t>
+            </a:r>
+          </a:p>
+        </p:txBody>
+      </p:sp>
+      <p:sp>
+        <p:nvSpPr>
+          <p:cNvPr id="9" name="TextBox 8">
+            <a:extLst>
+              <a:ext uri="{FF2B5EF4-FFF2-40B4-BE49-F238E27FC236}">
+                <a16:creationId xmlns:a16="http://schemas.microsoft.com/office/drawing/2014/main" id="{AB9A21F0-2648-F481-50D8-C9D7514524A8}"/>
+              </a:ext>
+            </a:extLst>
+          </p:cNvPr>
+          <p:cNvSpPr txBox="1"/>
+          <p:nvPr/>
+        </p:nvSpPr>
+        <p:spPr>
+          <a:xfrm>
+            <a:off x="685802" y="4865914"/>
+            <a:ext cx="10591798" cy="646331"/>
+          </a:xfrm>
+          <a:prstGeom prst="rect">
+            <a:avLst/>
+          </a:prstGeom>
+          <a:noFill/>
+        </p:spPr>
+        <p:txBody>
+          <a:bodyPr wrap="square" rtlCol="0">
+            <a:spAutoFit/>
+          </a:bodyPr>
+          <a:lstStyle/>
+          <a:p>
+            <a:r>
+              <a:rPr lang="en-CA" dirty="0"/>
+              <a:t>The smaller the cubes, the more of them there are and that can lead to a memory issue.</a:t>
+            </a:r>
+          </a:p>
+          <a:p>
+            <a:r>
+              <a:rPr lang="en-CA" dirty="0"/>
+              <a:t>The larger they are, the more triangle per cube</a:t>
+            </a:r>
+          </a:p>
+        </p:txBody>
+      </p:sp>
+    </p:spTree>
+    <p:extLst>
+      <p:ext uri="{BB962C8B-B14F-4D97-AF65-F5344CB8AC3E}">
+        <p14:creationId xmlns:p14="http://schemas.microsoft.com/office/powerpoint/2010/main" val="4246683384"/>
+      </p:ext>
+    </p:extLst>
+  </p:cSld>
+  <p:clrMapOvr>
+    <a:masterClrMapping/>
+  </p:clrMapOvr>
+</p:sld>
+</file>
+
+<file path=ppt/slides/slide26.xml><?xml version="1.0" encoding="utf-8"?>
+<p:sld xmlns:a="http://schemas.openxmlformats.org/drawingml/2006/main" xmlns:r="http://schemas.openxmlformats.org/officeDocument/2006/relationships" xmlns:p="http://schemas.openxmlformats.org/presentationml/2006/main">
+  <p:cSld>
+    <p:spTree>
+      <p:nvGrpSpPr>
+        <p:cNvPr id="1" name=""/>
+        <p:cNvGrpSpPr/>
+        <p:nvPr/>
+      </p:nvGrpSpPr>
+      <p:grpSpPr>
+        <a:xfrm>
+          <a:off x="0" y="0"/>
+          <a:ext cx="0" cy="0"/>
+          <a:chOff x="0" y="0"/>
+          <a:chExt cx="0" cy="0"/>
+        </a:xfrm>
+      </p:grpSpPr>
+      <p:sp>
+        <p:nvSpPr>
+          <p:cNvPr id="2" name="Title 1">
+            <a:extLst>
+              <a:ext uri="{FF2B5EF4-FFF2-40B4-BE49-F238E27FC236}">
+                <a16:creationId xmlns:a16="http://schemas.microsoft.com/office/drawing/2014/main" id="{8922F276-463B-252F-F052-23A60724ECBD}"/>
+              </a:ext>
+            </a:extLst>
+          </p:cNvPr>
+          <p:cNvSpPr>
+            <a:spLocks noGrp="1"/>
+          </p:cNvSpPr>
+          <p:nvPr>
+            <p:ph type="title"/>
+          </p:nvPr>
+        </p:nvSpPr>
+        <p:spPr>
+          <a:xfrm>
+            <a:off x="674914" y="386896"/>
+            <a:ext cx="10515600" cy="930275"/>
+          </a:xfrm>
+        </p:spPr>
+        <p:txBody>
+          <a:bodyPr/>
+          <a:lstStyle/>
+          <a:p>
+            <a:r>
+              <a:rPr lang="en-CA" dirty="0"/>
+              <a:t>Storing this in a map (a binary tree)</a:t>
+            </a:r>
+          </a:p>
+        </p:txBody>
+      </p:sp>
+      <p:sp>
+        <p:nvSpPr>
+          <p:cNvPr id="3" name="Content Placeholder 2">
+            <a:extLst>
+              <a:ext uri="{FF2B5EF4-FFF2-40B4-BE49-F238E27FC236}">
+                <a16:creationId xmlns:a16="http://schemas.microsoft.com/office/drawing/2014/main" id="{A9712ED5-3E28-91B6-1544-75B6877FE776}"/>
+              </a:ext>
+            </a:extLst>
+          </p:cNvPr>
+          <p:cNvSpPr>
+            <a:spLocks noGrp="1"/>
+          </p:cNvSpPr>
+          <p:nvPr>
+            <p:ph idx="1"/>
+          </p:nvPr>
+        </p:nvSpPr>
+        <p:spPr>
+          <a:xfrm>
+            <a:off x="457200" y="1466396"/>
+            <a:ext cx="11266714" cy="4901747"/>
+          </a:xfrm>
+        </p:spPr>
+        <p:txBody>
+          <a:bodyPr>
+            <a:normAutofit/>
+          </a:bodyPr>
+          <a:lstStyle/>
+          <a:p>
+            <a:r>
+              <a:rPr lang="en-CA" sz="3200" dirty="0"/>
+              <a:t>Some models, like the Galactica, “fit” into the bounding box so that most of the smaller cube/regions have triangles in them. </a:t>
+            </a:r>
+          </a:p>
+          <a:p>
+            <a:r>
+              <a:rPr lang="en-CA" sz="3200" dirty="0"/>
+              <a:t>But other models, like the Power Plant, the vast majority of the cubes/regions </a:t>
+            </a:r>
+            <a:r>
+              <a:rPr lang="en-CA" sz="3200" i="1" dirty="0"/>
+              <a:t>don’t </a:t>
+            </a:r>
+            <a:r>
+              <a:rPr lang="en-CA" sz="3200" dirty="0"/>
+              <a:t>have anything in them.</a:t>
+            </a:r>
+          </a:p>
+          <a:p>
+            <a:r>
+              <a:rPr lang="en-CA" sz="3200" dirty="0" err="1"/>
+              <a:t>cAABB</a:t>
+            </a:r>
+            <a:r>
+              <a:rPr lang="en-CA" sz="3200" dirty="0"/>
+              <a:t> [100][100][100] </a:t>
+            </a:r>
+            <a:r>
+              <a:rPr lang="en-CA" sz="3200" dirty="0">
+                <a:sym typeface="Wingdings" panose="05000000000000000000" pitchFamily="2" charset="2"/>
+              </a:rPr>
+              <a:t> All cubes are present, taking up memory even though they have nothing in them</a:t>
+            </a:r>
+          </a:p>
+          <a:p>
+            <a:pPr lvl="1"/>
+            <a:r>
+              <a:rPr lang="en-CA" sz="2800" dirty="0">
+                <a:sym typeface="Wingdings" panose="05000000000000000000" pitchFamily="2" charset="2"/>
+              </a:rPr>
+              <a:t>Look ups in an array are the fastest – just an index lookup</a:t>
+            </a:r>
+          </a:p>
+          <a:p>
+            <a:pPr lvl="1"/>
+            <a:r>
+              <a:rPr lang="en-CA" sz="2800" dirty="0">
+                <a:sym typeface="Wingdings" panose="05000000000000000000" pitchFamily="2" charset="2"/>
+              </a:rPr>
+              <a:t>But, you are wasting (using up) memory that you don’t need </a:t>
+            </a:r>
+            <a:br>
+              <a:rPr lang="en-CA" sz="2800" dirty="0">
+                <a:sym typeface="Wingdings" panose="05000000000000000000" pitchFamily="2" charset="2"/>
+              </a:rPr>
+            </a:br>
+            <a:r>
+              <a:rPr lang="en-CA" sz="2800" dirty="0">
+                <a:sym typeface="Wingdings" panose="05000000000000000000" pitchFamily="2" charset="2"/>
+              </a:rPr>
+              <a:t>(if the model is mostly empty)</a:t>
+            </a:r>
+            <a:endParaRPr lang="en-CA" sz="2800" dirty="0"/>
+          </a:p>
+        </p:txBody>
+      </p:sp>
+    </p:spTree>
+    <p:extLst>
+      <p:ext uri="{BB962C8B-B14F-4D97-AF65-F5344CB8AC3E}">
+        <p14:creationId xmlns:p14="http://schemas.microsoft.com/office/powerpoint/2010/main" val="623588512"/>
+      </p:ext>
+    </p:extLst>
+  </p:cSld>
+  <p:clrMapOvr>
+    <a:masterClrMapping/>
+  </p:clrMapOvr>
+</p:sld>
+</file>
+
+<file path=ppt/slides/slide27.xml><?xml version="1.0" encoding="utf-8"?>
+<p:sld xmlns:a="http://schemas.openxmlformats.org/drawingml/2006/main" xmlns:r="http://schemas.openxmlformats.org/officeDocument/2006/relationships" xmlns:p="http://schemas.openxmlformats.org/presentationml/2006/main">
+  <p:cSld>
+    <p:spTree>
+      <p:nvGrpSpPr>
+        <p:cNvPr id="1" name=""/>
+        <p:cNvGrpSpPr/>
+        <p:nvPr/>
+      </p:nvGrpSpPr>
+      <p:grpSpPr>
+        <a:xfrm>
+          <a:off x="0" y="0"/>
+          <a:ext cx="0" cy="0"/>
+          <a:chOff x="0" y="0"/>
+          <a:chExt cx="0" cy="0"/>
+        </a:xfrm>
+      </p:grpSpPr>
+      <p:sp>
+        <p:nvSpPr>
+          <p:cNvPr id="2" name="Title 1">
+            <a:extLst>
+              <a:ext uri="{FF2B5EF4-FFF2-40B4-BE49-F238E27FC236}">
+                <a16:creationId xmlns:a16="http://schemas.microsoft.com/office/drawing/2014/main" id="{8922F276-463B-252F-F052-23A60724ECBD}"/>
+              </a:ext>
+            </a:extLst>
+          </p:cNvPr>
+          <p:cNvSpPr>
+            <a:spLocks noGrp="1"/>
+          </p:cNvSpPr>
+          <p:nvPr>
+            <p:ph type="title"/>
+          </p:nvPr>
+        </p:nvSpPr>
+        <p:spPr>
+          <a:xfrm>
+            <a:off x="674914" y="386896"/>
+            <a:ext cx="5421086" cy="930275"/>
+          </a:xfrm>
+        </p:spPr>
+        <p:txBody>
+          <a:bodyPr/>
+          <a:lstStyle/>
+          <a:p>
+            <a:r>
+              <a:rPr lang="en-CA" dirty="0"/>
+              <a:t>Dense vs sparse:</a:t>
+            </a:r>
+          </a:p>
+        </p:txBody>
+      </p:sp>
+      <p:sp>
+        <p:nvSpPr>
+          <p:cNvPr id="3" name="Content Placeholder 2">
+            <a:extLst>
+              <a:ext uri="{FF2B5EF4-FFF2-40B4-BE49-F238E27FC236}">
+                <a16:creationId xmlns:a16="http://schemas.microsoft.com/office/drawing/2014/main" id="{A9712ED5-3E28-91B6-1544-75B6877FE776}"/>
+              </a:ext>
+            </a:extLst>
+          </p:cNvPr>
+          <p:cNvSpPr>
+            <a:spLocks noGrp="1"/>
+          </p:cNvSpPr>
+          <p:nvPr>
+            <p:ph idx="1"/>
+          </p:nvPr>
+        </p:nvSpPr>
+        <p:spPr>
+          <a:xfrm>
+            <a:off x="457201" y="1466396"/>
+            <a:ext cx="5791199" cy="4901747"/>
+          </a:xfrm>
+        </p:spPr>
+        <p:txBody>
+          <a:bodyPr>
+            <a:normAutofit/>
+          </a:bodyPr>
+          <a:lstStyle/>
+          <a:p>
+            <a:r>
+              <a:rPr lang="en-CA" sz="3200" dirty="0" err="1"/>
+              <a:t>cAABB</a:t>
+            </a:r>
+            <a:r>
+              <a:rPr lang="en-CA" sz="3200" dirty="0"/>
+              <a:t> [100][100][100] </a:t>
+            </a:r>
+          </a:p>
+          <a:p>
+            <a:r>
+              <a:rPr lang="en-CA" sz="3200" dirty="0">
+                <a:sym typeface="Wingdings" panose="05000000000000000000" pitchFamily="2" charset="2"/>
+              </a:rPr>
+              <a:t>If most of these are empty, then use can use a “sparse” container that doesn’t have all the items.</a:t>
+            </a:r>
+          </a:p>
+          <a:p>
+            <a:endParaRPr lang="en-CA" sz="3200" dirty="0">
+              <a:sym typeface="Wingdings" panose="05000000000000000000" pitchFamily="2" charset="2"/>
+            </a:endParaRPr>
+          </a:p>
+        </p:txBody>
+      </p:sp>
+      <p:graphicFrame>
+        <p:nvGraphicFramePr>
+          <p:cNvPr id="5" name="Table 4">
+            <a:extLst>
+              <a:ext uri="{FF2B5EF4-FFF2-40B4-BE49-F238E27FC236}">
+                <a16:creationId xmlns:a16="http://schemas.microsoft.com/office/drawing/2014/main" id="{E2C5586A-4030-49EC-EA31-5A8CBDA31027}"/>
+              </a:ext>
+            </a:extLst>
+          </p:cNvPr>
+          <p:cNvGraphicFramePr>
+            <a:graphicFrameLocks noGrp="1"/>
+          </p:cNvGraphicFramePr>
+          <p:nvPr>
+            <p:extLst>
+              <p:ext uri="{D42A27DB-BD31-4B8C-83A1-F6EECF244321}">
+                <p14:modId xmlns:p14="http://schemas.microsoft.com/office/powerpoint/2010/main" val="1428210755"/>
+              </p:ext>
+            </p:extLst>
+          </p:nvPr>
+        </p:nvGraphicFramePr>
+        <p:xfrm>
+          <a:off x="9466941" y="859743"/>
+          <a:ext cx="2267858" cy="4302120"/>
+        </p:xfrm>
+        <a:graphic>
+          <a:graphicData uri="http://schemas.openxmlformats.org/drawingml/2006/table">
+            <a:tbl>
+              <a:tblPr firstRow="1" bandRow="1">
+                <a:tableStyleId>{5C22544A-7EE6-4342-B048-85BDC9FD1C3A}</a:tableStyleId>
+              </a:tblPr>
+              <a:tblGrid>
+                <a:gridCol w="1059543">
+                  <a:extLst>
+                    <a:ext uri="{9D8B030D-6E8A-4147-A177-3AD203B41FA5}">
+                      <a16:colId xmlns:a16="http://schemas.microsoft.com/office/drawing/2014/main" val="4054166495"/>
+                    </a:ext>
+                  </a:extLst>
+                </a:gridCol>
+                <a:gridCol w="1208315">
+                  <a:extLst>
+                    <a:ext uri="{9D8B030D-6E8A-4147-A177-3AD203B41FA5}">
+                      <a16:colId xmlns:a16="http://schemas.microsoft.com/office/drawing/2014/main" val="1917569488"/>
+                    </a:ext>
+                  </a:extLst>
+                </a:gridCol>
+              </a:tblGrid>
+              <a:tr h="537765">
+                <a:tc>
+                  <a:txBody>
+                    <a:bodyPr/>
+                    <a:lstStyle/>
+                    <a:p>
+                      <a:pPr algn="ctr"/>
+                      <a:r>
+                        <a:rPr lang="en-CA" dirty="0"/>
+                        <a:t>Index</a:t>
+                      </a:r>
+                    </a:p>
+                  </a:txBody>
+                  <a:tcPr/>
+                </a:tc>
+                <a:tc>
+                  <a:txBody>
+                    <a:bodyPr/>
+                    <a:lstStyle/>
+                    <a:p>
+                      <a:pPr algn="ctr"/>
+                      <a:r>
+                        <a:rPr lang="en-CA" dirty="0"/>
+                        <a:t>Data</a:t>
+                      </a:r>
+                    </a:p>
+                  </a:txBody>
+                  <a:tcPr/>
+                </a:tc>
+                <a:extLst>
+                  <a:ext uri="{0D108BD9-81ED-4DB2-BD59-A6C34878D82A}">
+                    <a16:rowId xmlns:a16="http://schemas.microsoft.com/office/drawing/2014/main" val="3691506070"/>
+                  </a:ext>
+                </a:extLst>
+              </a:tr>
+              <a:tr h="537765">
+                <a:tc>
+                  <a:txBody>
+                    <a:bodyPr/>
+                    <a:lstStyle/>
+                    <a:p>
+                      <a:pPr algn="ctr"/>
+                      <a:r>
+                        <a:rPr lang="en-CA" dirty="0"/>
+                        <a:t>0</a:t>
+                      </a:r>
+                    </a:p>
+                  </a:txBody>
+                  <a:tcPr/>
+                </a:tc>
+                <a:tc>
+                  <a:txBody>
+                    <a:bodyPr/>
+                    <a:lstStyle/>
+                    <a:p>
+                      <a:pPr algn="ctr"/>
+                      <a:r>
+                        <a:rPr lang="en-CA" dirty="0"/>
+                        <a:t>343</a:t>
+                      </a:r>
+                    </a:p>
+                  </a:txBody>
+                  <a:tcPr/>
+                </a:tc>
+                <a:extLst>
+                  <a:ext uri="{0D108BD9-81ED-4DB2-BD59-A6C34878D82A}">
+                    <a16:rowId xmlns:a16="http://schemas.microsoft.com/office/drawing/2014/main" val="4150931767"/>
+                  </a:ext>
+                </a:extLst>
+              </a:tr>
+              <a:tr h="537765">
+                <a:tc>
+                  <a:txBody>
+                    <a:bodyPr/>
+                    <a:lstStyle/>
+                    <a:p>
+                      <a:pPr algn="ctr"/>
+                      <a:r>
+                        <a:rPr lang="en-CA" dirty="0"/>
+                        <a:t>2</a:t>
+                      </a:r>
+                    </a:p>
+                  </a:txBody>
+                  <a:tcPr/>
+                </a:tc>
+                <a:tc>
+                  <a:txBody>
+                    <a:bodyPr/>
+                    <a:lstStyle/>
+                    <a:p>
+                      <a:pPr algn="ctr"/>
+                      <a:r>
+                        <a:rPr lang="en-CA" dirty="0"/>
+                        <a:t>2234</a:t>
+                      </a:r>
+                    </a:p>
+                  </a:txBody>
+                  <a:tcPr/>
+                </a:tc>
+                <a:extLst>
+                  <a:ext uri="{0D108BD9-81ED-4DB2-BD59-A6C34878D82A}">
+                    <a16:rowId xmlns:a16="http://schemas.microsoft.com/office/drawing/2014/main" val="3905655000"/>
+                  </a:ext>
+                </a:extLst>
+              </a:tr>
+              <a:tr h="537765">
+                <a:tc>
+                  <a:txBody>
+                    <a:bodyPr/>
+                    <a:lstStyle/>
+                    <a:p>
+                      <a:pPr algn="ctr"/>
+                      <a:r>
+                        <a:rPr lang="en-CA" dirty="0"/>
+                        <a:t>4</a:t>
+                      </a:r>
+                    </a:p>
+                  </a:txBody>
+                  <a:tcPr/>
+                </a:tc>
+                <a:tc>
+                  <a:txBody>
+                    <a:bodyPr/>
+                    <a:lstStyle/>
+                    <a:p>
+                      <a:pPr algn="ctr"/>
+                      <a:r>
+                        <a:rPr lang="en-CA" dirty="0"/>
+                        <a:t>112</a:t>
+                      </a:r>
+                    </a:p>
+                  </a:txBody>
+                  <a:tcPr/>
+                </a:tc>
+                <a:extLst>
+                  <a:ext uri="{0D108BD9-81ED-4DB2-BD59-A6C34878D82A}">
+                    <a16:rowId xmlns:a16="http://schemas.microsoft.com/office/drawing/2014/main" val="2263465493"/>
+                  </a:ext>
+                </a:extLst>
+              </a:tr>
+              <a:tr h="537765">
+                <a:tc>
+                  <a:txBody>
+                    <a:bodyPr/>
+                    <a:lstStyle/>
+                    <a:p>
+                      <a:pPr algn="ctr"/>
+                      <a:endParaRPr lang="en-CA" dirty="0"/>
+                    </a:p>
+                  </a:txBody>
+                  <a:tcPr/>
+                </a:tc>
+                <a:tc>
+                  <a:txBody>
+                    <a:bodyPr/>
+                    <a:lstStyle/>
+                    <a:p>
+                      <a:pPr algn="ctr"/>
+                      <a:endParaRPr lang="en-CA" dirty="0"/>
+                    </a:p>
+                  </a:txBody>
+                  <a:tcPr/>
+                </a:tc>
+                <a:extLst>
+                  <a:ext uri="{0D108BD9-81ED-4DB2-BD59-A6C34878D82A}">
+                    <a16:rowId xmlns:a16="http://schemas.microsoft.com/office/drawing/2014/main" val="3076761523"/>
+                  </a:ext>
+                </a:extLst>
+              </a:tr>
+              <a:tr h="537765">
+                <a:tc>
+                  <a:txBody>
+                    <a:bodyPr/>
+                    <a:lstStyle/>
+                    <a:p>
+                      <a:pPr algn="ctr"/>
+                      <a:endParaRPr lang="en-CA" dirty="0"/>
+                    </a:p>
+                  </a:txBody>
+                  <a:tcPr/>
+                </a:tc>
+                <a:tc>
+                  <a:txBody>
+                    <a:bodyPr/>
+                    <a:lstStyle/>
+                    <a:p>
+                      <a:pPr algn="ctr"/>
+                      <a:endParaRPr lang="en-CA" dirty="0"/>
+                    </a:p>
+                  </a:txBody>
+                  <a:tcPr/>
+                </a:tc>
+                <a:extLst>
+                  <a:ext uri="{0D108BD9-81ED-4DB2-BD59-A6C34878D82A}">
+                    <a16:rowId xmlns:a16="http://schemas.microsoft.com/office/drawing/2014/main" val="2553000149"/>
+                  </a:ext>
+                </a:extLst>
+              </a:tr>
+              <a:tr h="537765">
+                <a:tc>
+                  <a:txBody>
+                    <a:bodyPr/>
+                    <a:lstStyle/>
+                    <a:p>
+                      <a:pPr algn="ctr"/>
+                      <a:endParaRPr lang="en-CA" dirty="0"/>
+                    </a:p>
+                  </a:txBody>
+                  <a:tcPr/>
+                </a:tc>
+                <a:tc>
+                  <a:txBody>
+                    <a:bodyPr/>
+                    <a:lstStyle/>
+                    <a:p>
+                      <a:pPr algn="ctr"/>
+                      <a:endParaRPr lang="en-CA" dirty="0"/>
+                    </a:p>
+                  </a:txBody>
+                  <a:tcPr/>
+                </a:tc>
+                <a:extLst>
+                  <a:ext uri="{0D108BD9-81ED-4DB2-BD59-A6C34878D82A}">
+                    <a16:rowId xmlns:a16="http://schemas.microsoft.com/office/drawing/2014/main" val="3149474039"/>
+                  </a:ext>
+                </a:extLst>
+              </a:tr>
+              <a:tr h="537765">
+                <a:tc>
+                  <a:txBody>
+                    <a:bodyPr/>
+                    <a:lstStyle/>
+                    <a:p>
+                      <a:pPr algn="ctr"/>
+                      <a:endParaRPr lang="en-CA" dirty="0"/>
+                    </a:p>
+                  </a:txBody>
+                  <a:tcPr/>
+                </a:tc>
+                <a:tc>
+                  <a:txBody>
+                    <a:bodyPr/>
+                    <a:lstStyle/>
+                    <a:p>
+                      <a:pPr algn="ctr"/>
+                      <a:endParaRPr lang="en-CA" dirty="0"/>
+                    </a:p>
+                  </a:txBody>
+                  <a:tcPr/>
+                </a:tc>
+                <a:extLst>
+                  <a:ext uri="{0D108BD9-81ED-4DB2-BD59-A6C34878D82A}">
+                    <a16:rowId xmlns:a16="http://schemas.microsoft.com/office/drawing/2014/main" val="611574672"/>
+                  </a:ext>
+                </a:extLst>
+              </a:tr>
+            </a:tbl>
+          </a:graphicData>
+        </a:graphic>
+      </p:graphicFrame>
+      <p:graphicFrame>
+        <p:nvGraphicFramePr>
+          <p:cNvPr id="6" name="Table 5">
+            <a:extLst>
+              <a:ext uri="{FF2B5EF4-FFF2-40B4-BE49-F238E27FC236}">
+                <a16:creationId xmlns:a16="http://schemas.microsoft.com/office/drawing/2014/main" id="{9FF2874F-857E-2638-9382-E7259C6CAB15}"/>
+              </a:ext>
+            </a:extLst>
+          </p:cNvPr>
+          <p:cNvGraphicFramePr>
+            <a:graphicFrameLocks noGrp="1"/>
+          </p:cNvGraphicFramePr>
+          <p:nvPr>
+            <p:extLst>
+              <p:ext uri="{D42A27DB-BD31-4B8C-83A1-F6EECF244321}">
+                <p14:modId xmlns:p14="http://schemas.microsoft.com/office/powerpoint/2010/main" val="1769133288"/>
+              </p:ext>
+            </p:extLst>
+          </p:nvPr>
+        </p:nvGraphicFramePr>
+        <p:xfrm>
+          <a:off x="6562271" y="852033"/>
+          <a:ext cx="2267858" cy="4302120"/>
+        </p:xfrm>
+        <a:graphic>
+          <a:graphicData uri="http://schemas.openxmlformats.org/drawingml/2006/table">
+            <a:tbl>
+              <a:tblPr firstRow="1" bandRow="1">
+                <a:tableStyleId>{5C22544A-7EE6-4342-B048-85BDC9FD1C3A}</a:tableStyleId>
+              </a:tblPr>
+              <a:tblGrid>
+                <a:gridCol w="1059543">
+                  <a:extLst>
+                    <a:ext uri="{9D8B030D-6E8A-4147-A177-3AD203B41FA5}">
+                      <a16:colId xmlns:a16="http://schemas.microsoft.com/office/drawing/2014/main" val="4054166495"/>
+                    </a:ext>
+                  </a:extLst>
+                </a:gridCol>
+                <a:gridCol w="1208315">
+                  <a:extLst>
+                    <a:ext uri="{9D8B030D-6E8A-4147-A177-3AD203B41FA5}">
+                      <a16:colId xmlns:a16="http://schemas.microsoft.com/office/drawing/2014/main" val="1917569488"/>
+                    </a:ext>
+                  </a:extLst>
+                </a:gridCol>
+              </a:tblGrid>
+              <a:tr h="537765">
+                <a:tc>
+                  <a:txBody>
+                    <a:bodyPr/>
+                    <a:lstStyle/>
+                    <a:p>
+                      <a:pPr algn="ctr"/>
+                      <a:r>
+                        <a:rPr lang="en-CA" dirty="0"/>
+                        <a:t>Index</a:t>
+                      </a:r>
+                    </a:p>
+                  </a:txBody>
+                  <a:tcPr/>
+                </a:tc>
+                <a:tc>
+                  <a:txBody>
+                    <a:bodyPr/>
+                    <a:lstStyle/>
+                    <a:p>
+                      <a:pPr algn="ctr"/>
+                      <a:r>
+                        <a:rPr lang="en-CA" dirty="0"/>
+                        <a:t>Data</a:t>
+                      </a:r>
+                    </a:p>
+                  </a:txBody>
+                  <a:tcPr/>
+                </a:tc>
+                <a:extLst>
+                  <a:ext uri="{0D108BD9-81ED-4DB2-BD59-A6C34878D82A}">
+                    <a16:rowId xmlns:a16="http://schemas.microsoft.com/office/drawing/2014/main" val="3691506070"/>
+                  </a:ext>
+                </a:extLst>
+              </a:tr>
+              <a:tr h="537765">
+                <a:tc>
+                  <a:txBody>
+                    <a:bodyPr/>
+                    <a:lstStyle/>
+                    <a:p>
+                      <a:pPr algn="ctr"/>
+                      <a:r>
+                        <a:rPr lang="en-CA" dirty="0"/>
+                        <a:t>0</a:t>
+                      </a:r>
+                    </a:p>
+                  </a:txBody>
+                  <a:tcPr/>
+                </a:tc>
+                <a:tc>
+                  <a:txBody>
+                    <a:bodyPr/>
+                    <a:lstStyle/>
+                    <a:p>
+                      <a:pPr algn="ctr"/>
+                      <a:r>
+                        <a:rPr lang="en-CA" dirty="0"/>
+                        <a:t>343</a:t>
+                      </a:r>
+                    </a:p>
+                  </a:txBody>
+                  <a:tcPr/>
+                </a:tc>
+                <a:extLst>
+                  <a:ext uri="{0D108BD9-81ED-4DB2-BD59-A6C34878D82A}">
+                    <a16:rowId xmlns:a16="http://schemas.microsoft.com/office/drawing/2014/main" val="4150931767"/>
+                  </a:ext>
+                </a:extLst>
+              </a:tr>
+              <a:tr h="537765">
+                <a:tc>
+                  <a:txBody>
+                    <a:bodyPr/>
+                    <a:lstStyle/>
+                    <a:p>
+                      <a:pPr algn="ctr"/>
+                      <a:r>
+                        <a:rPr lang="en-CA" dirty="0"/>
+                        <a:t>1</a:t>
+                      </a:r>
+                    </a:p>
+                  </a:txBody>
+                  <a:tcPr/>
+                </a:tc>
+                <a:tc>
+                  <a:txBody>
+                    <a:bodyPr/>
+                    <a:lstStyle/>
+                    <a:p>
+                      <a:pPr algn="ctr"/>
+                      <a:r>
+                        <a:rPr lang="en-CA" dirty="0"/>
+                        <a:t>0</a:t>
+                      </a:r>
+                    </a:p>
+                  </a:txBody>
+                  <a:tcPr/>
+                </a:tc>
+                <a:extLst>
+                  <a:ext uri="{0D108BD9-81ED-4DB2-BD59-A6C34878D82A}">
+                    <a16:rowId xmlns:a16="http://schemas.microsoft.com/office/drawing/2014/main" val="3905655000"/>
+                  </a:ext>
+                </a:extLst>
+              </a:tr>
+              <a:tr h="537765">
+                <a:tc>
+                  <a:txBody>
+                    <a:bodyPr/>
+                    <a:lstStyle/>
+                    <a:p>
+                      <a:pPr algn="ctr"/>
+                      <a:r>
+                        <a:rPr lang="en-CA" dirty="0"/>
+                        <a:t>2</a:t>
+                      </a:r>
+                    </a:p>
+                  </a:txBody>
+                  <a:tcPr/>
+                </a:tc>
+                <a:tc>
+                  <a:txBody>
+                    <a:bodyPr/>
+                    <a:lstStyle/>
+                    <a:p>
+                      <a:pPr algn="ctr"/>
+                      <a:r>
+                        <a:rPr lang="en-CA" dirty="0"/>
+                        <a:t>2234</a:t>
+                      </a:r>
+                    </a:p>
+                  </a:txBody>
+                  <a:tcPr/>
+                </a:tc>
+                <a:extLst>
+                  <a:ext uri="{0D108BD9-81ED-4DB2-BD59-A6C34878D82A}">
+                    <a16:rowId xmlns:a16="http://schemas.microsoft.com/office/drawing/2014/main" val="2263465493"/>
+                  </a:ext>
+                </a:extLst>
+              </a:tr>
+              <a:tr h="537765">
+                <a:tc>
+                  <a:txBody>
+                    <a:bodyPr/>
+                    <a:lstStyle/>
+                    <a:p>
+                      <a:pPr algn="ctr"/>
+                      <a:r>
+                        <a:rPr lang="en-CA" dirty="0"/>
+                        <a:t>3</a:t>
+                      </a:r>
+                    </a:p>
+                  </a:txBody>
+                  <a:tcPr/>
+                </a:tc>
+                <a:tc>
+                  <a:txBody>
+                    <a:bodyPr/>
+                    <a:lstStyle/>
+                    <a:p>
+                      <a:pPr algn="ctr"/>
+                      <a:r>
+                        <a:rPr lang="en-CA" dirty="0"/>
+                        <a:t>0</a:t>
+                      </a:r>
+                    </a:p>
+                  </a:txBody>
+                  <a:tcPr/>
+                </a:tc>
+                <a:extLst>
+                  <a:ext uri="{0D108BD9-81ED-4DB2-BD59-A6C34878D82A}">
+                    <a16:rowId xmlns:a16="http://schemas.microsoft.com/office/drawing/2014/main" val="3076761523"/>
+                  </a:ext>
+                </a:extLst>
+              </a:tr>
+              <a:tr h="537765">
+                <a:tc>
+                  <a:txBody>
+                    <a:bodyPr/>
+                    <a:lstStyle/>
+                    <a:p>
+                      <a:pPr algn="ctr"/>
+                      <a:r>
+                        <a:rPr lang="en-CA" dirty="0"/>
+                        <a:t>4</a:t>
+                      </a:r>
+                    </a:p>
+                  </a:txBody>
+                  <a:tcPr/>
+                </a:tc>
+                <a:tc>
+                  <a:txBody>
+                    <a:bodyPr/>
+                    <a:lstStyle/>
+                    <a:p>
+                      <a:pPr algn="ctr"/>
+                      <a:r>
+                        <a:rPr lang="en-CA" dirty="0"/>
+                        <a:t>112</a:t>
+                      </a:r>
+                    </a:p>
+                  </a:txBody>
+                  <a:tcPr/>
+                </a:tc>
+                <a:extLst>
+                  <a:ext uri="{0D108BD9-81ED-4DB2-BD59-A6C34878D82A}">
+                    <a16:rowId xmlns:a16="http://schemas.microsoft.com/office/drawing/2014/main" val="2553000149"/>
+                  </a:ext>
+                </a:extLst>
+              </a:tr>
+              <a:tr h="537765">
+                <a:tc>
+                  <a:txBody>
+                    <a:bodyPr/>
+                    <a:lstStyle/>
+                    <a:p>
+                      <a:pPr algn="ctr"/>
+                      <a:r>
+                        <a:rPr lang="en-CA" dirty="0"/>
+                        <a:t>5</a:t>
+                      </a:r>
+                    </a:p>
+                  </a:txBody>
+                  <a:tcPr/>
+                </a:tc>
+                <a:tc>
+                  <a:txBody>
+                    <a:bodyPr/>
+                    <a:lstStyle/>
+                    <a:p>
+                      <a:pPr algn="ctr"/>
+                      <a:r>
+                        <a:rPr lang="en-CA" dirty="0"/>
+                        <a:t>0</a:t>
+                      </a:r>
+                    </a:p>
+                  </a:txBody>
+                  <a:tcPr/>
+                </a:tc>
+                <a:extLst>
+                  <a:ext uri="{0D108BD9-81ED-4DB2-BD59-A6C34878D82A}">
+                    <a16:rowId xmlns:a16="http://schemas.microsoft.com/office/drawing/2014/main" val="3149474039"/>
+                  </a:ext>
+                </a:extLst>
+              </a:tr>
+              <a:tr h="537765">
+                <a:tc>
+                  <a:txBody>
+                    <a:bodyPr/>
+                    <a:lstStyle/>
+                    <a:p>
+                      <a:pPr algn="ctr"/>
+                      <a:r>
+                        <a:rPr lang="en-CA" dirty="0"/>
+                        <a:t>6</a:t>
+                      </a:r>
+                    </a:p>
+                  </a:txBody>
+                  <a:tcPr/>
+                </a:tc>
+                <a:tc>
+                  <a:txBody>
+                    <a:bodyPr/>
+                    <a:lstStyle/>
+                    <a:p>
+                      <a:pPr algn="ctr"/>
+                      <a:r>
+                        <a:rPr lang="en-CA" dirty="0"/>
+                        <a:t>0</a:t>
+                      </a:r>
+                    </a:p>
+                  </a:txBody>
+                  <a:tcPr/>
+                </a:tc>
+                <a:extLst>
+                  <a:ext uri="{0D108BD9-81ED-4DB2-BD59-A6C34878D82A}">
+                    <a16:rowId xmlns:a16="http://schemas.microsoft.com/office/drawing/2014/main" val="611574672"/>
+                  </a:ext>
+                </a:extLst>
+              </a:tr>
+            </a:tbl>
+          </a:graphicData>
+        </a:graphic>
+      </p:graphicFrame>
+    </p:spTree>
+    <p:extLst>
+      <p:ext uri="{BB962C8B-B14F-4D97-AF65-F5344CB8AC3E}">
+        <p14:creationId xmlns:p14="http://schemas.microsoft.com/office/powerpoint/2010/main" val="1528623842"/>
+      </p:ext>
+    </p:extLst>
+  </p:cSld>
+  <p:clrMapOvr>
+    <a:masterClrMapping/>
+  </p:clrMapOvr>
+</p:sld>
+</file>
+
+<file path=ppt/slides/slide28.xml><?xml version="1.0" encoding="utf-8"?>
+<p:sld xmlns:a="http://schemas.openxmlformats.org/drawingml/2006/main" xmlns:r="http://schemas.openxmlformats.org/officeDocument/2006/relationships" xmlns:p="http://schemas.openxmlformats.org/presentationml/2006/main">
+  <p:cSld>
+    <p:spTree>
+      <p:nvGrpSpPr>
+        <p:cNvPr id="1" name=""/>
+        <p:cNvGrpSpPr/>
+        <p:nvPr/>
+      </p:nvGrpSpPr>
+      <p:grpSpPr>
+        <a:xfrm>
+          <a:off x="0" y="0"/>
+          <a:ext cx="0" cy="0"/>
+          <a:chOff x="0" y="0"/>
+          <a:chExt cx="0" cy="0"/>
+        </a:xfrm>
+      </p:grpSpPr>
+      <p:sp>
+        <p:nvSpPr>
+          <p:cNvPr id="2" name="Title 1">
+            <a:extLst>
+              <a:ext uri="{FF2B5EF4-FFF2-40B4-BE49-F238E27FC236}">
+                <a16:creationId xmlns:a16="http://schemas.microsoft.com/office/drawing/2014/main" id="{8922F276-463B-252F-F052-23A60724ECBD}"/>
+              </a:ext>
+            </a:extLst>
+          </p:cNvPr>
+          <p:cNvSpPr>
+            <a:spLocks noGrp="1"/>
+          </p:cNvSpPr>
+          <p:nvPr>
+            <p:ph type="title"/>
+          </p:nvPr>
+        </p:nvSpPr>
+        <p:spPr>
+          <a:xfrm>
+            <a:off x="674914" y="386896"/>
+            <a:ext cx="5421086" cy="930275"/>
+          </a:xfrm>
+        </p:spPr>
+        <p:txBody>
+          <a:bodyPr/>
+          <a:lstStyle/>
+          <a:p>
+            <a:r>
+              <a:rPr lang="en-CA" dirty="0"/>
+              <a:t>Dense vs sparse:</a:t>
+            </a:r>
+          </a:p>
+        </p:txBody>
+      </p:sp>
+      <p:sp>
+        <p:nvSpPr>
+          <p:cNvPr id="3" name="Content Placeholder 2">
+            <a:extLst>
+              <a:ext uri="{FF2B5EF4-FFF2-40B4-BE49-F238E27FC236}">
+                <a16:creationId xmlns:a16="http://schemas.microsoft.com/office/drawing/2014/main" id="{A9712ED5-3E28-91B6-1544-75B6877FE776}"/>
+              </a:ext>
+            </a:extLst>
+          </p:cNvPr>
+          <p:cNvSpPr>
+            <a:spLocks noGrp="1"/>
+          </p:cNvSpPr>
+          <p:nvPr>
+            <p:ph idx="1"/>
+          </p:nvPr>
+        </p:nvSpPr>
+        <p:spPr>
+          <a:xfrm>
+            <a:off x="457201" y="1466396"/>
+            <a:ext cx="5791199" cy="4901747"/>
+          </a:xfrm>
+        </p:spPr>
+        <p:txBody>
+          <a:bodyPr>
+            <a:normAutofit lnSpcReduction="10000"/>
+          </a:bodyPr>
+          <a:lstStyle/>
+          <a:p>
+            <a:r>
+              <a:rPr lang="en-CA" sz="3200" dirty="0"/>
+              <a:t>Left structure:</a:t>
+            </a:r>
+          </a:p>
+          <a:p>
+            <a:r>
+              <a:rPr lang="en-CA" sz="3200" dirty="0"/>
+              <a:t>vector&lt;</a:t>
+            </a:r>
+            <a:r>
+              <a:rPr lang="en-CA" sz="3200" dirty="0" err="1"/>
+              <a:t>cAABB</a:t>
+            </a:r>
+            <a:r>
+              <a:rPr lang="en-CA" sz="3200" dirty="0"/>
+              <a:t>&gt; </a:t>
+            </a:r>
+            <a:r>
+              <a:rPr lang="en-CA" sz="3200" dirty="0" err="1"/>
+              <a:t>vecData</a:t>
+            </a:r>
+            <a:endParaRPr lang="en-CA" sz="3200" dirty="0"/>
+          </a:p>
+          <a:p>
+            <a:r>
+              <a:rPr lang="en-CA" sz="3200" dirty="0" err="1"/>
+              <a:t>vecData</a:t>
+            </a:r>
+            <a:r>
+              <a:rPr lang="en-CA" sz="3200" dirty="0"/>
+              <a:t>[2] </a:t>
+            </a:r>
+          </a:p>
+          <a:p>
+            <a:r>
+              <a:rPr lang="en-CA" sz="3200" dirty="0" err="1"/>
+              <a:t>vecData</a:t>
+            </a:r>
+            <a:r>
+              <a:rPr lang="en-CA" sz="3200" dirty="0"/>
+              <a:t>[1] </a:t>
+            </a:r>
+            <a:r>
+              <a:rPr lang="en-CA" sz="3200" dirty="0">
+                <a:sym typeface="Wingdings" panose="05000000000000000000" pitchFamily="2" charset="2"/>
+              </a:rPr>
+              <a:t> returns 0 items</a:t>
+            </a:r>
+            <a:endParaRPr lang="en-CA" sz="3200" dirty="0"/>
+          </a:p>
+          <a:p>
+            <a:endParaRPr lang="en-CA" sz="3200" dirty="0">
+              <a:sym typeface="Wingdings" panose="05000000000000000000" pitchFamily="2" charset="2"/>
+            </a:endParaRPr>
+          </a:p>
+          <a:p>
+            <a:r>
+              <a:rPr lang="en-CA" sz="3200" dirty="0">
+                <a:sym typeface="Wingdings" panose="05000000000000000000" pitchFamily="2" charset="2"/>
+              </a:rPr>
+              <a:t>Right:</a:t>
+            </a:r>
+          </a:p>
+          <a:p>
+            <a:r>
+              <a:rPr lang="en-CA" sz="3200" dirty="0">
+                <a:sym typeface="Wingdings" panose="05000000000000000000" pitchFamily="2" charset="2"/>
+              </a:rPr>
+              <a:t>map&lt;int, </a:t>
+            </a:r>
+            <a:r>
+              <a:rPr lang="en-CA" sz="3200" dirty="0" err="1">
+                <a:sym typeface="Wingdings" panose="05000000000000000000" pitchFamily="2" charset="2"/>
+              </a:rPr>
+              <a:t>cAABB</a:t>
+            </a:r>
+            <a:r>
+              <a:rPr lang="en-CA" sz="3200" dirty="0">
+                <a:sym typeface="Wingdings" panose="05000000000000000000" pitchFamily="2" charset="2"/>
+              </a:rPr>
+              <a:t>&gt; </a:t>
+            </a:r>
+            <a:r>
+              <a:rPr lang="en-CA" sz="3200" dirty="0" err="1">
+                <a:sym typeface="Wingdings" panose="05000000000000000000" pitchFamily="2" charset="2"/>
+              </a:rPr>
+              <a:t>mapData</a:t>
+            </a:r>
+            <a:endParaRPr lang="en-CA" sz="3200" dirty="0">
+              <a:sym typeface="Wingdings" panose="05000000000000000000" pitchFamily="2" charset="2"/>
+            </a:endParaRPr>
+          </a:p>
+          <a:p>
+            <a:r>
+              <a:rPr lang="en-CA" sz="3200" dirty="0" err="1">
+                <a:sym typeface="Wingdings" panose="05000000000000000000" pitchFamily="2" charset="2"/>
+              </a:rPr>
+              <a:t>mapData</a:t>
+            </a:r>
+            <a:r>
+              <a:rPr lang="en-CA" sz="3200" dirty="0">
+                <a:sym typeface="Wingdings" panose="05000000000000000000" pitchFamily="2" charset="2"/>
+              </a:rPr>
+              <a:t>[2]</a:t>
+            </a:r>
+          </a:p>
+          <a:p>
+            <a:r>
+              <a:rPr lang="en-CA" sz="3200" i="1" dirty="0" err="1">
+                <a:sym typeface="Wingdings" panose="05000000000000000000" pitchFamily="2" charset="2"/>
+              </a:rPr>
+              <a:t>mapData</a:t>
+            </a:r>
+            <a:r>
+              <a:rPr lang="en-CA" sz="3200" i="1" dirty="0">
+                <a:sym typeface="Wingdings" panose="05000000000000000000" pitchFamily="2" charset="2"/>
+              </a:rPr>
+              <a:t>[1]  isn’t there</a:t>
+            </a:r>
+          </a:p>
+          <a:p>
+            <a:endParaRPr lang="en-CA" sz="3200" dirty="0">
+              <a:sym typeface="Wingdings" panose="05000000000000000000" pitchFamily="2" charset="2"/>
+            </a:endParaRPr>
+          </a:p>
+        </p:txBody>
+      </p:sp>
+      <p:graphicFrame>
+        <p:nvGraphicFramePr>
+          <p:cNvPr id="5" name="Table 4">
+            <a:extLst>
+              <a:ext uri="{FF2B5EF4-FFF2-40B4-BE49-F238E27FC236}">
+                <a16:creationId xmlns:a16="http://schemas.microsoft.com/office/drawing/2014/main" id="{E2C5586A-4030-49EC-EA31-5A8CBDA31027}"/>
+              </a:ext>
+            </a:extLst>
+          </p:cNvPr>
+          <p:cNvGraphicFramePr>
+            <a:graphicFrameLocks noGrp="1"/>
+          </p:cNvGraphicFramePr>
+          <p:nvPr/>
+        </p:nvGraphicFramePr>
+        <p:xfrm>
+          <a:off x="9466941" y="859743"/>
+          <a:ext cx="2267858" cy="4302120"/>
+        </p:xfrm>
+        <a:graphic>
+          <a:graphicData uri="http://schemas.openxmlformats.org/drawingml/2006/table">
+            <a:tbl>
+              <a:tblPr firstRow="1" bandRow="1">
+                <a:tableStyleId>{5C22544A-7EE6-4342-B048-85BDC9FD1C3A}</a:tableStyleId>
+              </a:tblPr>
+              <a:tblGrid>
+                <a:gridCol w="1059543">
+                  <a:extLst>
+                    <a:ext uri="{9D8B030D-6E8A-4147-A177-3AD203B41FA5}">
+                      <a16:colId xmlns:a16="http://schemas.microsoft.com/office/drawing/2014/main" val="4054166495"/>
+                    </a:ext>
+                  </a:extLst>
+                </a:gridCol>
+                <a:gridCol w="1208315">
+                  <a:extLst>
+                    <a:ext uri="{9D8B030D-6E8A-4147-A177-3AD203B41FA5}">
+                      <a16:colId xmlns:a16="http://schemas.microsoft.com/office/drawing/2014/main" val="1917569488"/>
+                    </a:ext>
+                  </a:extLst>
+                </a:gridCol>
+              </a:tblGrid>
+              <a:tr h="537765">
+                <a:tc>
+                  <a:txBody>
+                    <a:bodyPr/>
+                    <a:lstStyle/>
+                    <a:p>
+                      <a:pPr algn="ctr"/>
+                      <a:r>
+                        <a:rPr lang="en-CA" dirty="0"/>
+                        <a:t>Index</a:t>
+                      </a:r>
+                    </a:p>
+                  </a:txBody>
+                  <a:tcPr/>
+                </a:tc>
+                <a:tc>
+                  <a:txBody>
+                    <a:bodyPr/>
+                    <a:lstStyle/>
+                    <a:p>
+                      <a:pPr algn="ctr"/>
+                      <a:r>
+                        <a:rPr lang="en-CA" dirty="0"/>
+                        <a:t>Data</a:t>
+                      </a:r>
+                    </a:p>
+                  </a:txBody>
+                  <a:tcPr/>
+                </a:tc>
+                <a:extLst>
+                  <a:ext uri="{0D108BD9-81ED-4DB2-BD59-A6C34878D82A}">
+                    <a16:rowId xmlns:a16="http://schemas.microsoft.com/office/drawing/2014/main" val="3691506070"/>
+                  </a:ext>
+                </a:extLst>
+              </a:tr>
+              <a:tr h="537765">
+                <a:tc>
+                  <a:txBody>
+                    <a:bodyPr/>
+                    <a:lstStyle/>
+                    <a:p>
+                      <a:pPr algn="ctr"/>
+                      <a:r>
+                        <a:rPr lang="en-CA" dirty="0"/>
+                        <a:t>0</a:t>
+                      </a:r>
+                    </a:p>
+                  </a:txBody>
+                  <a:tcPr/>
+                </a:tc>
+                <a:tc>
+                  <a:txBody>
+                    <a:bodyPr/>
+                    <a:lstStyle/>
+                    <a:p>
+                      <a:pPr algn="ctr"/>
+                      <a:r>
+                        <a:rPr lang="en-CA" dirty="0"/>
+                        <a:t>343</a:t>
+                      </a:r>
+                    </a:p>
+                  </a:txBody>
+                  <a:tcPr/>
+                </a:tc>
+                <a:extLst>
+                  <a:ext uri="{0D108BD9-81ED-4DB2-BD59-A6C34878D82A}">
+                    <a16:rowId xmlns:a16="http://schemas.microsoft.com/office/drawing/2014/main" val="4150931767"/>
+                  </a:ext>
+                </a:extLst>
+              </a:tr>
+              <a:tr h="537765">
+                <a:tc>
+                  <a:txBody>
+                    <a:bodyPr/>
+                    <a:lstStyle/>
+                    <a:p>
+                      <a:pPr algn="ctr"/>
+                      <a:r>
+                        <a:rPr lang="en-CA" dirty="0"/>
+                        <a:t>2</a:t>
+                      </a:r>
+                    </a:p>
+                  </a:txBody>
+                  <a:tcPr/>
+                </a:tc>
+                <a:tc>
+                  <a:txBody>
+                    <a:bodyPr/>
+                    <a:lstStyle/>
+                    <a:p>
+                      <a:pPr algn="ctr"/>
+                      <a:r>
+                        <a:rPr lang="en-CA" dirty="0"/>
+                        <a:t>2234</a:t>
+                      </a:r>
+                    </a:p>
+                  </a:txBody>
+                  <a:tcPr/>
+                </a:tc>
+                <a:extLst>
+                  <a:ext uri="{0D108BD9-81ED-4DB2-BD59-A6C34878D82A}">
+                    <a16:rowId xmlns:a16="http://schemas.microsoft.com/office/drawing/2014/main" val="3905655000"/>
+                  </a:ext>
+                </a:extLst>
+              </a:tr>
+              <a:tr h="537765">
+                <a:tc>
+                  <a:txBody>
+                    <a:bodyPr/>
+                    <a:lstStyle/>
+                    <a:p>
+                      <a:pPr algn="ctr"/>
+                      <a:r>
+                        <a:rPr lang="en-CA" dirty="0"/>
+                        <a:t>4</a:t>
+                      </a:r>
+                    </a:p>
+                  </a:txBody>
+                  <a:tcPr/>
+                </a:tc>
+                <a:tc>
+                  <a:txBody>
+                    <a:bodyPr/>
+                    <a:lstStyle/>
+                    <a:p>
+                      <a:pPr algn="ctr"/>
+                      <a:r>
+                        <a:rPr lang="en-CA" dirty="0"/>
+                        <a:t>112</a:t>
+                      </a:r>
+                    </a:p>
+                  </a:txBody>
+                  <a:tcPr/>
+                </a:tc>
+                <a:extLst>
+                  <a:ext uri="{0D108BD9-81ED-4DB2-BD59-A6C34878D82A}">
+                    <a16:rowId xmlns:a16="http://schemas.microsoft.com/office/drawing/2014/main" val="2263465493"/>
+                  </a:ext>
+                </a:extLst>
+              </a:tr>
+              <a:tr h="537765">
+                <a:tc>
+                  <a:txBody>
+                    <a:bodyPr/>
+                    <a:lstStyle/>
+                    <a:p>
+                      <a:pPr algn="ctr"/>
+                      <a:endParaRPr lang="en-CA" dirty="0"/>
+                    </a:p>
+                  </a:txBody>
+                  <a:tcPr/>
+                </a:tc>
+                <a:tc>
+                  <a:txBody>
+                    <a:bodyPr/>
+                    <a:lstStyle/>
+                    <a:p>
+                      <a:pPr algn="ctr"/>
+                      <a:endParaRPr lang="en-CA" dirty="0"/>
+                    </a:p>
+                  </a:txBody>
+                  <a:tcPr/>
+                </a:tc>
+                <a:extLst>
+                  <a:ext uri="{0D108BD9-81ED-4DB2-BD59-A6C34878D82A}">
+                    <a16:rowId xmlns:a16="http://schemas.microsoft.com/office/drawing/2014/main" val="3076761523"/>
+                  </a:ext>
+                </a:extLst>
+              </a:tr>
+              <a:tr h="537765">
+                <a:tc>
+                  <a:txBody>
+                    <a:bodyPr/>
+                    <a:lstStyle/>
+                    <a:p>
+                      <a:pPr algn="ctr"/>
+                      <a:endParaRPr lang="en-CA" dirty="0"/>
+                    </a:p>
+                  </a:txBody>
+                  <a:tcPr/>
+                </a:tc>
+                <a:tc>
+                  <a:txBody>
+                    <a:bodyPr/>
+                    <a:lstStyle/>
+                    <a:p>
+                      <a:pPr algn="ctr"/>
+                      <a:endParaRPr lang="en-CA" dirty="0"/>
+                    </a:p>
+                  </a:txBody>
+                  <a:tcPr/>
+                </a:tc>
+                <a:extLst>
+                  <a:ext uri="{0D108BD9-81ED-4DB2-BD59-A6C34878D82A}">
+                    <a16:rowId xmlns:a16="http://schemas.microsoft.com/office/drawing/2014/main" val="2553000149"/>
+                  </a:ext>
+                </a:extLst>
+              </a:tr>
+              <a:tr h="537765">
+                <a:tc>
+                  <a:txBody>
+                    <a:bodyPr/>
+                    <a:lstStyle/>
+                    <a:p>
+                      <a:pPr algn="ctr"/>
+                      <a:endParaRPr lang="en-CA" dirty="0"/>
+                    </a:p>
+                  </a:txBody>
+                  <a:tcPr/>
+                </a:tc>
+                <a:tc>
+                  <a:txBody>
+                    <a:bodyPr/>
+                    <a:lstStyle/>
+                    <a:p>
+                      <a:pPr algn="ctr"/>
+                      <a:endParaRPr lang="en-CA" dirty="0"/>
+                    </a:p>
+                  </a:txBody>
+                  <a:tcPr/>
+                </a:tc>
+                <a:extLst>
+                  <a:ext uri="{0D108BD9-81ED-4DB2-BD59-A6C34878D82A}">
+                    <a16:rowId xmlns:a16="http://schemas.microsoft.com/office/drawing/2014/main" val="3149474039"/>
+                  </a:ext>
+                </a:extLst>
+              </a:tr>
+              <a:tr h="537765">
+                <a:tc>
+                  <a:txBody>
+                    <a:bodyPr/>
+                    <a:lstStyle/>
+                    <a:p>
+                      <a:pPr algn="ctr"/>
+                      <a:endParaRPr lang="en-CA" dirty="0"/>
+                    </a:p>
+                  </a:txBody>
+                  <a:tcPr/>
+                </a:tc>
+                <a:tc>
+                  <a:txBody>
+                    <a:bodyPr/>
+                    <a:lstStyle/>
+                    <a:p>
+                      <a:pPr algn="ctr"/>
+                      <a:endParaRPr lang="en-CA" dirty="0"/>
+                    </a:p>
+                  </a:txBody>
+                  <a:tcPr/>
+                </a:tc>
+                <a:extLst>
+                  <a:ext uri="{0D108BD9-81ED-4DB2-BD59-A6C34878D82A}">
+                    <a16:rowId xmlns:a16="http://schemas.microsoft.com/office/drawing/2014/main" val="611574672"/>
+                  </a:ext>
+                </a:extLst>
+              </a:tr>
+            </a:tbl>
+          </a:graphicData>
+        </a:graphic>
+      </p:graphicFrame>
+      <p:graphicFrame>
+        <p:nvGraphicFramePr>
+          <p:cNvPr id="6" name="Table 5">
+            <a:extLst>
+              <a:ext uri="{FF2B5EF4-FFF2-40B4-BE49-F238E27FC236}">
+                <a16:creationId xmlns:a16="http://schemas.microsoft.com/office/drawing/2014/main" id="{9FF2874F-857E-2638-9382-E7259C6CAB15}"/>
+              </a:ext>
+            </a:extLst>
+          </p:cNvPr>
+          <p:cNvGraphicFramePr>
+            <a:graphicFrameLocks noGrp="1"/>
+          </p:cNvGraphicFramePr>
+          <p:nvPr/>
+        </p:nvGraphicFramePr>
+        <p:xfrm>
+          <a:off x="6562271" y="852033"/>
+          <a:ext cx="2267858" cy="4302120"/>
+        </p:xfrm>
+        <a:graphic>
+          <a:graphicData uri="http://schemas.openxmlformats.org/drawingml/2006/table">
+            <a:tbl>
+              <a:tblPr firstRow="1" bandRow="1">
+                <a:tableStyleId>{5C22544A-7EE6-4342-B048-85BDC9FD1C3A}</a:tableStyleId>
+              </a:tblPr>
+              <a:tblGrid>
+                <a:gridCol w="1059543">
+                  <a:extLst>
+                    <a:ext uri="{9D8B030D-6E8A-4147-A177-3AD203B41FA5}">
+                      <a16:colId xmlns:a16="http://schemas.microsoft.com/office/drawing/2014/main" val="4054166495"/>
+                    </a:ext>
+                  </a:extLst>
+                </a:gridCol>
+                <a:gridCol w="1208315">
+                  <a:extLst>
+                    <a:ext uri="{9D8B030D-6E8A-4147-A177-3AD203B41FA5}">
+                      <a16:colId xmlns:a16="http://schemas.microsoft.com/office/drawing/2014/main" val="1917569488"/>
+                    </a:ext>
+                  </a:extLst>
+                </a:gridCol>
+              </a:tblGrid>
+              <a:tr h="537765">
+                <a:tc>
+                  <a:txBody>
+                    <a:bodyPr/>
+                    <a:lstStyle/>
+                    <a:p>
+                      <a:pPr algn="ctr"/>
+                      <a:r>
+                        <a:rPr lang="en-CA" dirty="0"/>
+                        <a:t>Index</a:t>
+                      </a:r>
+                    </a:p>
+                  </a:txBody>
+                  <a:tcPr/>
+                </a:tc>
+                <a:tc>
+                  <a:txBody>
+                    <a:bodyPr/>
+                    <a:lstStyle/>
+                    <a:p>
+                      <a:pPr algn="ctr"/>
+                      <a:r>
+                        <a:rPr lang="en-CA" dirty="0"/>
+                        <a:t>Data</a:t>
+                      </a:r>
+                    </a:p>
+                  </a:txBody>
+                  <a:tcPr/>
+                </a:tc>
+                <a:extLst>
+                  <a:ext uri="{0D108BD9-81ED-4DB2-BD59-A6C34878D82A}">
+                    <a16:rowId xmlns:a16="http://schemas.microsoft.com/office/drawing/2014/main" val="3691506070"/>
+                  </a:ext>
+                </a:extLst>
+              </a:tr>
+              <a:tr h="537765">
+                <a:tc>
+                  <a:txBody>
+                    <a:bodyPr/>
+                    <a:lstStyle/>
+                    <a:p>
+                      <a:pPr algn="ctr"/>
+                      <a:r>
+                        <a:rPr lang="en-CA" dirty="0"/>
+                        <a:t>0</a:t>
+                      </a:r>
+                    </a:p>
+                  </a:txBody>
+                  <a:tcPr/>
+                </a:tc>
+                <a:tc>
+                  <a:txBody>
+                    <a:bodyPr/>
+                    <a:lstStyle/>
+                    <a:p>
+                      <a:pPr algn="ctr"/>
+                      <a:r>
+                        <a:rPr lang="en-CA" dirty="0"/>
+                        <a:t>343</a:t>
+                      </a:r>
+                    </a:p>
+                  </a:txBody>
+                  <a:tcPr/>
+                </a:tc>
+                <a:extLst>
+                  <a:ext uri="{0D108BD9-81ED-4DB2-BD59-A6C34878D82A}">
+                    <a16:rowId xmlns:a16="http://schemas.microsoft.com/office/drawing/2014/main" val="4150931767"/>
+                  </a:ext>
+                </a:extLst>
+              </a:tr>
+              <a:tr h="537765">
+                <a:tc>
+                  <a:txBody>
+                    <a:bodyPr/>
+                    <a:lstStyle/>
+                    <a:p>
+                      <a:pPr algn="ctr"/>
+                      <a:r>
+                        <a:rPr lang="en-CA" dirty="0"/>
+                        <a:t>1</a:t>
+                      </a:r>
+                    </a:p>
+                  </a:txBody>
+                  <a:tcPr/>
+                </a:tc>
+                <a:tc>
+                  <a:txBody>
+                    <a:bodyPr/>
+                    <a:lstStyle/>
+                    <a:p>
+                      <a:pPr algn="ctr"/>
+                      <a:r>
+                        <a:rPr lang="en-CA" dirty="0"/>
+                        <a:t>0</a:t>
+                      </a:r>
+                    </a:p>
+                  </a:txBody>
+                  <a:tcPr/>
+                </a:tc>
+                <a:extLst>
+                  <a:ext uri="{0D108BD9-81ED-4DB2-BD59-A6C34878D82A}">
+                    <a16:rowId xmlns:a16="http://schemas.microsoft.com/office/drawing/2014/main" val="3905655000"/>
+                  </a:ext>
+                </a:extLst>
+              </a:tr>
+              <a:tr h="537765">
+                <a:tc>
+                  <a:txBody>
+                    <a:bodyPr/>
+                    <a:lstStyle/>
+                    <a:p>
+                      <a:pPr algn="ctr"/>
+                      <a:r>
+                        <a:rPr lang="en-CA" dirty="0"/>
+                        <a:t>2</a:t>
+                      </a:r>
+                    </a:p>
+                  </a:txBody>
+                  <a:tcPr/>
+                </a:tc>
+                <a:tc>
+                  <a:txBody>
+                    <a:bodyPr/>
+                    <a:lstStyle/>
+                    <a:p>
+                      <a:pPr algn="ctr"/>
+                      <a:r>
+                        <a:rPr lang="en-CA" dirty="0"/>
+                        <a:t>2234</a:t>
+                      </a:r>
+                    </a:p>
+                  </a:txBody>
+                  <a:tcPr/>
+                </a:tc>
+                <a:extLst>
+                  <a:ext uri="{0D108BD9-81ED-4DB2-BD59-A6C34878D82A}">
+                    <a16:rowId xmlns:a16="http://schemas.microsoft.com/office/drawing/2014/main" val="2263465493"/>
+                  </a:ext>
+                </a:extLst>
+              </a:tr>
+              <a:tr h="537765">
+                <a:tc>
+                  <a:txBody>
+                    <a:bodyPr/>
+                    <a:lstStyle/>
+                    <a:p>
+                      <a:pPr algn="ctr"/>
+                      <a:r>
+                        <a:rPr lang="en-CA" dirty="0"/>
+                        <a:t>3</a:t>
+                      </a:r>
+                    </a:p>
+                  </a:txBody>
+                  <a:tcPr/>
+                </a:tc>
+                <a:tc>
+                  <a:txBody>
+                    <a:bodyPr/>
+                    <a:lstStyle/>
+                    <a:p>
+                      <a:pPr algn="ctr"/>
+                      <a:r>
+                        <a:rPr lang="en-CA" dirty="0"/>
+                        <a:t>0</a:t>
+                      </a:r>
+                    </a:p>
+                  </a:txBody>
+                  <a:tcPr/>
+                </a:tc>
+                <a:extLst>
+                  <a:ext uri="{0D108BD9-81ED-4DB2-BD59-A6C34878D82A}">
+                    <a16:rowId xmlns:a16="http://schemas.microsoft.com/office/drawing/2014/main" val="3076761523"/>
+                  </a:ext>
+                </a:extLst>
+              </a:tr>
+              <a:tr h="537765">
+                <a:tc>
+                  <a:txBody>
+                    <a:bodyPr/>
+                    <a:lstStyle/>
+                    <a:p>
+                      <a:pPr algn="ctr"/>
+                      <a:r>
+                        <a:rPr lang="en-CA" dirty="0"/>
+                        <a:t>4</a:t>
+                      </a:r>
+                    </a:p>
+                  </a:txBody>
+                  <a:tcPr/>
+                </a:tc>
+                <a:tc>
+                  <a:txBody>
+                    <a:bodyPr/>
+                    <a:lstStyle/>
+                    <a:p>
+                      <a:pPr algn="ctr"/>
+                      <a:r>
+                        <a:rPr lang="en-CA" dirty="0"/>
+                        <a:t>112</a:t>
+                      </a:r>
+                    </a:p>
+                  </a:txBody>
+                  <a:tcPr/>
+                </a:tc>
+                <a:extLst>
+                  <a:ext uri="{0D108BD9-81ED-4DB2-BD59-A6C34878D82A}">
+                    <a16:rowId xmlns:a16="http://schemas.microsoft.com/office/drawing/2014/main" val="2553000149"/>
+                  </a:ext>
+                </a:extLst>
+              </a:tr>
+              <a:tr h="537765">
+                <a:tc>
+                  <a:txBody>
+                    <a:bodyPr/>
+                    <a:lstStyle/>
+                    <a:p>
+                      <a:pPr algn="ctr"/>
+                      <a:r>
+                        <a:rPr lang="en-CA" dirty="0"/>
+                        <a:t>5</a:t>
+                      </a:r>
+                    </a:p>
+                  </a:txBody>
+                  <a:tcPr/>
+                </a:tc>
+                <a:tc>
+                  <a:txBody>
+                    <a:bodyPr/>
+                    <a:lstStyle/>
+                    <a:p>
+                      <a:pPr algn="ctr"/>
+                      <a:r>
+                        <a:rPr lang="en-CA" dirty="0"/>
+                        <a:t>0</a:t>
+                      </a:r>
+                    </a:p>
+                  </a:txBody>
+                  <a:tcPr/>
+                </a:tc>
+                <a:extLst>
+                  <a:ext uri="{0D108BD9-81ED-4DB2-BD59-A6C34878D82A}">
+                    <a16:rowId xmlns:a16="http://schemas.microsoft.com/office/drawing/2014/main" val="3149474039"/>
+                  </a:ext>
+                </a:extLst>
+              </a:tr>
+              <a:tr h="537765">
+                <a:tc>
+                  <a:txBody>
+                    <a:bodyPr/>
+                    <a:lstStyle/>
+                    <a:p>
+                      <a:pPr algn="ctr"/>
+                      <a:r>
+                        <a:rPr lang="en-CA" dirty="0"/>
+                        <a:t>6</a:t>
+                      </a:r>
+                    </a:p>
+                  </a:txBody>
+                  <a:tcPr/>
+                </a:tc>
+                <a:tc>
+                  <a:txBody>
+                    <a:bodyPr/>
+                    <a:lstStyle/>
+                    <a:p>
+                      <a:pPr algn="ctr"/>
+                      <a:r>
+                        <a:rPr lang="en-CA" dirty="0"/>
+                        <a:t>0</a:t>
+                      </a:r>
+                    </a:p>
+                  </a:txBody>
+                  <a:tcPr/>
+                </a:tc>
+                <a:extLst>
+                  <a:ext uri="{0D108BD9-81ED-4DB2-BD59-A6C34878D82A}">
+                    <a16:rowId xmlns:a16="http://schemas.microsoft.com/office/drawing/2014/main" val="611574672"/>
+                  </a:ext>
+                </a:extLst>
+              </a:tr>
+            </a:tbl>
+          </a:graphicData>
+        </a:graphic>
+      </p:graphicFrame>
+    </p:spTree>
+    <p:extLst>
+      <p:ext uri="{BB962C8B-B14F-4D97-AF65-F5344CB8AC3E}">
+        <p14:creationId xmlns:p14="http://schemas.microsoft.com/office/powerpoint/2010/main" val="2902661188"/>
+      </p:ext>
+    </p:extLst>
+  </p:cSld>
+  <p:clrMapOvr>
+    <a:masterClrMapping/>
+  </p:clrMapOvr>
+</p:sld>
+</file>
+
+<file path=ppt/slides/slide29.xml><?xml version="1.0" encoding="utf-8"?>
+<p:sld xmlns:a="http://schemas.openxmlformats.org/drawingml/2006/main" xmlns:r="http://schemas.openxmlformats.org/officeDocument/2006/relationships" xmlns:p="http://schemas.openxmlformats.org/presentationml/2006/main">
+  <p:cSld>
+    <p:spTree>
+      <p:nvGrpSpPr>
+        <p:cNvPr id="1" name=""/>
+        <p:cNvGrpSpPr/>
+        <p:nvPr/>
+      </p:nvGrpSpPr>
+      <p:grpSpPr>
+        <a:xfrm>
+          <a:off x="0" y="0"/>
+          <a:ext cx="0" cy="0"/>
+          <a:chOff x="0" y="0"/>
+          <a:chExt cx="0" cy="0"/>
+        </a:xfrm>
+      </p:grpSpPr>
+      <p:pic>
+        <p:nvPicPr>
+          <p:cNvPr id="5" name="Picture 4">
+            <a:extLst>
+              <a:ext uri="{FF2B5EF4-FFF2-40B4-BE49-F238E27FC236}">
+                <a16:creationId xmlns:a16="http://schemas.microsoft.com/office/drawing/2014/main" id="{B749E447-1967-EE28-90AD-3463B07314B2}"/>
+              </a:ext>
+            </a:extLst>
+          </p:cNvPr>
+          <p:cNvPicPr>
+            <a:picLocks noChangeAspect="1"/>
+          </p:cNvPicPr>
+          <p:nvPr/>
+        </p:nvPicPr>
+        <p:blipFill>
+          <a:blip r:embed="rId2"/>
+          <a:srcRect t="38946" b="32823"/>
+          <a:stretch/>
+        </p:blipFill>
+        <p:spPr>
+          <a:xfrm>
+            <a:off x="0" y="4746171"/>
+            <a:ext cx="12192000" cy="1807028"/>
+          </a:xfrm>
+          <a:prstGeom prst="rect">
+            <a:avLst/>
+          </a:prstGeom>
+        </p:spPr>
+      </p:pic>
+      <p:sp>
+        <p:nvSpPr>
+          <p:cNvPr id="6" name="Rectangle 5">
+            <a:extLst>
+              <a:ext uri="{FF2B5EF4-FFF2-40B4-BE49-F238E27FC236}">
+                <a16:creationId xmlns:a16="http://schemas.microsoft.com/office/drawing/2014/main" id="{10A98EFA-F06D-024A-D388-F207031D915F}"/>
+              </a:ext>
+            </a:extLst>
+          </p:cNvPr>
+          <p:cNvSpPr/>
+          <p:nvPr/>
+        </p:nvSpPr>
+        <p:spPr>
+          <a:xfrm>
+            <a:off x="755122" y="474120"/>
+            <a:ext cx="2841170" cy="2841170"/>
+          </a:xfrm>
+          <a:prstGeom prst="rect">
+            <a:avLst/>
+          </a:prstGeom>
+        </p:spPr>
+        <p:style>
+          <a:lnRef idx="2">
+            <a:schemeClr val="accent1">
+              <a:shade val="15000"/>
+            </a:schemeClr>
+          </a:lnRef>
+          <a:fillRef idx="1">
+            <a:schemeClr val="accent1"/>
+          </a:fillRef>
+          <a:effectRef idx="0">
+            <a:schemeClr val="accent1"/>
+          </a:effectRef>
+          <a:fontRef idx="minor">
+            <a:schemeClr val="lt1"/>
+          </a:fontRef>
+        </p:style>
+        <p:txBody>
+          <a:bodyPr rtlCol="0" anchor="ctr"/>
+          <a:lstStyle/>
+          <a:p>
+            <a:pPr algn="ctr"/>
+            <a:r>
+              <a:rPr lang="en-CA" dirty="0"/>
+              <a:t>1000.0 units wide</a:t>
+            </a:r>
+          </a:p>
+          <a:p>
+            <a:pPr algn="ctr"/>
+            <a:r>
+              <a:rPr lang="en-CA" dirty="0"/>
+              <a:t>0.0 to &lt; 1000.0</a:t>
+            </a:r>
+          </a:p>
+        </p:txBody>
+      </p:sp>
+      <p:sp>
+        <p:nvSpPr>
+          <p:cNvPr id="7" name="TextBox 6">
+            <a:extLst>
+              <a:ext uri="{FF2B5EF4-FFF2-40B4-BE49-F238E27FC236}">
+                <a16:creationId xmlns:a16="http://schemas.microsoft.com/office/drawing/2014/main" id="{86794835-F1E0-1F86-8E24-7E5E7F7732D6}"/>
+              </a:ext>
+            </a:extLst>
+          </p:cNvPr>
+          <p:cNvSpPr txBox="1"/>
+          <p:nvPr/>
+        </p:nvSpPr>
+        <p:spPr>
+          <a:xfrm>
+            <a:off x="1003748" y="3542711"/>
+            <a:ext cx="9544509" cy="584775"/>
+          </a:xfrm>
+          <a:prstGeom prst="rect">
+            <a:avLst/>
+          </a:prstGeom>
+          <a:noFill/>
+        </p:spPr>
+        <p:txBody>
+          <a:bodyPr wrap="square" rtlCol="0">
+            <a:spAutoFit/>
+          </a:bodyPr>
+          <a:lstStyle/>
+          <a:p>
+            <a:r>
+              <a:rPr lang="en-CA" sz="3200" dirty="0">
+                <a:sym typeface="Wingdings" panose="05000000000000000000" pitchFamily="2" charset="2"/>
+              </a:rPr>
+              <a:t>If ( x </a:t>
+            </a:r>
+            <a:r>
+              <a:rPr lang="en-CA" sz="3200" b="1" dirty="0">
+                <a:sym typeface="Wingdings" panose="05000000000000000000" pitchFamily="2" charset="2"/>
+              </a:rPr>
+              <a:t>&gt;=</a:t>
+            </a:r>
+            <a:r>
+              <a:rPr lang="en-CA" sz="3200" dirty="0">
+                <a:sym typeface="Wingdings" panose="05000000000000000000" pitchFamily="2" charset="2"/>
+              </a:rPr>
+              <a:t> 0.0 &amp;&amp; x &lt; 1000.0f) then it’s inside the AABB</a:t>
+            </a:r>
+            <a:endParaRPr lang="en-CA" sz="3200" dirty="0"/>
+          </a:p>
+        </p:txBody>
+      </p:sp>
+      <p:sp>
+        <p:nvSpPr>
+          <p:cNvPr id="2" name="Rectangle 1">
+            <a:extLst>
+              <a:ext uri="{FF2B5EF4-FFF2-40B4-BE49-F238E27FC236}">
+                <a16:creationId xmlns:a16="http://schemas.microsoft.com/office/drawing/2014/main" id="{54E673E6-59A4-A698-60F7-E7BDC7814D33}"/>
+              </a:ext>
+            </a:extLst>
+          </p:cNvPr>
+          <p:cNvSpPr/>
+          <p:nvPr/>
+        </p:nvSpPr>
+        <p:spPr>
+          <a:xfrm>
+            <a:off x="3596292" y="474120"/>
+            <a:ext cx="2841170" cy="2841170"/>
+          </a:xfrm>
+          <a:prstGeom prst="rect">
+            <a:avLst/>
+          </a:prstGeom>
+        </p:spPr>
+        <p:style>
+          <a:lnRef idx="2">
+            <a:schemeClr val="accent1">
+              <a:shade val="15000"/>
+            </a:schemeClr>
+          </a:lnRef>
+          <a:fillRef idx="1">
+            <a:schemeClr val="accent1"/>
+          </a:fillRef>
+          <a:effectRef idx="0">
+            <a:schemeClr val="accent1"/>
+          </a:effectRef>
+          <a:fontRef idx="minor">
+            <a:schemeClr val="lt1"/>
+          </a:fontRef>
+        </p:style>
+        <p:txBody>
+          <a:bodyPr rtlCol="0" anchor="ctr"/>
+          <a:lstStyle/>
+          <a:p>
+            <a:pPr algn="ctr"/>
+            <a:r>
+              <a:rPr lang="en-CA" dirty="0"/>
+              <a:t>1000.0 units wide</a:t>
+            </a:r>
+          </a:p>
+          <a:p>
+            <a:pPr algn="ctr"/>
+            <a:r>
+              <a:rPr lang="en-CA" dirty="0"/>
+              <a:t>1000.0 to &lt;2000.0</a:t>
+            </a:r>
+          </a:p>
+        </p:txBody>
+      </p:sp>
+      <p:sp>
+        <p:nvSpPr>
+          <p:cNvPr id="3" name="TextBox 2">
+            <a:extLst>
+              <a:ext uri="{FF2B5EF4-FFF2-40B4-BE49-F238E27FC236}">
+                <a16:creationId xmlns:a16="http://schemas.microsoft.com/office/drawing/2014/main" id="{0642F71C-B7A4-6627-7227-A6514AAB76EC}"/>
+              </a:ext>
+            </a:extLst>
+          </p:cNvPr>
+          <p:cNvSpPr txBox="1"/>
+          <p:nvPr/>
+        </p:nvSpPr>
+        <p:spPr>
+          <a:xfrm>
+            <a:off x="755122" y="2945958"/>
+            <a:ext cx="497252" cy="369332"/>
+          </a:xfrm>
+          <a:prstGeom prst="rect">
+            <a:avLst/>
+          </a:prstGeom>
+          <a:noFill/>
+        </p:spPr>
+        <p:txBody>
+          <a:bodyPr wrap="none" rtlCol="0">
+            <a:spAutoFit/>
+          </a:bodyPr>
+          <a:lstStyle/>
+          <a:p>
+            <a:r>
+              <a:rPr lang="en-CA" dirty="0">
+                <a:solidFill>
+                  <a:schemeClr val="bg1"/>
+                </a:solidFill>
+                <a:sym typeface="Wingdings" panose="05000000000000000000" pitchFamily="2" charset="2"/>
+              </a:rPr>
+              <a:t>0,0</a:t>
+            </a:r>
+            <a:endParaRPr lang="en-CA" dirty="0">
+              <a:solidFill>
+                <a:schemeClr val="bg1"/>
+              </a:solidFill>
+            </a:endParaRPr>
+          </a:p>
+        </p:txBody>
+      </p:sp>
+      <p:sp>
+        <p:nvSpPr>
+          <p:cNvPr id="4" name="TextBox 3">
+            <a:extLst>
+              <a:ext uri="{FF2B5EF4-FFF2-40B4-BE49-F238E27FC236}">
+                <a16:creationId xmlns:a16="http://schemas.microsoft.com/office/drawing/2014/main" id="{E8C29714-872C-3DF0-D71B-0B90E1EA289E}"/>
+              </a:ext>
+            </a:extLst>
+          </p:cNvPr>
+          <p:cNvSpPr txBox="1"/>
+          <p:nvPr/>
+        </p:nvSpPr>
+        <p:spPr>
+          <a:xfrm>
+            <a:off x="3596292" y="2945958"/>
+            <a:ext cx="867545" cy="369332"/>
+          </a:xfrm>
+          <a:prstGeom prst="rect">
+            <a:avLst/>
+          </a:prstGeom>
+          <a:noFill/>
+        </p:spPr>
+        <p:txBody>
+          <a:bodyPr wrap="none" rtlCol="0">
+            <a:spAutoFit/>
+          </a:bodyPr>
+          <a:lstStyle/>
+          <a:p>
+            <a:r>
+              <a:rPr lang="en-CA" dirty="0">
+                <a:solidFill>
+                  <a:schemeClr val="bg1"/>
+                </a:solidFill>
+                <a:sym typeface="Wingdings" panose="05000000000000000000" pitchFamily="2" charset="2"/>
+              </a:rPr>
+              <a:t>1000,0</a:t>
+            </a:r>
+            <a:endParaRPr lang="en-CA" dirty="0">
+              <a:solidFill>
+                <a:schemeClr val="bg1"/>
+              </a:solidFill>
+            </a:endParaRPr>
+          </a:p>
+        </p:txBody>
+      </p:sp>
+      <p:sp>
+        <p:nvSpPr>
+          <p:cNvPr id="10" name="Rectangle 9">
+            <a:extLst>
+              <a:ext uri="{FF2B5EF4-FFF2-40B4-BE49-F238E27FC236}">
+                <a16:creationId xmlns:a16="http://schemas.microsoft.com/office/drawing/2014/main" id="{B461198C-004E-9DB5-85A1-00FE90414FA9}"/>
+              </a:ext>
+            </a:extLst>
+          </p:cNvPr>
+          <p:cNvSpPr/>
+          <p:nvPr/>
+        </p:nvSpPr>
+        <p:spPr>
+          <a:xfrm>
+            <a:off x="6437462" y="474120"/>
+            <a:ext cx="2841170" cy="2841170"/>
+          </a:xfrm>
+          <a:prstGeom prst="rect">
+            <a:avLst/>
+          </a:prstGeom>
+        </p:spPr>
+        <p:style>
+          <a:lnRef idx="2">
+            <a:schemeClr val="accent1">
+              <a:shade val="15000"/>
+            </a:schemeClr>
+          </a:lnRef>
+          <a:fillRef idx="1">
+            <a:schemeClr val="accent1"/>
+          </a:fillRef>
+          <a:effectRef idx="0">
+            <a:schemeClr val="accent1"/>
+          </a:effectRef>
+          <a:fontRef idx="minor">
+            <a:schemeClr val="lt1"/>
+          </a:fontRef>
+        </p:style>
+        <p:txBody>
+          <a:bodyPr rtlCol="0" anchor="ctr"/>
+          <a:lstStyle/>
+          <a:p>
+            <a:pPr algn="ctr"/>
+            <a:r>
+              <a:rPr lang="en-CA" dirty="0"/>
+              <a:t>1000.0 units wide</a:t>
+            </a:r>
+          </a:p>
+          <a:p>
+            <a:pPr algn="ctr"/>
+            <a:r>
+              <a:rPr lang="en-CA" dirty="0"/>
+              <a:t>2000.0 to &lt; 3000.0</a:t>
+            </a:r>
+          </a:p>
+        </p:txBody>
+      </p:sp>
+      <p:sp>
+        <p:nvSpPr>
+          <p:cNvPr id="11" name="TextBox 10">
+            <a:extLst>
+              <a:ext uri="{FF2B5EF4-FFF2-40B4-BE49-F238E27FC236}">
+                <a16:creationId xmlns:a16="http://schemas.microsoft.com/office/drawing/2014/main" id="{F1E2DD8A-7C45-36F5-93E3-4196C01494C6}"/>
+              </a:ext>
+            </a:extLst>
+          </p:cNvPr>
+          <p:cNvSpPr txBox="1"/>
+          <p:nvPr/>
+        </p:nvSpPr>
+        <p:spPr>
+          <a:xfrm>
+            <a:off x="6437462" y="2925451"/>
+            <a:ext cx="867545" cy="369332"/>
+          </a:xfrm>
+          <a:prstGeom prst="rect">
+            <a:avLst/>
+          </a:prstGeom>
+          <a:noFill/>
+        </p:spPr>
+        <p:txBody>
+          <a:bodyPr wrap="none" rtlCol="0">
+            <a:spAutoFit/>
+          </a:bodyPr>
+          <a:lstStyle/>
+          <a:p>
+            <a:r>
+              <a:rPr lang="en-CA" dirty="0">
+                <a:solidFill>
+                  <a:schemeClr val="bg1"/>
+                </a:solidFill>
+                <a:sym typeface="Wingdings" panose="05000000000000000000" pitchFamily="2" charset="2"/>
+              </a:rPr>
+              <a:t>2000,0</a:t>
+            </a:r>
+            <a:endParaRPr lang="en-CA" dirty="0">
+              <a:solidFill>
+                <a:schemeClr val="bg1"/>
+              </a:solidFill>
+            </a:endParaRPr>
+          </a:p>
+        </p:txBody>
+      </p:sp>
+    </p:spTree>
+    <p:extLst>
+      <p:ext uri="{BB962C8B-B14F-4D97-AF65-F5344CB8AC3E}">
+        <p14:creationId xmlns:p14="http://schemas.microsoft.com/office/powerpoint/2010/main" val="3883603952"/>
+      </p:ext>
+    </p:extLst>
+  </p:cSld>
+  <p:clrMapOvr>
+    <a:masterClrMapping/>
+  </p:clrMapOvr>
+</p:sld>
+</file>
+
 <file path=ppt/slides/slide3.xml><?xml version="1.0" encoding="utf-8"?>
 <p:sld xmlns:a="http://schemas.openxmlformats.org/drawingml/2006/main" xmlns:r="http://schemas.openxmlformats.org/officeDocument/2006/relationships" xmlns:p="http://schemas.openxmlformats.org/presentationml/2006/main">
   <p:cSld>
@@ -7550,6 +10227,4507 @@
     <p:extLst>
       <p:ext uri="{BB962C8B-B14F-4D97-AF65-F5344CB8AC3E}">
         <p14:creationId xmlns:p14="http://schemas.microsoft.com/office/powerpoint/2010/main" val="924205740"/>
+      </p:ext>
+    </p:extLst>
+  </p:cSld>
+  <p:clrMapOvr>
+    <a:masterClrMapping/>
+  </p:clrMapOvr>
+</p:sld>
+</file>
+
+<file path=ppt/slides/slide30.xml><?xml version="1.0" encoding="utf-8"?>
+<p:sld xmlns:a="http://schemas.openxmlformats.org/drawingml/2006/main" xmlns:r="http://schemas.openxmlformats.org/officeDocument/2006/relationships" xmlns:p="http://schemas.openxmlformats.org/presentationml/2006/main">
+  <p:cSld>
+    <p:spTree>
+      <p:nvGrpSpPr>
+        <p:cNvPr id="1" name=""/>
+        <p:cNvGrpSpPr/>
+        <p:nvPr/>
+      </p:nvGrpSpPr>
+      <p:grpSpPr>
+        <a:xfrm>
+          <a:off x="0" y="0"/>
+          <a:ext cx="0" cy="0"/>
+          <a:chOff x="0" y="0"/>
+          <a:chExt cx="0" cy="0"/>
+        </a:xfrm>
+      </p:grpSpPr>
+      <p:grpSp>
+        <p:nvGrpSpPr>
+          <p:cNvPr id="41" name="Group 40">
+            <a:extLst>
+              <a:ext uri="{FF2B5EF4-FFF2-40B4-BE49-F238E27FC236}">
+                <a16:creationId xmlns:a16="http://schemas.microsoft.com/office/drawing/2014/main" id="{9892FF09-163B-604D-502E-CB2B2D1145D0}"/>
+              </a:ext>
+            </a:extLst>
+          </p:cNvPr>
+          <p:cNvGrpSpPr/>
+          <p:nvPr/>
+        </p:nvGrpSpPr>
+        <p:grpSpPr>
+          <a:xfrm>
+            <a:off x="318534" y="453611"/>
+            <a:ext cx="10876579" cy="5457196"/>
+            <a:chOff x="318534" y="453611"/>
+            <a:chExt cx="10876579" cy="5457196"/>
+          </a:xfrm>
+        </p:grpSpPr>
+        <p:sp>
+          <p:nvSpPr>
+            <p:cNvPr id="6" name="Rectangle 5">
+              <a:extLst>
+                <a:ext uri="{FF2B5EF4-FFF2-40B4-BE49-F238E27FC236}">
+                  <a16:creationId xmlns:a16="http://schemas.microsoft.com/office/drawing/2014/main" id="{10A98EFA-F06D-024A-D388-F207031D915F}"/>
+                </a:ext>
+              </a:extLst>
+            </p:cNvPr>
+            <p:cNvSpPr/>
+            <p:nvPr/>
+          </p:nvSpPr>
+          <p:spPr>
+            <a:xfrm>
+              <a:off x="341465" y="453613"/>
+              <a:ext cx="1356706" cy="1364301"/>
+            </a:xfrm>
+            <a:prstGeom prst="rect">
+              <a:avLst/>
+            </a:prstGeom>
+          </p:spPr>
+          <p:style>
+            <a:lnRef idx="2">
+              <a:schemeClr val="accent1">
+                <a:shade val="15000"/>
+              </a:schemeClr>
+            </a:lnRef>
+            <a:fillRef idx="1">
+              <a:schemeClr val="accent1"/>
+            </a:fillRef>
+            <a:effectRef idx="0">
+              <a:schemeClr val="accent1"/>
+            </a:effectRef>
+            <a:fontRef idx="minor">
+              <a:schemeClr val="lt1"/>
+            </a:fontRef>
+          </p:style>
+          <p:txBody>
+            <a:bodyPr rtlCol="0" anchor="ctr"/>
+            <a:lstStyle/>
+            <a:p>
+              <a:pPr algn="ctr"/>
+              <a:endParaRPr lang="en-CA" dirty="0"/>
+            </a:p>
+          </p:txBody>
+        </p:sp>
+        <p:sp>
+          <p:nvSpPr>
+            <p:cNvPr id="8" name="Rectangle 7">
+              <a:extLst>
+                <a:ext uri="{FF2B5EF4-FFF2-40B4-BE49-F238E27FC236}">
+                  <a16:creationId xmlns:a16="http://schemas.microsoft.com/office/drawing/2014/main" id="{D7C6A904-B7ED-904D-1AB0-8F4CA664B5FB}"/>
+                </a:ext>
+              </a:extLst>
+            </p:cNvPr>
+            <p:cNvSpPr/>
+            <p:nvPr/>
+          </p:nvSpPr>
+          <p:spPr>
+            <a:xfrm>
+              <a:off x="1698171" y="453612"/>
+              <a:ext cx="1356706" cy="1364301"/>
+            </a:xfrm>
+            <a:prstGeom prst="rect">
+              <a:avLst/>
+            </a:prstGeom>
+          </p:spPr>
+          <p:style>
+            <a:lnRef idx="2">
+              <a:schemeClr val="accent1">
+                <a:shade val="15000"/>
+              </a:schemeClr>
+            </a:lnRef>
+            <a:fillRef idx="1">
+              <a:schemeClr val="accent1"/>
+            </a:fillRef>
+            <a:effectRef idx="0">
+              <a:schemeClr val="accent1"/>
+            </a:effectRef>
+            <a:fontRef idx="minor">
+              <a:schemeClr val="lt1"/>
+            </a:fontRef>
+          </p:style>
+          <p:txBody>
+            <a:bodyPr rtlCol="0" anchor="ctr"/>
+            <a:lstStyle/>
+            <a:p>
+              <a:pPr algn="ctr"/>
+              <a:endParaRPr lang="en-CA" dirty="0"/>
+            </a:p>
+          </p:txBody>
+        </p:sp>
+        <p:sp>
+          <p:nvSpPr>
+            <p:cNvPr id="9" name="Rectangle 8">
+              <a:extLst>
+                <a:ext uri="{FF2B5EF4-FFF2-40B4-BE49-F238E27FC236}">
+                  <a16:creationId xmlns:a16="http://schemas.microsoft.com/office/drawing/2014/main" id="{F7015EF6-2CCE-1C8F-B99F-C7F9CF644BCE}"/>
+                </a:ext>
+              </a:extLst>
+            </p:cNvPr>
+            <p:cNvSpPr/>
+            <p:nvPr/>
+          </p:nvSpPr>
+          <p:spPr>
+            <a:xfrm>
+              <a:off x="3054877" y="453612"/>
+              <a:ext cx="1356706" cy="1364301"/>
+            </a:xfrm>
+            <a:prstGeom prst="rect">
+              <a:avLst/>
+            </a:prstGeom>
+          </p:spPr>
+          <p:style>
+            <a:lnRef idx="2">
+              <a:schemeClr val="accent1">
+                <a:shade val="15000"/>
+              </a:schemeClr>
+            </a:lnRef>
+            <a:fillRef idx="1">
+              <a:schemeClr val="accent1"/>
+            </a:fillRef>
+            <a:effectRef idx="0">
+              <a:schemeClr val="accent1"/>
+            </a:effectRef>
+            <a:fontRef idx="minor">
+              <a:schemeClr val="lt1"/>
+            </a:fontRef>
+          </p:style>
+          <p:txBody>
+            <a:bodyPr rtlCol="0" anchor="ctr"/>
+            <a:lstStyle/>
+            <a:p>
+              <a:pPr algn="ctr"/>
+              <a:endParaRPr lang="en-CA" dirty="0"/>
+            </a:p>
+          </p:txBody>
+        </p:sp>
+        <p:sp>
+          <p:nvSpPr>
+            <p:cNvPr id="12" name="Rectangle 11">
+              <a:extLst>
+                <a:ext uri="{FF2B5EF4-FFF2-40B4-BE49-F238E27FC236}">
+                  <a16:creationId xmlns:a16="http://schemas.microsoft.com/office/drawing/2014/main" id="{907B0BFE-585E-E302-C6A5-5C79DF11C935}"/>
+                </a:ext>
+              </a:extLst>
+            </p:cNvPr>
+            <p:cNvSpPr/>
+            <p:nvPr/>
+          </p:nvSpPr>
+          <p:spPr>
+            <a:xfrm>
+              <a:off x="4411583" y="453611"/>
+              <a:ext cx="1356706" cy="1364301"/>
+            </a:xfrm>
+            <a:prstGeom prst="rect">
+              <a:avLst/>
+            </a:prstGeom>
+          </p:spPr>
+          <p:style>
+            <a:lnRef idx="2">
+              <a:schemeClr val="accent1">
+                <a:shade val="15000"/>
+              </a:schemeClr>
+            </a:lnRef>
+            <a:fillRef idx="1">
+              <a:schemeClr val="accent1"/>
+            </a:fillRef>
+            <a:effectRef idx="0">
+              <a:schemeClr val="accent1"/>
+            </a:effectRef>
+            <a:fontRef idx="minor">
+              <a:schemeClr val="lt1"/>
+            </a:fontRef>
+          </p:style>
+          <p:txBody>
+            <a:bodyPr rtlCol="0" anchor="ctr"/>
+            <a:lstStyle/>
+            <a:p>
+              <a:pPr algn="ctr"/>
+              <a:r>
+                <a:rPr lang="en-CA" dirty="0"/>
+                <a:t>17</a:t>
+              </a:r>
+            </a:p>
+          </p:txBody>
+        </p:sp>
+        <p:sp>
+          <p:nvSpPr>
+            <p:cNvPr id="13" name="Rectangle 12">
+              <a:extLst>
+                <a:ext uri="{FF2B5EF4-FFF2-40B4-BE49-F238E27FC236}">
+                  <a16:creationId xmlns:a16="http://schemas.microsoft.com/office/drawing/2014/main" id="{0742F346-8F38-C559-94E2-EA93B04A36EA}"/>
+                </a:ext>
+              </a:extLst>
+            </p:cNvPr>
+            <p:cNvSpPr/>
+            <p:nvPr/>
+          </p:nvSpPr>
+          <p:spPr>
+            <a:xfrm>
+              <a:off x="5768289" y="453613"/>
+              <a:ext cx="1356706" cy="1364301"/>
+            </a:xfrm>
+            <a:prstGeom prst="rect">
+              <a:avLst/>
+            </a:prstGeom>
+          </p:spPr>
+          <p:style>
+            <a:lnRef idx="2">
+              <a:schemeClr val="accent1">
+                <a:shade val="15000"/>
+              </a:schemeClr>
+            </a:lnRef>
+            <a:fillRef idx="1">
+              <a:schemeClr val="accent1"/>
+            </a:fillRef>
+            <a:effectRef idx="0">
+              <a:schemeClr val="accent1"/>
+            </a:effectRef>
+            <a:fontRef idx="minor">
+              <a:schemeClr val="lt1"/>
+            </a:fontRef>
+          </p:style>
+          <p:txBody>
+            <a:bodyPr rtlCol="0" anchor="ctr"/>
+            <a:lstStyle/>
+            <a:p>
+              <a:pPr algn="ctr"/>
+              <a:endParaRPr lang="en-CA" dirty="0"/>
+            </a:p>
+          </p:txBody>
+        </p:sp>
+        <p:sp>
+          <p:nvSpPr>
+            <p:cNvPr id="14" name="Rectangle 13">
+              <a:extLst>
+                <a:ext uri="{FF2B5EF4-FFF2-40B4-BE49-F238E27FC236}">
+                  <a16:creationId xmlns:a16="http://schemas.microsoft.com/office/drawing/2014/main" id="{4B61A8C3-58EB-38B1-91D6-3372FB086589}"/>
+                </a:ext>
+              </a:extLst>
+            </p:cNvPr>
+            <p:cNvSpPr/>
+            <p:nvPr/>
+          </p:nvSpPr>
+          <p:spPr>
+            <a:xfrm>
+              <a:off x="7124995" y="453612"/>
+              <a:ext cx="1356706" cy="1364301"/>
+            </a:xfrm>
+            <a:prstGeom prst="rect">
+              <a:avLst/>
+            </a:prstGeom>
+          </p:spPr>
+          <p:style>
+            <a:lnRef idx="2">
+              <a:schemeClr val="accent1">
+                <a:shade val="15000"/>
+              </a:schemeClr>
+            </a:lnRef>
+            <a:fillRef idx="1">
+              <a:schemeClr val="accent1"/>
+            </a:fillRef>
+            <a:effectRef idx="0">
+              <a:schemeClr val="accent1"/>
+            </a:effectRef>
+            <a:fontRef idx="minor">
+              <a:schemeClr val="lt1"/>
+            </a:fontRef>
+          </p:style>
+          <p:txBody>
+            <a:bodyPr rtlCol="0" anchor="ctr"/>
+            <a:lstStyle/>
+            <a:p>
+              <a:pPr algn="ctr"/>
+              <a:endParaRPr lang="en-CA" dirty="0"/>
+            </a:p>
+          </p:txBody>
+        </p:sp>
+        <p:sp>
+          <p:nvSpPr>
+            <p:cNvPr id="15" name="Rectangle 14">
+              <a:extLst>
+                <a:ext uri="{FF2B5EF4-FFF2-40B4-BE49-F238E27FC236}">
+                  <a16:creationId xmlns:a16="http://schemas.microsoft.com/office/drawing/2014/main" id="{D064B27F-83A0-D034-57A6-E1951F05C28E}"/>
+                </a:ext>
+              </a:extLst>
+            </p:cNvPr>
+            <p:cNvSpPr/>
+            <p:nvPr/>
+          </p:nvSpPr>
+          <p:spPr>
+            <a:xfrm>
+              <a:off x="8481701" y="453612"/>
+              <a:ext cx="1356706" cy="1364301"/>
+            </a:xfrm>
+            <a:prstGeom prst="rect">
+              <a:avLst/>
+            </a:prstGeom>
+          </p:spPr>
+          <p:style>
+            <a:lnRef idx="2">
+              <a:schemeClr val="accent1">
+                <a:shade val="15000"/>
+              </a:schemeClr>
+            </a:lnRef>
+            <a:fillRef idx="1">
+              <a:schemeClr val="accent1"/>
+            </a:fillRef>
+            <a:effectRef idx="0">
+              <a:schemeClr val="accent1"/>
+            </a:effectRef>
+            <a:fontRef idx="minor">
+              <a:schemeClr val="lt1"/>
+            </a:fontRef>
+          </p:style>
+          <p:txBody>
+            <a:bodyPr rtlCol="0" anchor="ctr"/>
+            <a:lstStyle/>
+            <a:p>
+              <a:pPr algn="ctr"/>
+              <a:endParaRPr lang="en-CA" dirty="0"/>
+            </a:p>
+          </p:txBody>
+        </p:sp>
+        <p:sp>
+          <p:nvSpPr>
+            <p:cNvPr id="16" name="Rectangle 15">
+              <a:extLst>
+                <a:ext uri="{FF2B5EF4-FFF2-40B4-BE49-F238E27FC236}">
+                  <a16:creationId xmlns:a16="http://schemas.microsoft.com/office/drawing/2014/main" id="{0C413DC6-FBEC-12B9-80AC-E2FBC653362F}"/>
+                </a:ext>
+              </a:extLst>
+            </p:cNvPr>
+            <p:cNvSpPr/>
+            <p:nvPr/>
+          </p:nvSpPr>
+          <p:spPr>
+            <a:xfrm>
+              <a:off x="9838407" y="453611"/>
+              <a:ext cx="1356706" cy="1364301"/>
+            </a:xfrm>
+            <a:prstGeom prst="rect">
+              <a:avLst/>
+            </a:prstGeom>
+          </p:spPr>
+          <p:style>
+            <a:lnRef idx="2">
+              <a:schemeClr val="accent1">
+                <a:shade val="15000"/>
+              </a:schemeClr>
+            </a:lnRef>
+            <a:fillRef idx="1">
+              <a:schemeClr val="accent1"/>
+            </a:fillRef>
+            <a:effectRef idx="0">
+              <a:schemeClr val="accent1"/>
+            </a:effectRef>
+            <a:fontRef idx="minor">
+              <a:schemeClr val="lt1"/>
+            </a:fontRef>
+          </p:style>
+          <p:txBody>
+            <a:bodyPr rtlCol="0" anchor="ctr"/>
+            <a:lstStyle/>
+            <a:p>
+              <a:pPr algn="ctr"/>
+              <a:endParaRPr lang="en-CA" dirty="0"/>
+            </a:p>
+          </p:txBody>
+        </p:sp>
+        <p:sp>
+          <p:nvSpPr>
+            <p:cNvPr id="17" name="Rectangle 16">
+              <a:extLst>
+                <a:ext uri="{FF2B5EF4-FFF2-40B4-BE49-F238E27FC236}">
+                  <a16:creationId xmlns:a16="http://schemas.microsoft.com/office/drawing/2014/main" id="{581FE475-5540-9094-3882-2577E39AA57E}"/>
+                </a:ext>
+              </a:extLst>
+            </p:cNvPr>
+            <p:cNvSpPr/>
+            <p:nvPr/>
+          </p:nvSpPr>
+          <p:spPr>
+            <a:xfrm>
+              <a:off x="341465" y="1817912"/>
+              <a:ext cx="1356706" cy="1364301"/>
+            </a:xfrm>
+            <a:prstGeom prst="rect">
+              <a:avLst/>
+            </a:prstGeom>
+          </p:spPr>
+          <p:style>
+            <a:lnRef idx="2">
+              <a:schemeClr val="accent1">
+                <a:shade val="15000"/>
+              </a:schemeClr>
+            </a:lnRef>
+            <a:fillRef idx="1">
+              <a:schemeClr val="accent1"/>
+            </a:fillRef>
+            <a:effectRef idx="0">
+              <a:schemeClr val="accent1"/>
+            </a:effectRef>
+            <a:fontRef idx="minor">
+              <a:schemeClr val="lt1"/>
+            </a:fontRef>
+          </p:style>
+          <p:txBody>
+            <a:bodyPr rtlCol="0" anchor="ctr"/>
+            <a:lstStyle/>
+            <a:p>
+              <a:pPr algn="ctr"/>
+              <a:endParaRPr lang="en-CA" dirty="0"/>
+            </a:p>
+          </p:txBody>
+        </p:sp>
+        <p:sp>
+          <p:nvSpPr>
+            <p:cNvPr id="18" name="Rectangle 17">
+              <a:extLst>
+                <a:ext uri="{FF2B5EF4-FFF2-40B4-BE49-F238E27FC236}">
+                  <a16:creationId xmlns:a16="http://schemas.microsoft.com/office/drawing/2014/main" id="{F0B9B264-55CB-2E97-4796-B181DD40181B}"/>
+                </a:ext>
+              </a:extLst>
+            </p:cNvPr>
+            <p:cNvSpPr/>
+            <p:nvPr/>
+          </p:nvSpPr>
+          <p:spPr>
+            <a:xfrm>
+              <a:off x="1698171" y="1817911"/>
+              <a:ext cx="1356706" cy="1364301"/>
+            </a:xfrm>
+            <a:prstGeom prst="rect">
+              <a:avLst/>
+            </a:prstGeom>
+          </p:spPr>
+          <p:style>
+            <a:lnRef idx="2">
+              <a:schemeClr val="accent1">
+                <a:shade val="15000"/>
+              </a:schemeClr>
+            </a:lnRef>
+            <a:fillRef idx="1">
+              <a:schemeClr val="accent1"/>
+            </a:fillRef>
+            <a:effectRef idx="0">
+              <a:schemeClr val="accent1"/>
+            </a:effectRef>
+            <a:fontRef idx="minor">
+              <a:schemeClr val="lt1"/>
+            </a:fontRef>
+          </p:style>
+          <p:txBody>
+            <a:bodyPr rtlCol="0" anchor="ctr"/>
+            <a:lstStyle/>
+            <a:p>
+              <a:pPr algn="ctr"/>
+              <a:endParaRPr lang="en-CA" dirty="0"/>
+            </a:p>
+          </p:txBody>
+        </p:sp>
+        <p:sp>
+          <p:nvSpPr>
+            <p:cNvPr id="19" name="Rectangle 18">
+              <a:extLst>
+                <a:ext uri="{FF2B5EF4-FFF2-40B4-BE49-F238E27FC236}">
+                  <a16:creationId xmlns:a16="http://schemas.microsoft.com/office/drawing/2014/main" id="{46C61739-95EB-DBE4-7B18-7A1285722AD1}"/>
+                </a:ext>
+              </a:extLst>
+            </p:cNvPr>
+            <p:cNvSpPr/>
+            <p:nvPr/>
+          </p:nvSpPr>
+          <p:spPr>
+            <a:xfrm>
+              <a:off x="3054877" y="1817911"/>
+              <a:ext cx="1356706" cy="1364301"/>
+            </a:xfrm>
+            <a:prstGeom prst="rect">
+              <a:avLst/>
+            </a:prstGeom>
+          </p:spPr>
+          <p:style>
+            <a:lnRef idx="2">
+              <a:schemeClr val="accent1">
+                <a:shade val="15000"/>
+              </a:schemeClr>
+            </a:lnRef>
+            <a:fillRef idx="1">
+              <a:schemeClr val="accent1"/>
+            </a:fillRef>
+            <a:effectRef idx="0">
+              <a:schemeClr val="accent1"/>
+            </a:effectRef>
+            <a:fontRef idx="minor">
+              <a:schemeClr val="lt1"/>
+            </a:fontRef>
+          </p:style>
+          <p:txBody>
+            <a:bodyPr rtlCol="0" anchor="ctr"/>
+            <a:lstStyle/>
+            <a:p>
+              <a:pPr algn="ctr"/>
+              <a:endParaRPr lang="en-CA" dirty="0"/>
+            </a:p>
+          </p:txBody>
+        </p:sp>
+        <p:sp>
+          <p:nvSpPr>
+            <p:cNvPr id="20" name="Rectangle 19">
+              <a:extLst>
+                <a:ext uri="{FF2B5EF4-FFF2-40B4-BE49-F238E27FC236}">
+                  <a16:creationId xmlns:a16="http://schemas.microsoft.com/office/drawing/2014/main" id="{E55ACFDA-08CF-52E7-4904-513BD121D7C3}"/>
+                </a:ext>
+              </a:extLst>
+            </p:cNvPr>
+            <p:cNvSpPr/>
+            <p:nvPr/>
+          </p:nvSpPr>
+          <p:spPr>
+            <a:xfrm>
+              <a:off x="4411583" y="1817910"/>
+              <a:ext cx="1356706" cy="1364301"/>
+            </a:xfrm>
+            <a:prstGeom prst="rect">
+              <a:avLst/>
+            </a:prstGeom>
+          </p:spPr>
+          <p:style>
+            <a:lnRef idx="2">
+              <a:schemeClr val="accent1">
+                <a:shade val="15000"/>
+              </a:schemeClr>
+            </a:lnRef>
+            <a:fillRef idx="1">
+              <a:schemeClr val="accent1"/>
+            </a:fillRef>
+            <a:effectRef idx="0">
+              <a:schemeClr val="accent1"/>
+            </a:effectRef>
+            <a:fontRef idx="minor">
+              <a:schemeClr val="lt1"/>
+            </a:fontRef>
+          </p:style>
+          <p:txBody>
+            <a:bodyPr rtlCol="0" anchor="ctr"/>
+            <a:lstStyle/>
+            <a:p>
+              <a:pPr algn="ctr"/>
+              <a:endParaRPr lang="en-CA" dirty="0"/>
+            </a:p>
+          </p:txBody>
+        </p:sp>
+        <p:sp>
+          <p:nvSpPr>
+            <p:cNvPr id="21" name="Rectangle 20">
+              <a:extLst>
+                <a:ext uri="{FF2B5EF4-FFF2-40B4-BE49-F238E27FC236}">
+                  <a16:creationId xmlns:a16="http://schemas.microsoft.com/office/drawing/2014/main" id="{C7DA461D-F183-CC28-B4ED-0C6C1B297CE6}"/>
+                </a:ext>
+              </a:extLst>
+            </p:cNvPr>
+            <p:cNvSpPr/>
+            <p:nvPr/>
+          </p:nvSpPr>
+          <p:spPr>
+            <a:xfrm>
+              <a:off x="5768289" y="1817912"/>
+              <a:ext cx="1356706" cy="1364301"/>
+            </a:xfrm>
+            <a:prstGeom prst="rect">
+              <a:avLst/>
+            </a:prstGeom>
+          </p:spPr>
+          <p:style>
+            <a:lnRef idx="2">
+              <a:schemeClr val="accent1">
+                <a:shade val="15000"/>
+              </a:schemeClr>
+            </a:lnRef>
+            <a:fillRef idx="1">
+              <a:schemeClr val="accent1"/>
+            </a:fillRef>
+            <a:effectRef idx="0">
+              <a:schemeClr val="accent1"/>
+            </a:effectRef>
+            <a:fontRef idx="minor">
+              <a:schemeClr val="lt1"/>
+            </a:fontRef>
+          </p:style>
+          <p:txBody>
+            <a:bodyPr rtlCol="0" anchor="ctr"/>
+            <a:lstStyle/>
+            <a:p>
+              <a:pPr algn="ctr"/>
+              <a:endParaRPr lang="en-CA" dirty="0"/>
+            </a:p>
+          </p:txBody>
+        </p:sp>
+        <p:sp>
+          <p:nvSpPr>
+            <p:cNvPr id="22" name="Rectangle 21">
+              <a:extLst>
+                <a:ext uri="{FF2B5EF4-FFF2-40B4-BE49-F238E27FC236}">
+                  <a16:creationId xmlns:a16="http://schemas.microsoft.com/office/drawing/2014/main" id="{53947B91-F17B-48BB-B88B-2C30B9713CA8}"/>
+                </a:ext>
+              </a:extLst>
+            </p:cNvPr>
+            <p:cNvSpPr/>
+            <p:nvPr/>
+          </p:nvSpPr>
+          <p:spPr>
+            <a:xfrm>
+              <a:off x="7124995" y="1817911"/>
+              <a:ext cx="1356706" cy="1364301"/>
+            </a:xfrm>
+            <a:prstGeom prst="rect">
+              <a:avLst/>
+            </a:prstGeom>
+          </p:spPr>
+          <p:style>
+            <a:lnRef idx="2">
+              <a:schemeClr val="accent1">
+                <a:shade val="15000"/>
+              </a:schemeClr>
+            </a:lnRef>
+            <a:fillRef idx="1">
+              <a:schemeClr val="accent1"/>
+            </a:fillRef>
+            <a:effectRef idx="0">
+              <a:schemeClr val="accent1"/>
+            </a:effectRef>
+            <a:fontRef idx="minor">
+              <a:schemeClr val="lt1"/>
+            </a:fontRef>
+          </p:style>
+          <p:txBody>
+            <a:bodyPr rtlCol="0" anchor="ctr"/>
+            <a:lstStyle/>
+            <a:p>
+              <a:pPr algn="ctr"/>
+              <a:endParaRPr lang="en-CA" dirty="0"/>
+            </a:p>
+          </p:txBody>
+        </p:sp>
+        <p:sp>
+          <p:nvSpPr>
+            <p:cNvPr id="23" name="Rectangle 22">
+              <a:extLst>
+                <a:ext uri="{FF2B5EF4-FFF2-40B4-BE49-F238E27FC236}">
+                  <a16:creationId xmlns:a16="http://schemas.microsoft.com/office/drawing/2014/main" id="{83EB9C3E-1D63-4716-2C74-1F762E906D39}"/>
+                </a:ext>
+              </a:extLst>
+            </p:cNvPr>
+            <p:cNvSpPr/>
+            <p:nvPr/>
+          </p:nvSpPr>
+          <p:spPr>
+            <a:xfrm>
+              <a:off x="8481701" y="1817911"/>
+              <a:ext cx="1356706" cy="1364301"/>
+            </a:xfrm>
+            <a:prstGeom prst="rect">
+              <a:avLst/>
+            </a:prstGeom>
+          </p:spPr>
+          <p:style>
+            <a:lnRef idx="2">
+              <a:schemeClr val="accent1">
+                <a:shade val="15000"/>
+              </a:schemeClr>
+            </a:lnRef>
+            <a:fillRef idx="1">
+              <a:schemeClr val="accent1"/>
+            </a:fillRef>
+            <a:effectRef idx="0">
+              <a:schemeClr val="accent1"/>
+            </a:effectRef>
+            <a:fontRef idx="minor">
+              <a:schemeClr val="lt1"/>
+            </a:fontRef>
+          </p:style>
+          <p:txBody>
+            <a:bodyPr rtlCol="0" anchor="ctr"/>
+            <a:lstStyle/>
+            <a:p>
+              <a:pPr algn="ctr"/>
+              <a:endParaRPr lang="en-CA" dirty="0"/>
+            </a:p>
+          </p:txBody>
+        </p:sp>
+        <p:sp>
+          <p:nvSpPr>
+            <p:cNvPr id="24" name="Rectangle 23">
+              <a:extLst>
+                <a:ext uri="{FF2B5EF4-FFF2-40B4-BE49-F238E27FC236}">
+                  <a16:creationId xmlns:a16="http://schemas.microsoft.com/office/drawing/2014/main" id="{96E1CAEF-9E28-DFB8-1EC3-FFE7152F591D}"/>
+                </a:ext>
+              </a:extLst>
+            </p:cNvPr>
+            <p:cNvSpPr/>
+            <p:nvPr/>
+          </p:nvSpPr>
+          <p:spPr>
+            <a:xfrm>
+              <a:off x="9838407" y="1817910"/>
+              <a:ext cx="1356706" cy="1364301"/>
+            </a:xfrm>
+            <a:prstGeom prst="rect">
+              <a:avLst/>
+            </a:prstGeom>
+          </p:spPr>
+          <p:style>
+            <a:lnRef idx="2">
+              <a:schemeClr val="accent1">
+                <a:shade val="15000"/>
+              </a:schemeClr>
+            </a:lnRef>
+            <a:fillRef idx="1">
+              <a:schemeClr val="accent1"/>
+            </a:fillRef>
+            <a:effectRef idx="0">
+              <a:schemeClr val="accent1"/>
+            </a:effectRef>
+            <a:fontRef idx="minor">
+              <a:schemeClr val="lt1"/>
+            </a:fontRef>
+          </p:style>
+          <p:txBody>
+            <a:bodyPr rtlCol="0" anchor="ctr"/>
+            <a:lstStyle/>
+            <a:p>
+              <a:pPr algn="ctr"/>
+              <a:endParaRPr lang="en-CA" dirty="0"/>
+            </a:p>
+          </p:txBody>
+        </p:sp>
+        <p:sp>
+          <p:nvSpPr>
+            <p:cNvPr id="25" name="Rectangle 24">
+              <a:extLst>
+                <a:ext uri="{FF2B5EF4-FFF2-40B4-BE49-F238E27FC236}">
+                  <a16:creationId xmlns:a16="http://schemas.microsoft.com/office/drawing/2014/main" id="{890BB486-E0D6-85CE-11B6-50643B5123E8}"/>
+                </a:ext>
+              </a:extLst>
+            </p:cNvPr>
+            <p:cNvSpPr/>
+            <p:nvPr/>
+          </p:nvSpPr>
+          <p:spPr>
+            <a:xfrm>
+              <a:off x="318534" y="3182207"/>
+              <a:ext cx="1356706" cy="1364301"/>
+            </a:xfrm>
+            <a:prstGeom prst="rect">
+              <a:avLst/>
+            </a:prstGeom>
+          </p:spPr>
+          <p:style>
+            <a:lnRef idx="2">
+              <a:schemeClr val="accent1">
+                <a:shade val="15000"/>
+              </a:schemeClr>
+            </a:lnRef>
+            <a:fillRef idx="1">
+              <a:schemeClr val="accent1"/>
+            </a:fillRef>
+            <a:effectRef idx="0">
+              <a:schemeClr val="accent1"/>
+            </a:effectRef>
+            <a:fontRef idx="minor">
+              <a:schemeClr val="lt1"/>
+            </a:fontRef>
+          </p:style>
+          <p:txBody>
+            <a:bodyPr rtlCol="0" anchor="ctr"/>
+            <a:lstStyle/>
+            <a:p>
+              <a:pPr algn="ctr"/>
+              <a:endParaRPr lang="en-CA" dirty="0"/>
+            </a:p>
+          </p:txBody>
+        </p:sp>
+        <p:sp>
+          <p:nvSpPr>
+            <p:cNvPr id="26" name="Rectangle 25">
+              <a:extLst>
+                <a:ext uri="{FF2B5EF4-FFF2-40B4-BE49-F238E27FC236}">
+                  <a16:creationId xmlns:a16="http://schemas.microsoft.com/office/drawing/2014/main" id="{1DA01CA0-6256-DEE4-6E90-8454A051326F}"/>
+                </a:ext>
+              </a:extLst>
+            </p:cNvPr>
+            <p:cNvSpPr/>
+            <p:nvPr/>
+          </p:nvSpPr>
+          <p:spPr>
+            <a:xfrm>
+              <a:off x="1675240" y="3182206"/>
+              <a:ext cx="1356706" cy="1364301"/>
+            </a:xfrm>
+            <a:prstGeom prst="rect">
+              <a:avLst/>
+            </a:prstGeom>
+          </p:spPr>
+          <p:style>
+            <a:lnRef idx="2">
+              <a:schemeClr val="accent1">
+                <a:shade val="15000"/>
+              </a:schemeClr>
+            </a:lnRef>
+            <a:fillRef idx="1">
+              <a:schemeClr val="accent1"/>
+            </a:fillRef>
+            <a:effectRef idx="0">
+              <a:schemeClr val="accent1"/>
+            </a:effectRef>
+            <a:fontRef idx="minor">
+              <a:schemeClr val="lt1"/>
+            </a:fontRef>
+          </p:style>
+          <p:txBody>
+            <a:bodyPr rtlCol="0" anchor="ctr"/>
+            <a:lstStyle/>
+            <a:p>
+              <a:pPr algn="ctr"/>
+              <a:endParaRPr lang="en-CA" dirty="0"/>
+            </a:p>
+          </p:txBody>
+        </p:sp>
+        <p:sp>
+          <p:nvSpPr>
+            <p:cNvPr id="27" name="Rectangle 26">
+              <a:extLst>
+                <a:ext uri="{FF2B5EF4-FFF2-40B4-BE49-F238E27FC236}">
+                  <a16:creationId xmlns:a16="http://schemas.microsoft.com/office/drawing/2014/main" id="{416D612C-C8AD-DC53-09FF-C2279EAD7033}"/>
+                </a:ext>
+              </a:extLst>
+            </p:cNvPr>
+            <p:cNvSpPr/>
+            <p:nvPr/>
+          </p:nvSpPr>
+          <p:spPr>
+            <a:xfrm>
+              <a:off x="3031946" y="3182206"/>
+              <a:ext cx="1356706" cy="1364301"/>
+            </a:xfrm>
+            <a:prstGeom prst="rect">
+              <a:avLst/>
+            </a:prstGeom>
+          </p:spPr>
+          <p:style>
+            <a:lnRef idx="2">
+              <a:schemeClr val="accent1">
+                <a:shade val="15000"/>
+              </a:schemeClr>
+            </a:lnRef>
+            <a:fillRef idx="1">
+              <a:schemeClr val="accent1"/>
+            </a:fillRef>
+            <a:effectRef idx="0">
+              <a:schemeClr val="accent1"/>
+            </a:effectRef>
+            <a:fontRef idx="minor">
+              <a:schemeClr val="lt1"/>
+            </a:fontRef>
+          </p:style>
+          <p:txBody>
+            <a:bodyPr rtlCol="0" anchor="ctr"/>
+            <a:lstStyle/>
+            <a:p>
+              <a:pPr algn="ctr"/>
+              <a:endParaRPr lang="en-CA" dirty="0"/>
+            </a:p>
+          </p:txBody>
+        </p:sp>
+        <p:sp>
+          <p:nvSpPr>
+            <p:cNvPr id="28" name="Rectangle 27">
+              <a:extLst>
+                <a:ext uri="{FF2B5EF4-FFF2-40B4-BE49-F238E27FC236}">
+                  <a16:creationId xmlns:a16="http://schemas.microsoft.com/office/drawing/2014/main" id="{72F2203E-CC4E-F5C4-7BE2-986BCBF49DD9}"/>
+                </a:ext>
+              </a:extLst>
+            </p:cNvPr>
+            <p:cNvSpPr/>
+            <p:nvPr/>
+          </p:nvSpPr>
+          <p:spPr>
+            <a:xfrm>
+              <a:off x="4388652" y="3182205"/>
+              <a:ext cx="1356706" cy="1364301"/>
+            </a:xfrm>
+            <a:prstGeom prst="rect">
+              <a:avLst/>
+            </a:prstGeom>
+          </p:spPr>
+          <p:style>
+            <a:lnRef idx="2">
+              <a:schemeClr val="accent1">
+                <a:shade val="15000"/>
+              </a:schemeClr>
+            </a:lnRef>
+            <a:fillRef idx="1">
+              <a:schemeClr val="accent1"/>
+            </a:fillRef>
+            <a:effectRef idx="0">
+              <a:schemeClr val="accent1"/>
+            </a:effectRef>
+            <a:fontRef idx="minor">
+              <a:schemeClr val="lt1"/>
+            </a:fontRef>
+          </p:style>
+          <p:txBody>
+            <a:bodyPr rtlCol="0" anchor="ctr"/>
+            <a:lstStyle/>
+            <a:p>
+              <a:pPr algn="ctr"/>
+              <a:endParaRPr lang="en-CA" dirty="0"/>
+            </a:p>
+          </p:txBody>
+        </p:sp>
+        <p:sp>
+          <p:nvSpPr>
+            <p:cNvPr id="29" name="Rectangle 28">
+              <a:extLst>
+                <a:ext uri="{FF2B5EF4-FFF2-40B4-BE49-F238E27FC236}">
+                  <a16:creationId xmlns:a16="http://schemas.microsoft.com/office/drawing/2014/main" id="{F2559A98-0D0F-8427-1C34-BE566C953718}"/>
+                </a:ext>
+              </a:extLst>
+            </p:cNvPr>
+            <p:cNvSpPr/>
+            <p:nvPr/>
+          </p:nvSpPr>
+          <p:spPr>
+            <a:xfrm>
+              <a:off x="5745358" y="3182207"/>
+              <a:ext cx="1356706" cy="1364301"/>
+            </a:xfrm>
+            <a:prstGeom prst="rect">
+              <a:avLst/>
+            </a:prstGeom>
+          </p:spPr>
+          <p:style>
+            <a:lnRef idx="2">
+              <a:schemeClr val="accent1">
+                <a:shade val="15000"/>
+              </a:schemeClr>
+            </a:lnRef>
+            <a:fillRef idx="1">
+              <a:schemeClr val="accent1"/>
+            </a:fillRef>
+            <a:effectRef idx="0">
+              <a:schemeClr val="accent1"/>
+            </a:effectRef>
+            <a:fontRef idx="minor">
+              <a:schemeClr val="lt1"/>
+            </a:fontRef>
+          </p:style>
+          <p:txBody>
+            <a:bodyPr rtlCol="0" anchor="ctr"/>
+            <a:lstStyle/>
+            <a:p>
+              <a:pPr algn="ctr"/>
+              <a:endParaRPr lang="en-CA" dirty="0"/>
+            </a:p>
+          </p:txBody>
+        </p:sp>
+        <p:sp>
+          <p:nvSpPr>
+            <p:cNvPr id="30" name="Rectangle 29">
+              <a:extLst>
+                <a:ext uri="{FF2B5EF4-FFF2-40B4-BE49-F238E27FC236}">
+                  <a16:creationId xmlns:a16="http://schemas.microsoft.com/office/drawing/2014/main" id="{98E71C26-CDAB-DAF6-CE38-A199869BDA25}"/>
+                </a:ext>
+              </a:extLst>
+            </p:cNvPr>
+            <p:cNvSpPr/>
+            <p:nvPr/>
+          </p:nvSpPr>
+          <p:spPr>
+            <a:xfrm>
+              <a:off x="7102064" y="3182206"/>
+              <a:ext cx="1356706" cy="1364301"/>
+            </a:xfrm>
+            <a:prstGeom prst="rect">
+              <a:avLst/>
+            </a:prstGeom>
+          </p:spPr>
+          <p:style>
+            <a:lnRef idx="2">
+              <a:schemeClr val="accent1">
+                <a:shade val="15000"/>
+              </a:schemeClr>
+            </a:lnRef>
+            <a:fillRef idx="1">
+              <a:schemeClr val="accent1"/>
+            </a:fillRef>
+            <a:effectRef idx="0">
+              <a:schemeClr val="accent1"/>
+            </a:effectRef>
+            <a:fontRef idx="minor">
+              <a:schemeClr val="lt1"/>
+            </a:fontRef>
+          </p:style>
+          <p:txBody>
+            <a:bodyPr rtlCol="0" anchor="ctr"/>
+            <a:lstStyle/>
+            <a:p>
+              <a:pPr algn="ctr"/>
+              <a:endParaRPr lang="en-CA" dirty="0"/>
+            </a:p>
+          </p:txBody>
+        </p:sp>
+        <p:sp>
+          <p:nvSpPr>
+            <p:cNvPr id="31" name="Rectangle 30">
+              <a:extLst>
+                <a:ext uri="{FF2B5EF4-FFF2-40B4-BE49-F238E27FC236}">
+                  <a16:creationId xmlns:a16="http://schemas.microsoft.com/office/drawing/2014/main" id="{4F8AE430-517C-CCF3-369D-1CF9A7C11E7B}"/>
+                </a:ext>
+              </a:extLst>
+            </p:cNvPr>
+            <p:cNvSpPr/>
+            <p:nvPr/>
+          </p:nvSpPr>
+          <p:spPr>
+            <a:xfrm>
+              <a:off x="8458770" y="3182206"/>
+              <a:ext cx="1356706" cy="1364301"/>
+            </a:xfrm>
+            <a:prstGeom prst="rect">
+              <a:avLst/>
+            </a:prstGeom>
+          </p:spPr>
+          <p:style>
+            <a:lnRef idx="2">
+              <a:schemeClr val="accent1">
+                <a:shade val="15000"/>
+              </a:schemeClr>
+            </a:lnRef>
+            <a:fillRef idx="1">
+              <a:schemeClr val="accent1"/>
+            </a:fillRef>
+            <a:effectRef idx="0">
+              <a:schemeClr val="accent1"/>
+            </a:effectRef>
+            <a:fontRef idx="minor">
+              <a:schemeClr val="lt1"/>
+            </a:fontRef>
+          </p:style>
+          <p:txBody>
+            <a:bodyPr rtlCol="0" anchor="ctr"/>
+            <a:lstStyle/>
+            <a:p>
+              <a:pPr algn="ctr"/>
+              <a:r>
+                <a:rPr lang="en-CA" dirty="0"/>
+                <a:t>17</a:t>
+              </a:r>
+            </a:p>
+          </p:txBody>
+        </p:sp>
+        <p:sp>
+          <p:nvSpPr>
+            <p:cNvPr id="32" name="Rectangle 31">
+              <a:extLst>
+                <a:ext uri="{FF2B5EF4-FFF2-40B4-BE49-F238E27FC236}">
+                  <a16:creationId xmlns:a16="http://schemas.microsoft.com/office/drawing/2014/main" id="{1072A80D-72BC-6312-DE58-380C0F9A12A3}"/>
+                </a:ext>
+              </a:extLst>
+            </p:cNvPr>
+            <p:cNvSpPr/>
+            <p:nvPr/>
+          </p:nvSpPr>
+          <p:spPr>
+            <a:xfrm>
+              <a:off x="9815476" y="3182205"/>
+              <a:ext cx="1356706" cy="1364301"/>
+            </a:xfrm>
+            <a:prstGeom prst="rect">
+              <a:avLst/>
+            </a:prstGeom>
+          </p:spPr>
+          <p:style>
+            <a:lnRef idx="2">
+              <a:schemeClr val="accent1">
+                <a:shade val="15000"/>
+              </a:schemeClr>
+            </a:lnRef>
+            <a:fillRef idx="1">
+              <a:schemeClr val="accent1"/>
+            </a:fillRef>
+            <a:effectRef idx="0">
+              <a:schemeClr val="accent1"/>
+            </a:effectRef>
+            <a:fontRef idx="minor">
+              <a:schemeClr val="lt1"/>
+            </a:fontRef>
+          </p:style>
+          <p:txBody>
+            <a:bodyPr rtlCol="0" anchor="ctr"/>
+            <a:lstStyle/>
+            <a:p>
+              <a:pPr algn="ctr"/>
+              <a:endParaRPr lang="en-CA" dirty="0"/>
+            </a:p>
+          </p:txBody>
+        </p:sp>
+        <p:sp>
+          <p:nvSpPr>
+            <p:cNvPr id="33" name="Rectangle 32">
+              <a:extLst>
+                <a:ext uri="{FF2B5EF4-FFF2-40B4-BE49-F238E27FC236}">
+                  <a16:creationId xmlns:a16="http://schemas.microsoft.com/office/drawing/2014/main" id="{5FDE7EFF-6362-A0FC-60E9-22BD013F488E}"/>
+                </a:ext>
+              </a:extLst>
+            </p:cNvPr>
+            <p:cNvSpPr/>
+            <p:nvPr/>
+          </p:nvSpPr>
+          <p:spPr>
+            <a:xfrm>
+              <a:off x="318534" y="4546506"/>
+              <a:ext cx="1356706" cy="1364301"/>
+            </a:xfrm>
+            <a:prstGeom prst="rect">
+              <a:avLst/>
+            </a:prstGeom>
+          </p:spPr>
+          <p:style>
+            <a:lnRef idx="2">
+              <a:schemeClr val="accent1">
+                <a:shade val="15000"/>
+              </a:schemeClr>
+            </a:lnRef>
+            <a:fillRef idx="1">
+              <a:schemeClr val="accent1"/>
+            </a:fillRef>
+            <a:effectRef idx="0">
+              <a:schemeClr val="accent1"/>
+            </a:effectRef>
+            <a:fontRef idx="minor">
+              <a:schemeClr val="lt1"/>
+            </a:fontRef>
+          </p:style>
+          <p:txBody>
+            <a:bodyPr rtlCol="0" anchor="ctr"/>
+            <a:lstStyle/>
+            <a:p>
+              <a:pPr algn="ctr"/>
+              <a:endParaRPr lang="en-CA" dirty="0"/>
+            </a:p>
+          </p:txBody>
+        </p:sp>
+        <p:sp>
+          <p:nvSpPr>
+            <p:cNvPr id="34" name="Rectangle 33">
+              <a:extLst>
+                <a:ext uri="{FF2B5EF4-FFF2-40B4-BE49-F238E27FC236}">
+                  <a16:creationId xmlns:a16="http://schemas.microsoft.com/office/drawing/2014/main" id="{124E4C13-7146-3B25-487B-3F0871F77C96}"/>
+                </a:ext>
+              </a:extLst>
+            </p:cNvPr>
+            <p:cNvSpPr/>
+            <p:nvPr/>
+          </p:nvSpPr>
+          <p:spPr>
+            <a:xfrm>
+              <a:off x="1675240" y="4546505"/>
+              <a:ext cx="1356706" cy="1364301"/>
+            </a:xfrm>
+            <a:prstGeom prst="rect">
+              <a:avLst/>
+            </a:prstGeom>
+          </p:spPr>
+          <p:style>
+            <a:lnRef idx="2">
+              <a:schemeClr val="accent1">
+                <a:shade val="15000"/>
+              </a:schemeClr>
+            </a:lnRef>
+            <a:fillRef idx="1">
+              <a:schemeClr val="accent1"/>
+            </a:fillRef>
+            <a:effectRef idx="0">
+              <a:schemeClr val="accent1"/>
+            </a:effectRef>
+            <a:fontRef idx="minor">
+              <a:schemeClr val="lt1"/>
+            </a:fontRef>
+          </p:style>
+          <p:txBody>
+            <a:bodyPr rtlCol="0" anchor="ctr"/>
+            <a:lstStyle/>
+            <a:p>
+              <a:pPr algn="ctr"/>
+              <a:endParaRPr lang="en-CA" dirty="0"/>
+            </a:p>
+          </p:txBody>
+        </p:sp>
+        <p:sp>
+          <p:nvSpPr>
+            <p:cNvPr id="35" name="Rectangle 34">
+              <a:extLst>
+                <a:ext uri="{FF2B5EF4-FFF2-40B4-BE49-F238E27FC236}">
+                  <a16:creationId xmlns:a16="http://schemas.microsoft.com/office/drawing/2014/main" id="{4EB4EDD2-D444-F5A6-5FC0-608815D9A4EA}"/>
+                </a:ext>
+              </a:extLst>
+            </p:cNvPr>
+            <p:cNvSpPr/>
+            <p:nvPr/>
+          </p:nvSpPr>
+          <p:spPr>
+            <a:xfrm>
+              <a:off x="3031946" y="4546505"/>
+              <a:ext cx="1356706" cy="1364301"/>
+            </a:xfrm>
+            <a:prstGeom prst="rect">
+              <a:avLst/>
+            </a:prstGeom>
+          </p:spPr>
+          <p:style>
+            <a:lnRef idx="2">
+              <a:schemeClr val="accent1">
+                <a:shade val="15000"/>
+              </a:schemeClr>
+            </a:lnRef>
+            <a:fillRef idx="1">
+              <a:schemeClr val="accent1"/>
+            </a:fillRef>
+            <a:effectRef idx="0">
+              <a:schemeClr val="accent1"/>
+            </a:effectRef>
+            <a:fontRef idx="minor">
+              <a:schemeClr val="lt1"/>
+            </a:fontRef>
+          </p:style>
+          <p:txBody>
+            <a:bodyPr rtlCol="0" anchor="ctr"/>
+            <a:lstStyle/>
+            <a:p>
+              <a:pPr algn="ctr"/>
+              <a:r>
+                <a:rPr lang="en-CA" dirty="0"/>
+                <a:t>17 </a:t>
+              </a:r>
+            </a:p>
+          </p:txBody>
+        </p:sp>
+        <p:sp>
+          <p:nvSpPr>
+            <p:cNvPr id="36" name="Rectangle 35">
+              <a:extLst>
+                <a:ext uri="{FF2B5EF4-FFF2-40B4-BE49-F238E27FC236}">
+                  <a16:creationId xmlns:a16="http://schemas.microsoft.com/office/drawing/2014/main" id="{50E421FC-702D-1D65-335A-E7F64FBAFF8B}"/>
+                </a:ext>
+              </a:extLst>
+            </p:cNvPr>
+            <p:cNvSpPr/>
+            <p:nvPr/>
+          </p:nvSpPr>
+          <p:spPr>
+            <a:xfrm>
+              <a:off x="4388652" y="4546504"/>
+              <a:ext cx="1356706" cy="1364301"/>
+            </a:xfrm>
+            <a:prstGeom prst="rect">
+              <a:avLst/>
+            </a:prstGeom>
+          </p:spPr>
+          <p:style>
+            <a:lnRef idx="2">
+              <a:schemeClr val="accent1">
+                <a:shade val="15000"/>
+              </a:schemeClr>
+            </a:lnRef>
+            <a:fillRef idx="1">
+              <a:schemeClr val="accent1"/>
+            </a:fillRef>
+            <a:effectRef idx="0">
+              <a:schemeClr val="accent1"/>
+            </a:effectRef>
+            <a:fontRef idx="minor">
+              <a:schemeClr val="lt1"/>
+            </a:fontRef>
+          </p:style>
+          <p:txBody>
+            <a:bodyPr rtlCol="0" anchor="ctr"/>
+            <a:lstStyle/>
+            <a:p>
+              <a:pPr algn="ctr"/>
+              <a:endParaRPr lang="en-CA" dirty="0"/>
+            </a:p>
+          </p:txBody>
+        </p:sp>
+        <p:sp>
+          <p:nvSpPr>
+            <p:cNvPr id="37" name="Rectangle 36">
+              <a:extLst>
+                <a:ext uri="{FF2B5EF4-FFF2-40B4-BE49-F238E27FC236}">
+                  <a16:creationId xmlns:a16="http://schemas.microsoft.com/office/drawing/2014/main" id="{3AB6F8EE-0649-E42F-3109-54F548C98515}"/>
+                </a:ext>
+              </a:extLst>
+            </p:cNvPr>
+            <p:cNvSpPr/>
+            <p:nvPr/>
+          </p:nvSpPr>
+          <p:spPr>
+            <a:xfrm>
+              <a:off x="5745358" y="4546506"/>
+              <a:ext cx="1356706" cy="1364301"/>
+            </a:xfrm>
+            <a:prstGeom prst="rect">
+              <a:avLst/>
+            </a:prstGeom>
+          </p:spPr>
+          <p:style>
+            <a:lnRef idx="2">
+              <a:schemeClr val="accent1">
+                <a:shade val="15000"/>
+              </a:schemeClr>
+            </a:lnRef>
+            <a:fillRef idx="1">
+              <a:schemeClr val="accent1"/>
+            </a:fillRef>
+            <a:effectRef idx="0">
+              <a:schemeClr val="accent1"/>
+            </a:effectRef>
+            <a:fontRef idx="minor">
+              <a:schemeClr val="lt1"/>
+            </a:fontRef>
+          </p:style>
+          <p:txBody>
+            <a:bodyPr rtlCol="0" anchor="ctr"/>
+            <a:lstStyle/>
+            <a:p>
+              <a:pPr algn="ctr"/>
+              <a:endParaRPr lang="en-CA" dirty="0"/>
+            </a:p>
+          </p:txBody>
+        </p:sp>
+        <p:sp>
+          <p:nvSpPr>
+            <p:cNvPr id="38" name="Rectangle 37">
+              <a:extLst>
+                <a:ext uri="{FF2B5EF4-FFF2-40B4-BE49-F238E27FC236}">
+                  <a16:creationId xmlns:a16="http://schemas.microsoft.com/office/drawing/2014/main" id="{0C0ADF06-BA24-1CCF-7A9D-46FF18B70ED5}"/>
+                </a:ext>
+              </a:extLst>
+            </p:cNvPr>
+            <p:cNvSpPr/>
+            <p:nvPr/>
+          </p:nvSpPr>
+          <p:spPr>
+            <a:xfrm>
+              <a:off x="7102064" y="4546505"/>
+              <a:ext cx="1356706" cy="1364301"/>
+            </a:xfrm>
+            <a:prstGeom prst="rect">
+              <a:avLst/>
+            </a:prstGeom>
+          </p:spPr>
+          <p:style>
+            <a:lnRef idx="2">
+              <a:schemeClr val="accent1">
+                <a:shade val="15000"/>
+              </a:schemeClr>
+            </a:lnRef>
+            <a:fillRef idx="1">
+              <a:schemeClr val="accent1"/>
+            </a:fillRef>
+            <a:effectRef idx="0">
+              <a:schemeClr val="accent1"/>
+            </a:effectRef>
+            <a:fontRef idx="minor">
+              <a:schemeClr val="lt1"/>
+            </a:fontRef>
+          </p:style>
+          <p:txBody>
+            <a:bodyPr rtlCol="0" anchor="ctr"/>
+            <a:lstStyle/>
+            <a:p>
+              <a:pPr algn="ctr"/>
+              <a:endParaRPr lang="en-CA" dirty="0"/>
+            </a:p>
+          </p:txBody>
+        </p:sp>
+        <p:sp>
+          <p:nvSpPr>
+            <p:cNvPr id="39" name="Rectangle 38">
+              <a:extLst>
+                <a:ext uri="{FF2B5EF4-FFF2-40B4-BE49-F238E27FC236}">
+                  <a16:creationId xmlns:a16="http://schemas.microsoft.com/office/drawing/2014/main" id="{D6A3BE13-74C1-093C-D00D-EC936109265F}"/>
+                </a:ext>
+              </a:extLst>
+            </p:cNvPr>
+            <p:cNvSpPr/>
+            <p:nvPr/>
+          </p:nvSpPr>
+          <p:spPr>
+            <a:xfrm>
+              <a:off x="8458770" y="4546505"/>
+              <a:ext cx="1356706" cy="1364301"/>
+            </a:xfrm>
+            <a:prstGeom prst="rect">
+              <a:avLst/>
+            </a:prstGeom>
+          </p:spPr>
+          <p:style>
+            <a:lnRef idx="2">
+              <a:schemeClr val="accent1">
+                <a:shade val="15000"/>
+              </a:schemeClr>
+            </a:lnRef>
+            <a:fillRef idx="1">
+              <a:schemeClr val="accent1"/>
+            </a:fillRef>
+            <a:effectRef idx="0">
+              <a:schemeClr val="accent1"/>
+            </a:effectRef>
+            <a:fontRef idx="minor">
+              <a:schemeClr val="lt1"/>
+            </a:fontRef>
+          </p:style>
+          <p:txBody>
+            <a:bodyPr rtlCol="0" anchor="ctr"/>
+            <a:lstStyle/>
+            <a:p>
+              <a:pPr algn="ctr"/>
+              <a:endParaRPr lang="en-CA" dirty="0"/>
+            </a:p>
+          </p:txBody>
+        </p:sp>
+        <p:sp>
+          <p:nvSpPr>
+            <p:cNvPr id="40" name="Rectangle 39">
+              <a:extLst>
+                <a:ext uri="{FF2B5EF4-FFF2-40B4-BE49-F238E27FC236}">
+                  <a16:creationId xmlns:a16="http://schemas.microsoft.com/office/drawing/2014/main" id="{4C1423CF-C181-F746-1BA7-ABF03A8A113A}"/>
+                </a:ext>
+              </a:extLst>
+            </p:cNvPr>
+            <p:cNvSpPr/>
+            <p:nvPr/>
+          </p:nvSpPr>
+          <p:spPr>
+            <a:xfrm>
+              <a:off x="9815476" y="4546504"/>
+              <a:ext cx="1356706" cy="1364301"/>
+            </a:xfrm>
+            <a:prstGeom prst="rect">
+              <a:avLst/>
+            </a:prstGeom>
+          </p:spPr>
+          <p:style>
+            <a:lnRef idx="2">
+              <a:schemeClr val="accent1">
+                <a:shade val="15000"/>
+              </a:schemeClr>
+            </a:lnRef>
+            <a:fillRef idx="1">
+              <a:schemeClr val="accent1"/>
+            </a:fillRef>
+            <a:effectRef idx="0">
+              <a:schemeClr val="accent1"/>
+            </a:effectRef>
+            <a:fontRef idx="minor">
+              <a:schemeClr val="lt1"/>
+            </a:fontRef>
+          </p:style>
+          <p:txBody>
+            <a:bodyPr rtlCol="0" anchor="ctr"/>
+            <a:lstStyle/>
+            <a:p>
+              <a:pPr algn="ctr"/>
+              <a:endParaRPr lang="en-CA" dirty="0"/>
+            </a:p>
+          </p:txBody>
+        </p:sp>
+      </p:grpSp>
+      <p:sp>
+        <p:nvSpPr>
+          <p:cNvPr id="42" name="Isosceles Triangle 41">
+            <a:extLst>
+              <a:ext uri="{FF2B5EF4-FFF2-40B4-BE49-F238E27FC236}">
+                <a16:creationId xmlns:a16="http://schemas.microsoft.com/office/drawing/2014/main" id="{DAD97A48-EEB0-1FB1-AEEB-E32AF90147B6}"/>
+              </a:ext>
+            </a:extLst>
+          </p:cNvPr>
+          <p:cNvSpPr/>
+          <p:nvPr/>
+        </p:nvSpPr>
+        <p:spPr>
+          <a:xfrm rot="20132433">
+            <a:off x="2642530" y="565506"/>
+            <a:ext cx="5564529" cy="4103065"/>
+          </a:xfrm>
+          <a:prstGeom prst="triangle">
+            <a:avLst/>
+          </a:prstGeom>
+          <a:solidFill>
+            <a:schemeClr val="accent5">
+              <a:alpha val="58000"/>
+            </a:schemeClr>
+          </a:solidFill>
+        </p:spPr>
+        <p:style>
+          <a:lnRef idx="2">
+            <a:schemeClr val="accent5">
+              <a:shade val="15000"/>
+            </a:schemeClr>
+          </a:lnRef>
+          <a:fillRef idx="1">
+            <a:schemeClr val="accent5"/>
+          </a:fillRef>
+          <a:effectRef idx="0">
+            <a:schemeClr val="accent5"/>
+          </a:effectRef>
+          <a:fontRef idx="minor">
+            <a:schemeClr val="lt1"/>
+          </a:fontRef>
+        </p:style>
+        <p:txBody>
+          <a:bodyPr rtlCol="0" anchor="ctr"/>
+          <a:lstStyle/>
+          <a:p>
+            <a:pPr algn="ctr"/>
+            <a:r>
+              <a:rPr lang="en-CA" dirty="0"/>
+              <a:t>Triangle: 17</a:t>
+            </a:r>
+          </a:p>
+        </p:txBody>
+      </p:sp>
+      <p:sp>
+        <p:nvSpPr>
+          <p:cNvPr id="43" name="Oval 42">
+            <a:extLst>
+              <a:ext uri="{FF2B5EF4-FFF2-40B4-BE49-F238E27FC236}">
+                <a16:creationId xmlns:a16="http://schemas.microsoft.com/office/drawing/2014/main" id="{9F88374A-068D-198A-B6D5-DD55E5A93C09}"/>
+              </a:ext>
+            </a:extLst>
+          </p:cNvPr>
+          <p:cNvSpPr/>
+          <p:nvPr/>
+        </p:nvSpPr>
+        <p:spPr>
+          <a:xfrm>
+            <a:off x="4411583" y="534749"/>
+            <a:ext cx="386433" cy="386433"/>
+          </a:xfrm>
+          <a:prstGeom prst="ellipse">
+            <a:avLst/>
+          </a:prstGeom>
+        </p:spPr>
+        <p:style>
+          <a:lnRef idx="3">
+            <a:schemeClr val="lt1"/>
+          </a:lnRef>
+          <a:fillRef idx="1">
+            <a:schemeClr val="accent6"/>
+          </a:fillRef>
+          <a:effectRef idx="1">
+            <a:schemeClr val="accent6"/>
+          </a:effectRef>
+          <a:fontRef idx="minor">
+            <a:schemeClr val="lt1"/>
+          </a:fontRef>
+        </p:style>
+        <p:txBody>
+          <a:bodyPr rtlCol="0" anchor="ctr"/>
+          <a:lstStyle/>
+          <a:p>
+            <a:pPr algn="ctr"/>
+            <a:endParaRPr lang="en-CA"/>
+          </a:p>
+        </p:txBody>
+      </p:sp>
+      <p:sp>
+        <p:nvSpPr>
+          <p:cNvPr id="44" name="Oval 43">
+            <a:extLst>
+              <a:ext uri="{FF2B5EF4-FFF2-40B4-BE49-F238E27FC236}">
+                <a16:creationId xmlns:a16="http://schemas.microsoft.com/office/drawing/2014/main" id="{8625EB4F-EBDA-3E82-BA8E-5BA321E12344}"/>
+              </a:ext>
+            </a:extLst>
+          </p:cNvPr>
+          <p:cNvSpPr/>
+          <p:nvPr/>
+        </p:nvSpPr>
+        <p:spPr>
+          <a:xfrm>
+            <a:off x="8731488" y="3235783"/>
+            <a:ext cx="386433" cy="386433"/>
+          </a:xfrm>
+          <a:prstGeom prst="ellipse">
+            <a:avLst/>
+          </a:prstGeom>
+        </p:spPr>
+        <p:style>
+          <a:lnRef idx="3">
+            <a:schemeClr val="lt1"/>
+          </a:lnRef>
+          <a:fillRef idx="1">
+            <a:schemeClr val="accent6"/>
+          </a:fillRef>
+          <a:effectRef idx="1">
+            <a:schemeClr val="accent6"/>
+          </a:effectRef>
+          <a:fontRef idx="minor">
+            <a:schemeClr val="lt1"/>
+          </a:fontRef>
+        </p:style>
+        <p:txBody>
+          <a:bodyPr rtlCol="0" anchor="ctr"/>
+          <a:lstStyle/>
+          <a:p>
+            <a:pPr algn="ctr"/>
+            <a:endParaRPr lang="en-CA"/>
+          </a:p>
+        </p:txBody>
+      </p:sp>
+      <p:sp>
+        <p:nvSpPr>
+          <p:cNvPr id="45" name="Oval 44">
+            <a:extLst>
+              <a:ext uri="{FF2B5EF4-FFF2-40B4-BE49-F238E27FC236}">
+                <a16:creationId xmlns:a16="http://schemas.microsoft.com/office/drawing/2014/main" id="{F34DD216-B00B-043B-0282-AD20CFE08490}"/>
+              </a:ext>
+            </a:extLst>
+          </p:cNvPr>
+          <p:cNvSpPr/>
+          <p:nvPr/>
+        </p:nvSpPr>
+        <p:spPr>
+          <a:xfrm>
+            <a:off x="3500759" y="5372718"/>
+            <a:ext cx="386433" cy="386433"/>
+          </a:xfrm>
+          <a:prstGeom prst="ellipse">
+            <a:avLst/>
+          </a:prstGeom>
+        </p:spPr>
+        <p:style>
+          <a:lnRef idx="3">
+            <a:schemeClr val="lt1"/>
+          </a:lnRef>
+          <a:fillRef idx="1">
+            <a:schemeClr val="accent6"/>
+          </a:fillRef>
+          <a:effectRef idx="1">
+            <a:schemeClr val="accent6"/>
+          </a:effectRef>
+          <a:fontRef idx="minor">
+            <a:schemeClr val="lt1"/>
+          </a:fontRef>
+        </p:style>
+        <p:txBody>
+          <a:bodyPr rtlCol="0" anchor="ctr"/>
+          <a:lstStyle/>
+          <a:p>
+            <a:pPr algn="ctr"/>
+            <a:endParaRPr lang="en-CA"/>
+          </a:p>
+        </p:txBody>
+      </p:sp>
+    </p:spTree>
+    <p:extLst>
+      <p:ext uri="{BB962C8B-B14F-4D97-AF65-F5344CB8AC3E}">
+        <p14:creationId xmlns:p14="http://schemas.microsoft.com/office/powerpoint/2010/main" val="1149830023"/>
+      </p:ext>
+    </p:extLst>
+  </p:cSld>
+  <p:clrMapOvr>
+    <a:masterClrMapping/>
+  </p:clrMapOvr>
+</p:sld>
+</file>
+
+<file path=ppt/slides/slide31.xml><?xml version="1.0" encoding="utf-8"?>
+<p:sld xmlns:a="http://schemas.openxmlformats.org/drawingml/2006/main" xmlns:r="http://schemas.openxmlformats.org/officeDocument/2006/relationships" xmlns:p="http://schemas.openxmlformats.org/presentationml/2006/main">
+  <p:cSld>
+    <p:spTree>
+      <p:nvGrpSpPr>
+        <p:cNvPr id="1" name=""/>
+        <p:cNvGrpSpPr/>
+        <p:nvPr/>
+      </p:nvGrpSpPr>
+      <p:grpSpPr>
+        <a:xfrm>
+          <a:off x="0" y="0"/>
+          <a:ext cx="0" cy="0"/>
+          <a:chOff x="0" y="0"/>
+          <a:chExt cx="0" cy="0"/>
+        </a:xfrm>
+      </p:grpSpPr>
+      <p:grpSp>
+        <p:nvGrpSpPr>
+          <p:cNvPr id="2" name="Group 1">
+            <a:extLst>
+              <a:ext uri="{FF2B5EF4-FFF2-40B4-BE49-F238E27FC236}">
+                <a16:creationId xmlns:a16="http://schemas.microsoft.com/office/drawing/2014/main" id="{1D7EA54E-99BA-126D-523C-CB95A56A835A}"/>
+              </a:ext>
+            </a:extLst>
+          </p:cNvPr>
+          <p:cNvGrpSpPr/>
+          <p:nvPr/>
+        </p:nvGrpSpPr>
+        <p:grpSpPr>
+          <a:xfrm>
+            <a:off x="234610" y="700402"/>
+            <a:ext cx="7195877" cy="5457196"/>
+            <a:chOff x="2642530" y="453611"/>
+            <a:chExt cx="7195877" cy="5457196"/>
+          </a:xfrm>
+        </p:grpSpPr>
+        <p:grpSp>
+          <p:nvGrpSpPr>
+            <p:cNvPr id="41" name="Group 40">
+              <a:extLst>
+                <a:ext uri="{FF2B5EF4-FFF2-40B4-BE49-F238E27FC236}">
+                  <a16:creationId xmlns:a16="http://schemas.microsoft.com/office/drawing/2014/main" id="{9892FF09-163B-604D-502E-CB2B2D1145D0}"/>
+                </a:ext>
+              </a:extLst>
+            </p:cNvPr>
+            <p:cNvGrpSpPr/>
+            <p:nvPr/>
+          </p:nvGrpSpPr>
+          <p:grpSpPr>
+            <a:xfrm>
+              <a:off x="3031946" y="453611"/>
+              <a:ext cx="6806461" cy="5457196"/>
+              <a:chOff x="3031946" y="453611"/>
+              <a:chExt cx="6806461" cy="5457196"/>
+            </a:xfrm>
+          </p:grpSpPr>
+          <p:sp>
+            <p:nvSpPr>
+              <p:cNvPr id="9" name="Rectangle 8">
+                <a:extLst>
+                  <a:ext uri="{FF2B5EF4-FFF2-40B4-BE49-F238E27FC236}">
+                    <a16:creationId xmlns:a16="http://schemas.microsoft.com/office/drawing/2014/main" id="{F7015EF6-2CCE-1C8F-B99F-C7F9CF644BCE}"/>
+                  </a:ext>
+                </a:extLst>
+              </p:cNvPr>
+              <p:cNvSpPr/>
+              <p:nvPr/>
+            </p:nvSpPr>
+            <p:spPr>
+              <a:xfrm>
+                <a:off x="3054877" y="453612"/>
+                <a:ext cx="1356706" cy="1364301"/>
+              </a:xfrm>
+              <a:prstGeom prst="rect">
+                <a:avLst/>
+              </a:prstGeom>
+            </p:spPr>
+            <p:style>
+              <a:lnRef idx="2">
+                <a:schemeClr val="accent1">
+                  <a:shade val="15000"/>
+                </a:schemeClr>
+              </a:lnRef>
+              <a:fillRef idx="1">
+                <a:schemeClr val="accent1"/>
+              </a:fillRef>
+              <a:effectRef idx="0">
+                <a:schemeClr val="accent1"/>
+              </a:effectRef>
+              <a:fontRef idx="minor">
+                <a:schemeClr val="lt1"/>
+              </a:fontRef>
+            </p:style>
+            <p:txBody>
+              <a:bodyPr rtlCol="0" anchor="ctr"/>
+              <a:lstStyle/>
+              <a:p>
+                <a:pPr algn="ctr"/>
+                <a:endParaRPr lang="en-CA" dirty="0"/>
+              </a:p>
+            </p:txBody>
+          </p:sp>
+          <p:sp>
+            <p:nvSpPr>
+              <p:cNvPr id="12" name="Rectangle 11">
+                <a:extLst>
+                  <a:ext uri="{FF2B5EF4-FFF2-40B4-BE49-F238E27FC236}">
+                    <a16:creationId xmlns:a16="http://schemas.microsoft.com/office/drawing/2014/main" id="{907B0BFE-585E-E302-C6A5-5C79DF11C935}"/>
+                  </a:ext>
+                </a:extLst>
+              </p:cNvPr>
+              <p:cNvSpPr/>
+              <p:nvPr/>
+            </p:nvSpPr>
+            <p:spPr>
+              <a:xfrm>
+                <a:off x="4411583" y="453611"/>
+                <a:ext cx="1356706" cy="1364301"/>
+              </a:xfrm>
+              <a:prstGeom prst="rect">
+                <a:avLst/>
+              </a:prstGeom>
+            </p:spPr>
+            <p:style>
+              <a:lnRef idx="2">
+                <a:schemeClr val="accent1">
+                  <a:shade val="15000"/>
+                </a:schemeClr>
+              </a:lnRef>
+              <a:fillRef idx="1">
+                <a:schemeClr val="accent1"/>
+              </a:fillRef>
+              <a:effectRef idx="0">
+                <a:schemeClr val="accent1"/>
+              </a:effectRef>
+              <a:fontRef idx="minor">
+                <a:schemeClr val="lt1"/>
+              </a:fontRef>
+            </p:style>
+            <p:txBody>
+              <a:bodyPr rtlCol="0" anchor="ctr"/>
+              <a:lstStyle/>
+              <a:p>
+                <a:pPr algn="ctr"/>
+                <a:r>
+                  <a:rPr lang="en-CA" dirty="0"/>
+                  <a:t>17</a:t>
+                </a:r>
+              </a:p>
+            </p:txBody>
+          </p:sp>
+          <p:sp>
+            <p:nvSpPr>
+              <p:cNvPr id="13" name="Rectangle 12">
+                <a:extLst>
+                  <a:ext uri="{FF2B5EF4-FFF2-40B4-BE49-F238E27FC236}">
+                    <a16:creationId xmlns:a16="http://schemas.microsoft.com/office/drawing/2014/main" id="{0742F346-8F38-C559-94E2-EA93B04A36EA}"/>
+                  </a:ext>
+                </a:extLst>
+              </p:cNvPr>
+              <p:cNvSpPr/>
+              <p:nvPr/>
+            </p:nvSpPr>
+            <p:spPr>
+              <a:xfrm>
+                <a:off x="5768289" y="453613"/>
+                <a:ext cx="1356706" cy="1364301"/>
+              </a:xfrm>
+              <a:prstGeom prst="rect">
+                <a:avLst/>
+              </a:prstGeom>
+            </p:spPr>
+            <p:style>
+              <a:lnRef idx="2">
+                <a:schemeClr val="accent1">
+                  <a:shade val="15000"/>
+                </a:schemeClr>
+              </a:lnRef>
+              <a:fillRef idx="1">
+                <a:schemeClr val="accent1"/>
+              </a:fillRef>
+              <a:effectRef idx="0">
+                <a:schemeClr val="accent1"/>
+              </a:effectRef>
+              <a:fontRef idx="minor">
+                <a:schemeClr val="lt1"/>
+              </a:fontRef>
+            </p:style>
+            <p:txBody>
+              <a:bodyPr rtlCol="0" anchor="ctr"/>
+              <a:lstStyle/>
+              <a:p>
+                <a:pPr algn="ctr"/>
+                <a:endParaRPr lang="en-CA" dirty="0"/>
+              </a:p>
+            </p:txBody>
+          </p:sp>
+          <p:sp>
+            <p:nvSpPr>
+              <p:cNvPr id="14" name="Rectangle 13">
+                <a:extLst>
+                  <a:ext uri="{FF2B5EF4-FFF2-40B4-BE49-F238E27FC236}">
+                    <a16:creationId xmlns:a16="http://schemas.microsoft.com/office/drawing/2014/main" id="{4B61A8C3-58EB-38B1-91D6-3372FB086589}"/>
+                  </a:ext>
+                </a:extLst>
+              </p:cNvPr>
+              <p:cNvSpPr/>
+              <p:nvPr/>
+            </p:nvSpPr>
+            <p:spPr>
+              <a:xfrm>
+                <a:off x="7124995" y="453612"/>
+                <a:ext cx="1356706" cy="1364301"/>
+              </a:xfrm>
+              <a:prstGeom prst="rect">
+                <a:avLst/>
+              </a:prstGeom>
+            </p:spPr>
+            <p:style>
+              <a:lnRef idx="2">
+                <a:schemeClr val="accent1">
+                  <a:shade val="15000"/>
+                </a:schemeClr>
+              </a:lnRef>
+              <a:fillRef idx="1">
+                <a:schemeClr val="accent1"/>
+              </a:fillRef>
+              <a:effectRef idx="0">
+                <a:schemeClr val="accent1"/>
+              </a:effectRef>
+              <a:fontRef idx="minor">
+                <a:schemeClr val="lt1"/>
+              </a:fontRef>
+            </p:style>
+            <p:txBody>
+              <a:bodyPr rtlCol="0" anchor="ctr"/>
+              <a:lstStyle/>
+              <a:p>
+                <a:pPr algn="ctr"/>
+                <a:endParaRPr lang="en-CA" dirty="0"/>
+              </a:p>
+            </p:txBody>
+          </p:sp>
+          <p:sp>
+            <p:nvSpPr>
+              <p:cNvPr id="15" name="Rectangle 14">
+                <a:extLst>
+                  <a:ext uri="{FF2B5EF4-FFF2-40B4-BE49-F238E27FC236}">
+                    <a16:creationId xmlns:a16="http://schemas.microsoft.com/office/drawing/2014/main" id="{D064B27F-83A0-D034-57A6-E1951F05C28E}"/>
+                  </a:ext>
+                </a:extLst>
+              </p:cNvPr>
+              <p:cNvSpPr/>
+              <p:nvPr/>
+            </p:nvSpPr>
+            <p:spPr>
+              <a:xfrm>
+                <a:off x="8481701" y="453612"/>
+                <a:ext cx="1356706" cy="1364301"/>
+              </a:xfrm>
+              <a:prstGeom prst="rect">
+                <a:avLst/>
+              </a:prstGeom>
+            </p:spPr>
+            <p:style>
+              <a:lnRef idx="2">
+                <a:schemeClr val="accent1">
+                  <a:shade val="15000"/>
+                </a:schemeClr>
+              </a:lnRef>
+              <a:fillRef idx="1">
+                <a:schemeClr val="accent1"/>
+              </a:fillRef>
+              <a:effectRef idx="0">
+                <a:schemeClr val="accent1"/>
+              </a:effectRef>
+              <a:fontRef idx="minor">
+                <a:schemeClr val="lt1"/>
+              </a:fontRef>
+            </p:style>
+            <p:txBody>
+              <a:bodyPr rtlCol="0" anchor="ctr"/>
+              <a:lstStyle/>
+              <a:p>
+                <a:pPr algn="ctr"/>
+                <a:endParaRPr lang="en-CA" dirty="0"/>
+              </a:p>
+            </p:txBody>
+          </p:sp>
+          <p:sp>
+            <p:nvSpPr>
+              <p:cNvPr id="19" name="Rectangle 18">
+                <a:extLst>
+                  <a:ext uri="{FF2B5EF4-FFF2-40B4-BE49-F238E27FC236}">
+                    <a16:creationId xmlns:a16="http://schemas.microsoft.com/office/drawing/2014/main" id="{46C61739-95EB-DBE4-7B18-7A1285722AD1}"/>
+                  </a:ext>
+                </a:extLst>
+              </p:cNvPr>
+              <p:cNvSpPr/>
+              <p:nvPr/>
+            </p:nvSpPr>
+            <p:spPr>
+              <a:xfrm>
+                <a:off x="3054877" y="1817911"/>
+                <a:ext cx="1356706" cy="1364301"/>
+              </a:xfrm>
+              <a:prstGeom prst="rect">
+                <a:avLst/>
+              </a:prstGeom>
+            </p:spPr>
+            <p:style>
+              <a:lnRef idx="2">
+                <a:schemeClr val="accent1">
+                  <a:shade val="15000"/>
+                </a:schemeClr>
+              </a:lnRef>
+              <a:fillRef idx="1">
+                <a:schemeClr val="accent1"/>
+              </a:fillRef>
+              <a:effectRef idx="0">
+                <a:schemeClr val="accent1"/>
+              </a:effectRef>
+              <a:fontRef idx="minor">
+                <a:schemeClr val="lt1"/>
+              </a:fontRef>
+            </p:style>
+            <p:txBody>
+              <a:bodyPr rtlCol="0" anchor="ctr"/>
+              <a:lstStyle/>
+              <a:p>
+                <a:pPr algn="ctr"/>
+                <a:endParaRPr lang="en-CA" dirty="0"/>
+              </a:p>
+            </p:txBody>
+          </p:sp>
+          <p:sp>
+            <p:nvSpPr>
+              <p:cNvPr id="20" name="Rectangle 19">
+                <a:extLst>
+                  <a:ext uri="{FF2B5EF4-FFF2-40B4-BE49-F238E27FC236}">
+                    <a16:creationId xmlns:a16="http://schemas.microsoft.com/office/drawing/2014/main" id="{E55ACFDA-08CF-52E7-4904-513BD121D7C3}"/>
+                  </a:ext>
+                </a:extLst>
+              </p:cNvPr>
+              <p:cNvSpPr/>
+              <p:nvPr/>
+            </p:nvSpPr>
+            <p:spPr>
+              <a:xfrm>
+                <a:off x="4411583" y="1817910"/>
+                <a:ext cx="1356706" cy="1364301"/>
+              </a:xfrm>
+              <a:prstGeom prst="rect">
+                <a:avLst/>
+              </a:prstGeom>
+            </p:spPr>
+            <p:style>
+              <a:lnRef idx="2">
+                <a:schemeClr val="accent1">
+                  <a:shade val="15000"/>
+                </a:schemeClr>
+              </a:lnRef>
+              <a:fillRef idx="1">
+                <a:schemeClr val="accent1"/>
+              </a:fillRef>
+              <a:effectRef idx="0">
+                <a:schemeClr val="accent1"/>
+              </a:effectRef>
+              <a:fontRef idx="minor">
+                <a:schemeClr val="lt1"/>
+              </a:fontRef>
+            </p:style>
+            <p:txBody>
+              <a:bodyPr rtlCol="0" anchor="ctr"/>
+              <a:lstStyle/>
+              <a:p>
+                <a:pPr algn="ctr"/>
+                <a:endParaRPr lang="en-CA" dirty="0"/>
+              </a:p>
+            </p:txBody>
+          </p:sp>
+          <p:sp>
+            <p:nvSpPr>
+              <p:cNvPr id="21" name="Rectangle 20">
+                <a:extLst>
+                  <a:ext uri="{FF2B5EF4-FFF2-40B4-BE49-F238E27FC236}">
+                    <a16:creationId xmlns:a16="http://schemas.microsoft.com/office/drawing/2014/main" id="{C7DA461D-F183-CC28-B4ED-0C6C1B297CE6}"/>
+                  </a:ext>
+                </a:extLst>
+              </p:cNvPr>
+              <p:cNvSpPr/>
+              <p:nvPr/>
+            </p:nvSpPr>
+            <p:spPr>
+              <a:xfrm>
+                <a:off x="5768289" y="1817912"/>
+                <a:ext cx="1356706" cy="1364301"/>
+              </a:xfrm>
+              <a:prstGeom prst="rect">
+                <a:avLst/>
+              </a:prstGeom>
+            </p:spPr>
+            <p:style>
+              <a:lnRef idx="2">
+                <a:schemeClr val="accent1">
+                  <a:shade val="15000"/>
+                </a:schemeClr>
+              </a:lnRef>
+              <a:fillRef idx="1">
+                <a:schemeClr val="accent1"/>
+              </a:fillRef>
+              <a:effectRef idx="0">
+                <a:schemeClr val="accent1"/>
+              </a:effectRef>
+              <a:fontRef idx="minor">
+                <a:schemeClr val="lt1"/>
+              </a:fontRef>
+            </p:style>
+            <p:txBody>
+              <a:bodyPr rtlCol="0" anchor="ctr"/>
+              <a:lstStyle/>
+              <a:p>
+                <a:pPr algn="ctr"/>
+                <a:endParaRPr lang="en-CA" dirty="0"/>
+              </a:p>
+            </p:txBody>
+          </p:sp>
+          <p:sp>
+            <p:nvSpPr>
+              <p:cNvPr id="22" name="Rectangle 21">
+                <a:extLst>
+                  <a:ext uri="{FF2B5EF4-FFF2-40B4-BE49-F238E27FC236}">
+                    <a16:creationId xmlns:a16="http://schemas.microsoft.com/office/drawing/2014/main" id="{53947B91-F17B-48BB-B88B-2C30B9713CA8}"/>
+                  </a:ext>
+                </a:extLst>
+              </p:cNvPr>
+              <p:cNvSpPr/>
+              <p:nvPr/>
+            </p:nvSpPr>
+            <p:spPr>
+              <a:xfrm>
+                <a:off x="7124995" y="1817911"/>
+                <a:ext cx="1356706" cy="1364301"/>
+              </a:xfrm>
+              <a:prstGeom prst="rect">
+                <a:avLst/>
+              </a:prstGeom>
+            </p:spPr>
+            <p:style>
+              <a:lnRef idx="2">
+                <a:schemeClr val="accent1">
+                  <a:shade val="15000"/>
+                </a:schemeClr>
+              </a:lnRef>
+              <a:fillRef idx="1">
+                <a:schemeClr val="accent1"/>
+              </a:fillRef>
+              <a:effectRef idx="0">
+                <a:schemeClr val="accent1"/>
+              </a:effectRef>
+              <a:fontRef idx="minor">
+                <a:schemeClr val="lt1"/>
+              </a:fontRef>
+            </p:style>
+            <p:txBody>
+              <a:bodyPr rtlCol="0" anchor="ctr"/>
+              <a:lstStyle/>
+              <a:p>
+                <a:pPr algn="ctr"/>
+                <a:endParaRPr lang="en-CA" dirty="0"/>
+              </a:p>
+            </p:txBody>
+          </p:sp>
+          <p:sp>
+            <p:nvSpPr>
+              <p:cNvPr id="23" name="Rectangle 22">
+                <a:extLst>
+                  <a:ext uri="{FF2B5EF4-FFF2-40B4-BE49-F238E27FC236}">
+                    <a16:creationId xmlns:a16="http://schemas.microsoft.com/office/drawing/2014/main" id="{83EB9C3E-1D63-4716-2C74-1F762E906D39}"/>
+                  </a:ext>
+                </a:extLst>
+              </p:cNvPr>
+              <p:cNvSpPr/>
+              <p:nvPr/>
+            </p:nvSpPr>
+            <p:spPr>
+              <a:xfrm>
+                <a:off x="8481701" y="1817911"/>
+                <a:ext cx="1356706" cy="1364301"/>
+              </a:xfrm>
+              <a:prstGeom prst="rect">
+                <a:avLst/>
+              </a:prstGeom>
+            </p:spPr>
+            <p:style>
+              <a:lnRef idx="2">
+                <a:schemeClr val="accent1">
+                  <a:shade val="15000"/>
+                </a:schemeClr>
+              </a:lnRef>
+              <a:fillRef idx="1">
+                <a:schemeClr val="accent1"/>
+              </a:fillRef>
+              <a:effectRef idx="0">
+                <a:schemeClr val="accent1"/>
+              </a:effectRef>
+              <a:fontRef idx="minor">
+                <a:schemeClr val="lt1"/>
+              </a:fontRef>
+            </p:style>
+            <p:txBody>
+              <a:bodyPr rtlCol="0" anchor="ctr"/>
+              <a:lstStyle/>
+              <a:p>
+                <a:pPr algn="ctr"/>
+                <a:endParaRPr lang="en-CA" dirty="0"/>
+              </a:p>
+            </p:txBody>
+          </p:sp>
+          <p:sp>
+            <p:nvSpPr>
+              <p:cNvPr id="27" name="Rectangle 26">
+                <a:extLst>
+                  <a:ext uri="{FF2B5EF4-FFF2-40B4-BE49-F238E27FC236}">
+                    <a16:creationId xmlns:a16="http://schemas.microsoft.com/office/drawing/2014/main" id="{416D612C-C8AD-DC53-09FF-C2279EAD7033}"/>
+                  </a:ext>
+                </a:extLst>
+              </p:cNvPr>
+              <p:cNvSpPr/>
+              <p:nvPr/>
+            </p:nvSpPr>
+            <p:spPr>
+              <a:xfrm>
+                <a:off x="3031946" y="3182206"/>
+                <a:ext cx="1356706" cy="1364301"/>
+              </a:xfrm>
+              <a:prstGeom prst="rect">
+                <a:avLst/>
+              </a:prstGeom>
+            </p:spPr>
+            <p:style>
+              <a:lnRef idx="2">
+                <a:schemeClr val="accent1">
+                  <a:shade val="15000"/>
+                </a:schemeClr>
+              </a:lnRef>
+              <a:fillRef idx="1">
+                <a:schemeClr val="accent1"/>
+              </a:fillRef>
+              <a:effectRef idx="0">
+                <a:schemeClr val="accent1"/>
+              </a:effectRef>
+              <a:fontRef idx="minor">
+                <a:schemeClr val="lt1"/>
+              </a:fontRef>
+            </p:style>
+            <p:txBody>
+              <a:bodyPr rtlCol="0" anchor="ctr"/>
+              <a:lstStyle/>
+              <a:p>
+                <a:pPr algn="ctr"/>
+                <a:endParaRPr lang="en-CA" dirty="0"/>
+              </a:p>
+            </p:txBody>
+          </p:sp>
+          <p:sp>
+            <p:nvSpPr>
+              <p:cNvPr id="28" name="Rectangle 27">
+                <a:extLst>
+                  <a:ext uri="{FF2B5EF4-FFF2-40B4-BE49-F238E27FC236}">
+                    <a16:creationId xmlns:a16="http://schemas.microsoft.com/office/drawing/2014/main" id="{72F2203E-CC4E-F5C4-7BE2-986BCBF49DD9}"/>
+                  </a:ext>
+                </a:extLst>
+              </p:cNvPr>
+              <p:cNvSpPr/>
+              <p:nvPr/>
+            </p:nvSpPr>
+            <p:spPr>
+              <a:xfrm>
+                <a:off x="4388652" y="3182205"/>
+                <a:ext cx="1356706" cy="1364301"/>
+              </a:xfrm>
+              <a:prstGeom prst="rect">
+                <a:avLst/>
+              </a:prstGeom>
+            </p:spPr>
+            <p:style>
+              <a:lnRef idx="2">
+                <a:schemeClr val="accent1">
+                  <a:shade val="15000"/>
+                </a:schemeClr>
+              </a:lnRef>
+              <a:fillRef idx="1">
+                <a:schemeClr val="accent1"/>
+              </a:fillRef>
+              <a:effectRef idx="0">
+                <a:schemeClr val="accent1"/>
+              </a:effectRef>
+              <a:fontRef idx="minor">
+                <a:schemeClr val="lt1"/>
+              </a:fontRef>
+            </p:style>
+            <p:txBody>
+              <a:bodyPr rtlCol="0" anchor="ctr"/>
+              <a:lstStyle/>
+              <a:p>
+                <a:pPr algn="ctr"/>
+                <a:endParaRPr lang="en-CA" dirty="0"/>
+              </a:p>
+            </p:txBody>
+          </p:sp>
+          <p:sp>
+            <p:nvSpPr>
+              <p:cNvPr id="29" name="Rectangle 28">
+                <a:extLst>
+                  <a:ext uri="{FF2B5EF4-FFF2-40B4-BE49-F238E27FC236}">
+                    <a16:creationId xmlns:a16="http://schemas.microsoft.com/office/drawing/2014/main" id="{F2559A98-0D0F-8427-1C34-BE566C953718}"/>
+                  </a:ext>
+                </a:extLst>
+              </p:cNvPr>
+              <p:cNvSpPr/>
+              <p:nvPr/>
+            </p:nvSpPr>
+            <p:spPr>
+              <a:xfrm>
+                <a:off x="5745358" y="3182207"/>
+                <a:ext cx="1356706" cy="1364301"/>
+              </a:xfrm>
+              <a:prstGeom prst="rect">
+                <a:avLst/>
+              </a:prstGeom>
+            </p:spPr>
+            <p:style>
+              <a:lnRef idx="2">
+                <a:schemeClr val="accent1">
+                  <a:shade val="15000"/>
+                </a:schemeClr>
+              </a:lnRef>
+              <a:fillRef idx="1">
+                <a:schemeClr val="accent1"/>
+              </a:fillRef>
+              <a:effectRef idx="0">
+                <a:schemeClr val="accent1"/>
+              </a:effectRef>
+              <a:fontRef idx="minor">
+                <a:schemeClr val="lt1"/>
+              </a:fontRef>
+            </p:style>
+            <p:txBody>
+              <a:bodyPr rtlCol="0" anchor="ctr"/>
+              <a:lstStyle/>
+              <a:p>
+                <a:pPr algn="ctr"/>
+                <a:endParaRPr lang="en-CA" dirty="0"/>
+              </a:p>
+            </p:txBody>
+          </p:sp>
+          <p:sp>
+            <p:nvSpPr>
+              <p:cNvPr id="30" name="Rectangle 29">
+                <a:extLst>
+                  <a:ext uri="{FF2B5EF4-FFF2-40B4-BE49-F238E27FC236}">
+                    <a16:creationId xmlns:a16="http://schemas.microsoft.com/office/drawing/2014/main" id="{98E71C26-CDAB-DAF6-CE38-A199869BDA25}"/>
+                  </a:ext>
+                </a:extLst>
+              </p:cNvPr>
+              <p:cNvSpPr/>
+              <p:nvPr/>
+            </p:nvSpPr>
+            <p:spPr>
+              <a:xfrm>
+                <a:off x="7102064" y="3182206"/>
+                <a:ext cx="1356706" cy="1364301"/>
+              </a:xfrm>
+              <a:prstGeom prst="rect">
+                <a:avLst/>
+              </a:prstGeom>
+            </p:spPr>
+            <p:style>
+              <a:lnRef idx="2">
+                <a:schemeClr val="accent1">
+                  <a:shade val="15000"/>
+                </a:schemeClr>
+              </a:lnRef>
+              <a:fillRef idx="1">
+                <a:schemeClr val="accent1"/>
+              </a:fillRef>
+              <a:effectRef idx="0">
+                <a:schemeClr val="accent1"/>
+              </a:effectRef>
+              <a:fontRef idx="minor">
+                <a:schemeClr val="lt1"/>
+              </a:fontRef>
+            </p:style>
+            <p:txBody>
+              <a:bodyPr rtlCol="0" anchor="ctr"/>
+              <a:lstStyle/>
+              <a:p>
+                <a:pPr algn="ctr"/>
+                <a:endParaRPr lang="en-CA" dirty="0"/>
+              </a:p>
+            </p:txBody>
+          </p:sp>
+          <p:sp>
+            <p:nvSpPr>
+              <p:cNvPr id="31" name="Rectangle 30">
+                <a:extLst>
+                  <a:ext uri="{FF2B5EF4-FFF2-40B4-BE49-F238E27FC236}">
+                    <a16:creationId xmlns:a16="http://schemas.microsoft.com/office/drawing/2014/main" id="{4F8AE430-517C-CCF3-369D-1CF9A7C11E7B}"/>
+                  </a:ext>
+                </a:extLst>
+              </p:cNvPr>
+              <p:cNvSpPr/>
+              <p:nvPr/>
+            </p:nvSpPr>
+            <p:spPr>
+              <a:xfrm>
+                <a:off x="8458770" y="3182206"/>
+                <a:ext cx="1356706" cy="1364301"/>
+              </a:xfrm>
+              <a:prstGeom prst="rect">
+                <a:avLst/>
+              </a:prstGeom>
+            </p:spPr>
+            <p:style>
+              <a:lnRef idx="2">
+                <a:schemeClr val="accent1">
+                  <a:shade val="15000"/>
+                </a:schemeClr>
+              </a:lnRef>
+              <a:fillRef idx="1">
+                <a:schemeClr val="accent1"/>
+              </a:fillRef>
+              <a:effectRef idx="0">
+                <a:schemeClr val="accent1"/>
+              </a:effectRef>
+              <a:fontRef idx="minor">
+                <a:schemeClr val="lt1"/>
+              </a:fontRef>
+            </p:style>
+            <p:txBody>
+              <a:bodyPr rtlCol="0" anchor="ctr"/>
+              <a:lstStyle/>
+              <a:p>
+                <a:pPr algn="ctr"/>
+                <a:r>
+                  <a:rPr lang="en-CA" dirty="0"/>
+                  <a:t>17</a:t>
+                </a:r>
+              </a:p>
+            </p:txBody>
+          </p:sp>
+          <p:sp>
+            <p:nvSpPr>
+              <p:cNvPr id="35" name="Rectangle 34">
+                <a:extLst>
+                  <a:ext uri="{FF2B5EF4-FFF2-40B4-BE49-F238E27FC236}">
+                    <a16:creationId xmlns:a16="http://schemas.microsoft.com/office/drawing/2014/main" id="{4EB4EDD2-D444-F5A6-5FC0-608815D9A4EA}"/>
+                  </a:ext>
+                </a:extLst>
+              </p:cNvPr>
+              <p:cNvSpPr/>
+              <p:nvPr/>
+            </p:nvSpPr>
+            <p:spPr>
+              <a:xfrm>
+                <a:off x="3031946" y="4546505"/>
+                <a:ext cx="1356706" cy="1364301"/>
+              </a:xfrm>
+              <a:prstGeom prst="rect">
+                <a:avLst/>
+              </a:prstGeom>
+            </p:spPr>
+            <p:style>
+              <a:lnRef idx="2">
+                <a:schemeClr val="accent1">
+                  <a:shade val="15000"/>
+                </a:schemeClr>
+              </a:lnRef>
+              <a:fillRef idx="1">
+                <a:schemeClr val="accent1"/>
+              </a:fillRef>
+              <a:effectRef idx="0">
+                <a:schemeClr val="accent1"/>
+              </a:effectRef>
+              <a:fontRef idx="minor">
+                <a:schemeClr val="lt1"/>
+              </a:fontRef>
+            </p:style>
+            <p:txBody>
+              <a:bodyPr rtlCol="0" anchor="ctr"/>
+              <a:lstStyle/>
+              <a:p>
+                <a:pPr algn="ctr"/>
+                <a:r>
+                  <a:rPr lang="en-CA" dirty="0"/>
+                  <a:t>17 </a:t>
+                </a:r>
+              </a:p>
+            </p:txBody>
+          </p:sp>
+          <p:sp>
+            <p:nvSpPr>
+              <p:cNvPr id="36" name="Rectangle 35">
+                <a:extLst>
+                  <a:ext uri="{FF2B5EF4-FFF2-40B4-BE49-F238E27FC236}">
+                    <a16:creationId xmlns:a16="http://schemas.microsoft.com/office/drawing/2014/main" id="{50E421FC-702D-1D65-335A-E7F64FBAFF8B}"/>
+                  </a:ext>
+                </a:extLst>
+              </p:cNvPr>
+              <p:cNvSpPr/>
+              <p:nvPr/>
+            </p:nvSpPr>
+            <p:spPr>
+              <a:xfrm>
+                <a:off x="4388652" y="4546504"/>
+                <a:ext cx="1356706" cy="1364301"/>
+              </a:xfrm>
+              <a:prstGeom prst="rect">
+                <a:avLst/>
+              </a:prstGeom>
+            </p:spPr>
+            <p:style>
+              <a:lnRef idx="2">
+                <a:schemeClr val="accent1">
+                  <a:shade val="15000"/>
+                </a:schemeClr>
+              </a:lnRef>
+              <a:fillRef idx="1">
+                <a:schemeClr val="accent1"/>
+              </a:fillRef>
+              <a:effectRef idx="0">
+                <a:schemeClr val="accent1"/>
+              </a:effectRef>
+              <a:fontRef idx="minor">
+                <a:schemeClr val="lt1"/>
+              </a:fontRef>
+            </p:style>
+            <p:txBody>
+              <a:bodyPr rtlCol="0" anchor="ctr"/>
+              <a:lstStyle/>
+              <a:p>
+                <a:pPr algn="ctr"/>
+                <a:endParaRPr lang="en-CA" dirty="0"/>
+              </a:p>
+            </p:txBody>
+          </p:sp>
+          <p:sp>
+            <p:nvSpPr>
+              <p:cNvPr id="37" name="Rectangle 36">
+                <a:extLst>
+                  <a:ext uri="{FF2B5EF4-FFF2-40B4-BE49-F238E27FC236}">
+                    <a16:creationId xmlns:a16="http://schemas.microsoft.com/office/drawing/2014/main" id="{3AB6F8EE-0649-E42F-3109-54F548C98515}"/>
+                  </a:ext>
+                </a:extLst>
+              </p:cNvPr>
+              <p:cNvSpPr/>
+              <p:nvPr/>
+            </p:nvSpPr>
+            <p:spPr>
+              <a:xfrm>
+                <a:off x="5745358" y="4546506"/>
+                <a:ext cx="1356706" cy="1364301"/>
+              </a:xfrm>
+              <a:prstGeom prst="rect">
+                <a:avLst/>
+              </a:prstGeom>
+            </p:spPr>
+            <p:style>
+              <a:lnRef idx="2">
+                <a:schemeClr val="accent1">
+                  <a:shade val="15000"/>
+                </a:schemeClr>
+              </a:lnRef>
+              <a:fillRef idx="1">
+                <a:schemeClr val="accent1"/>
+              </a:fillRef>
+              <a:effectRef idx="0">
+                <a:schemeClr val="accent1"/>
+              </a:effectRef>
+              <a:fontRef idx="minor">
+                <a:schemeClr val="lt1"/>
+              </a:fontRef>
+            </p:style>
+            <p:txBody>
+              <a:bodyPr rtlCol="0" anchor="ctr"/>
+              <a:lstStyle/>
+              <a:p>
+                <a:pPr algn="ctr"/>
+                <a:endParaRPr lang="en-CA" dirty="0"/>
+              </a:p>
+            </p:txBody>
+          </p:sp>
+          <p:sp>
+            <p:nvSpPr>
+              <p:cNvPr id="38" name="Rectangle 37">
+                <a:extLst>
+                  <a:ext uri="{FF2B5EF4-FFF2-40B4-BE49-F238E27FC236}">
+                    <a16:creationId xmlns:a16="http://schemas.microsoft.com/office/drawing/2014/main" id="{0C0ADF06-BA24-1CCF-7A9D-46FF18B70ED5}"/>
+                  </a:ext>
+                </a:extLst>
+              </p:cNvPr>
+              <p:cNvSpPr/>
+              <p:nvPr/>
+            </p:nvSpPr>
+            <p:spPr>
+              <a:xfrm>
+                <a:off x="7102064" y="4546505"/>
+                <a:ext cx="1356706" cy="1364301"/>
+              </a:xfrm>
+              <a:prstGeom prst="rect">
+                <a:avLst/>
+              </a:prstGeom>
+            </p:spPr>
+            <p:style>
+              <a:lnRef idx="2">
+                <a:schemeClr val="accent1">
+                  <a:shade val="15000"/>
+                </a:schemeClr>
+              </a:lnRef>
+              <a:fillRef idx="1">
+                <a:schemeClr val="accent1"/>
+              </a:fillRef>
+              <a:effectRef idx="0">
+                <a:schemeClr val="accent1"/>
+              </a:effectRef>
+              <a:fontRef idx="minor">
+                <a:schemeClr val="lt1"/>
+              </a:fontRef>
+            </p:style>
+            <p:txBody>
+              <a:bodyPr rtlCol="0" anchor="ctr"/>
+              <a:lstStyle/>
+              <a:p>
+                <a:pPr algn="ctr"/>
+                <a:endParaRPr lang="en-CA" dirty="0"/>
+              </a:p>
+            </p:txBody>
+          </p:sp>
+          <p:sp>
+            <p:nvSpPr>
+              <p:cNvPr id="39" name="Rectangle 38">
+                <a:extLst>
+                  <a:ext uri="{FF2B5EF4-FFF2-40B4-BE49-F238E27FC236}">
+                    <a16:creationId xmlns:a16="http://schemas.microsoft.com/office/drawing/2014/main" id="{D6A3BE13-74C1-093C-D00D-EC936109265F}"/>
+                  </a:ext>
+                </a:extLst>
+              </p:cNvPr>
+              <p:cNvSpPr/>
+              <p:nvPr/>
+            </p:nvSpPr>
+            <p:spPr>
+              <a:xfrm>
+                <a:off x="8458770" y="4546505"/>
+                <a:ext cx="1356706" cy="1364301"/>
+              </a:xfrm>
+              <a:prstGeom prst="rect">
+                <a:avLst/>
+              </a:prstGeom>
+            </p:spPr>
+            <p:style>
+              <a:lnRef idx="2">
+                <a:schemeClr val="accent1">
+                  <a:shade val="15000"/>
+                </a:schemeClr>
+              </a:lnRef>
+              <a:fillRef idx="1">
+                <a:schemeClr val="accent1"/>
+              </a:fillRef>
+              <a:effectRef idx="0">
+                <a:schemeClr val="accent1"/>
+              </a:effectRef>
+              <a:fontRef idx="minor">
+                <a:schemeClr val="lt1"/>
+              </a:fontRef>
+            </p:style>
+            <p:txBody>
+              <a:bodyPr rtlCol="0" anchor="ctr"/>
+              <a:lstStyle/>
+              <a:p>
+                <a:pPr algn="ctr"/>
+                <a:endParaRPr lang="en-CA" dirty="0"/>
+              </a:p>
+            </p:txBody>
+          </p:sp>
+        </p:grpSp>
+        <p:sp>
+          <p:nvSpPr>
+            <p:cNvPr id="42" name="Isosceles Triangle 41">
+              <a:extLst>
+                <a:ext uri="{FF2B5EF4-FFF2-40B4-BE49-F238E27FC236}">
+                  <a16:creationId xmlns:a16="http://schemas.microsoft.com/office/drawing/2014/main" id="{DAD97A48-EEB0-1FB1-AEEB-E32AF90147B6}"/>
+                </a:ext>
+              </a:extLst>
+            </p:cNvPr>
+            <p:cNvSpPr/>
+            <p:nvPr/>
+          </p:nvSpPr>
+          <p:spPr>
+            <a:xfrm rot="20132433">
+              <a:off x="2642530" y="565506"/>
+              <a:ext cx="5564529" cy="4103065"/>
+            </a:xfrm>
+            <a:prstGeom prst="triangle">
+              <a:avLst/>
+            </a:prstGeom>
+            <a:solidFill>
+              <a:schemeClr val="accent5">
+                <a:alpha val="58000"/>
+              </a:schemeClr>
+            </a:solidFill>
+          </p:spPr>
+          <p:style>
+            <a:lnRef idx="2">
+              <a:schemeClr val="accent5">
+                <a:shade val="15000"/>
+              </a:schemeClr>
+            </a:lnRef>
+            <a:fillRef idx="1">
+              <a:schemeClr val="accent5"/>
+            </a:fillRef>
+            <a:effectRef idx="0">
+              <a:schemeClr val="accent5"/>
+            </a:effectRef>
+            <a:fontRef idx="minor">
+              <a:schemeClr val="lt1"/>
+            </a:fontRef>
+          </p:style>
+          <p:txBody>
+            <a:bodyPr rtlCol="0" anchor="ctr"/>
+            <a:lstStyle/>
+            <a:p>
+              <a:pPr algn="ctr"/>
+              <a:r>
+                <a:rPr lang="en-CA" dirty="0"/>
+                <a:t>Triangle: 17</a:t>
+              </a:r>
+            </a:p>
+          </p:txBody>
+        </p:sp>
+        <p:sp>
+          <p:nvSpPr>
+            <p:cNvPr id="43" name="Oval 42">
+              <a:extLst>
+                <a:ext uri="{FF2B5EF4-FFF2-40B4-BE49-F238E27FC236}">
+                  <a16:creationId xmlns:a16="http://schemas.microsoft.com/office/drawing/2014/main" id="{9F88374A-068D-198A-B6D5-DD55E5A93C09}"/>
+                </a:ext>
+              </a:extLst>
+            </p:cNvPr>
+            <p:cNvSpPr/>
+            <p:nvPr/>
+          </p:nvSpPr>
+          <p:spPr>
+            <a:xfrm>
+              <a:off x="4411583" y="534749"/>
+              <a:ext cx="386433" cy="386433"/>
+            </a:xfrm>
+            <a:prstGeom prst="ellipse">
+              <a:avLst/>
+            </a:prstGeom>
+          </p:spPr>
+          <p:style>
+            <a:lnRef idx="3">
+              <a:schemeClr val="lt1"/>
+            </a:lnRef>
+            <a:fillRef idx="1">
+              <a:schemeClr val="accent6"/>
+            </a:fillRef>
+            <a:effectRef idx="1">
+              <a:schemeClr val="accent6"/>
+            </a:effectRef>
+            <a:fontRef idx="minor">
+              <a:schemeClr val="lt1"/>
+            </a:fontRef>
+          </p:style>
+          <p:txBody>
+            <a:bodyPr rtlCol="0" anchor="ctr"/>
+            <a:lstStyle/>
+            <a:p>
+              <a:pPr algn="ctr"/>
+              <a:endParaRPr lang="en-CA"/>
+            </a:p>
+          </p:txBody>
+        </p:sp>
+        <p:sp>
+          <p:nvSpPr>
+            <p:cNvPr id="44" name="Oval 43">
+              <a:extLst>
+                <a:ext uri="{FF2B5EF4-FFF2-40B4-BE49-F238E27FC236}">
+                  <a16:creationId xmlns:a16="http://schemas.microsoft.com/office/drawing/2014/main" id="{8625EB4F-EBDA-3E82-BA8E-5BA321E12344}"/>
+                </a:ext>
+              </a:extLst>
+            </p:cNvPr>
+            <p:cNvSpPr/>
+            <p:nvPr/>
+          </p:nvSpPr>
+          <p:spPr>
+            <a:xfrm>
+              <a:off x="8731488" y="3235783"/>
+              <a:ext cx="386433" cy="386433"/>
+            </a:xfrm>
+            <a:prstGeom prst="ellipse">
+              <a:avLst/>
+            </a:prstGeom>
+          </p:spPr>
+          <p:style>
+            <a:lnRef idx="3">
+              <a:schemeClr val="lt1"/>
+            </a:lnRef>
+            <a:fillRef idx="1">
+              <a:schemeClr val="accent6"/>
+            </a:fillRef>
+            <a:effectRef idx="1">
+              <a:schemeClr val="accent6"/>
+            </a:effectRef>
+            <a:fontRef idx="minor">
+              <a:schemeClr val="lt1"/>
+            </a:fontRef>
+          </p:style>
+          <p:txBody>
+            <a:bodyPr rtlCol="0" anchor="ctr"/>
+            <a:lstStyle/>
+            <a:p>
+              <a:pPr algn="ctr"/>
+              <a:endParaRPr lang="en-CA"/>
+            </a:p>
+          </p:txBody>
+        </p:sp>
+        <p:sp>
+          <p:nvSpPr>
+            <p:cNvPr id="45" name="Oval 44">
+              <a:extLst>
+                <a:ext uri="{FF2B5EF4-FFF2-40B4-BE49-F238E27FC236}">
+                  <a16:creationId xmlns:a16="http://schemas.microsoft.com/office/drawing/2014/main" id="{F34DD216-B00B-043B-0282-AD20CFE08490}"/>
+                </a:ext>
+              </a:extLst>
+            </p:cNvPr>
+            <p:cNvSpPr/>
+            <p:nvPr/>
+          </p:nvSpPr>
+          <p:spPr>
+            <a:xfrm>
+              <a:off x="3500759" y="5372718"/>
+              <a:ext cx="386433" cy="386433"/>
+            </a:xfrm>
+            <a:prstGeom prst="ellipse">
+              <a:avLst/>
+            </a:prstGeom>
+          </p:spPr>
+          <p:style>
+            <a:lnRef idx="3">
+              <a:schemeClr val="lt1"/>
+            </a:lnRef>
+            <a:fillRef idx="1">
+              <a:schemeClr val="accent6"/>
+            </a:fillRef>
+            <a:effectRef idx="1">
+              <a:schemeClr val="accent6"/>
+            </a:effectRef>
+            <a:fontRef idx="minor">
+              <a:schemeClr val="lt1"/>
+            </a:fontRef>
+          </p:style>
+          <p:txBody>
+            <a:bodyPr rtlCol="0" anchor="ctr"/>
+            <a:lstStyle/>
+            <a:p>
+              <a:pPr algn="ctr"/>
+              <a:endParaRPr lang="en-CA"/>
+            </a:p>
+          </p:txBody>
+        </p:sp>
+      </p:grpSp>
+      <p:sp>
+        <p:nvSpPr>
+          <p:cNvPr id="3" name="TextBox 2">
+            <a:extLst>
+              <a:ext uri="{FF2B5EF4-FFF2-40B4-BE49-F238E27FC236}">
+                <a16:creationId xmlns:a16="http://schemas.microsoft.com/office/drawing/2014/main" id="{C9F40C73-658E-0906-319C-1A896E6617CC}"/>
+              </a:ext>
+            </a:extLst>
+          </p:cNvPr>
+          <p:cNvSpPr txBox="1"/>
+          <p:nvPr/>
+        </p:nvSpPr>
+        <p:spPr>
+          <a:xfrm>
+            <a:off x="7955281" y="474341"/>
+            <a:ext cx="3612694" cy="5909310"/>
+          </a:xfrm>
+          <a:prstGeom prst="rect">
+            <a:avLst/>
+          </a:prstGeom>
+          <a:noFill/>
+        </p:spPr>
+        <p:txBody>
+          <a:bodyPr wrap="square" rtlCol="0">
+            <a:spAutoFit/>
+          </a:bodyPr>
+          <a:lstStyle/>
+          <a:p>
+            <a:r>
+              <a:rPr lang="en-CA" dirty="0"/>
+              <a:t>The issue is the triangle is WAY larger than the AABB, so it’s only registering that the triangle is in the AABBs where the vertices are.</a:t>
+            </a:r>
+          </a:p>
+          <a:p>
+            <a:endParaRPr lang="en-CA" dirty="0"/>
+          </a:p>
+          <a:p>
+            <a:r>
+              <a:rPr lang="en-CA" dirty="0"/>
+              <a:t>OR, any one side of the triangle is larger than the side of the AABB.</a:t>
+            </a:r>
+          </a:p>
+          <a:p>
+            <a:endParaRPr lang="en-CA" dirty="0"/>
+          </a:p>
+          <a:p>
+            <a:r>
+              <a:rPr lang="en-CA" dirty="0"/>
+              <a:t>We could:</a:t>
+            </a:r>
+          </a:p>
+          <a:p>
+            <a:pPr marL="342900" indent="-342900">
+              <a:buAutoNum type="alphaLcParenR"/>
+            </a:pPr>
+            <a:r>
+              <a:rPr lang="en-CA" dirty="0"/>
+              <a:t>Tesselate the entire model, making the triangles small enough to register with the ABBB, but that means we draw more triangles</a:t>
+            </a:r>
+          </a:p>
+          <a:p>
+            <a:pPr marL="342900" indent="-342900">
+              <a:buAutoNum type="alphaLcParenR"/>
+            </a:pPr>
+            <a:r>
+              <a:rPr lang="en-CA" dirty="0"/>
+              <a:t>Pre-process this where we do this tessellation off-line and store that information when we load the model</a:t>
+            </a:r>
+          </a:p>
+          <a:p>
+            <a:pPr marL="342900" indent="-342900">
+              <a:buAutoNum type="alphaLcParenR"/>
+            </a:pPr>
+            <a:r>
+              <a:rPr lang="en-CA" dirty="0"/>
+              <a:t>We only tessellate temporarily while we are doing the AABB look up.</a:t>
+            </a:r>
+          </a:p>
+        </p:txBody>
+      </p:sp>
+    </p:spTree>
+    <p:extLst>
+      <p:ext uri="{BB962C8B-B14F-4D97-AF65-F5344CB8AC3E}">
+        <p14:creationId xmlns:p14="http://schemas.microsoft.com/office/powerpoint/2010/main" val="643285564"/>
+      </p:ext>
+    </p:extLst>
+  </p:cSld>
+  <p:clrMapOvr>
+    <a:masterClrMapping/>
+  </p:clrMapOvr>
+</p:sld>
+</file>
+
+<file path=ppt/slides/slide32.xml><?xml version="1.0" encoding="utf-8"?>
+<p:sld xmlns:a="http://schemas.openxmlformats.org/drawingml/2006/main" xmlns:r="http://schemas.openxmlformats.org/officeDocument/2006/relationships" xmlns:p="http://schemas.openxmlformats.org/presentationml/2006/main">
+  <p:cSld>
+    <p:spTree>
+      <p:nvGrpSpPr>
+        <p:cNvPr id="1" name=""/>
+        <p:cNvGrpSpPr/>
+        <p:nvPr/>
+      </p:nvGrpSpPr>
+      <p:grpSpPr>
+        <a:xfrm>
+          <a:off x="0" y="0"/>
+          <a:ext cx="0" cy="0"/>
+          <a:chOff x="0" y="0"/>
+          <a:chExt cx="0" cy="0"/>
+        </a:xfrm>
+      </p:grpSpPr>
+      <p:sp>
+        <p:nvSpPr>
+          <p:cNvPr id="42" name="Isosceles Triangle 41">
+            <a:extLst>
+              <a:ext uri="{FF2B5EF4-FFF2-40B4-BE49-F238E27FC236}">
+                <a16:creationId xmlns:a16="http://schemas.microsoft.com/office/drawing/2014/main" id="{DAD97A48-EEB0-1FB1-AEEB-E32AF90147B6}"/>
+              </a:ext>
+            </a:extLst>
+          </p:cNvPr>
+          <p:cNvSpPr/>
+          <p:nvPr/>
+        </p:nvSpPr>
+        <p:spPr>
+          <a:xfrm rot="20132433">
+            <a:off x="97905" y="575666"/>
+            <a:ext cx="5564529" cy="4103065"/>
+          </a:xfrm>
+          <a:prstGeom prst="triangle">
+            <a:avLst/>
+          </a:prstGeom>
+          <a:solidFill>
+            <a:schemeClr val="accent5">
+              <a:alpha val="58000"/>
+            </a:schemeClr>
+          </a:solidFill>
+        </p:spPr>
+        <p:style>
+          <a:lnRef idx="2">
+            <a:schemeClr val="accent5">
+              <a:shade val="15000"/>
+            </a:schemeClr>
+          </a:lnRef>
+          <a:fillRef idx="1">
+            <a:schemeClr val="accent5"/>
+          </a:fillRef>
+          <a:effectRef idx="0">
+            <a:schemeClr val="accent5"/>
+          </a:effectRef>
+          <a:fontRef idx="minor">
+            <a:schemeClr val="lt1"/>
+          </a:fontRef>
+        </p:style>
+        <p:txBody>
+          <a:bodyPr rtlCol="0" anchor="ctr"/>
+          <a:lstStyle/>
+          <a:p>
+            <a:pPr algn="ctr"/>
+            <a:endParaRPr lang="en-CA" dirty="0"/>
+          </a:p>
+        </p:txBody>
+      </p:sp>
+      <p:sp>
+        <p:nvSpPr>
+          <p:cNvPr id="43" name="Oval 42">
+            <a:extLst>
+              <a:ext uri="{FF2B5EF4-FFF2-40B4-BE49-F238E27FC236}">
+                <a16:creationId xmlns:a16="http://schemas.microsoft.com/office/drawing/2014/main" id="{9F88374A-068D-198A-B6D5-DD55E5A93C09}"/>
+              </a:ext>
+            </a:extLst>
+          </p:cNvPr>
+          <p:cNvSpPr/>
+          <p:nvPr/>
+        </p:nvSpPr>
+        <p:spPr>
+          <a:xfrm>
+            <a:off x="1866958" y="544909"/>
+            <a:ext cx="386433" cy="386433"/>
+          </a:xfrm>
+          <a:prstGeom prst="ellipse">
+            <a:avLst/>
+          </a:prstGeom>
+        </p:spPr>
+        <p:style>
+          <a:lnRef idx="3">
+            <a:schemeClr val="lt1"/>
+          </a:lnRef>
+          <a:fillRef idx="1">
+            <a:schemeClr val="accent6"/>
+          </a:fillRef>
+          <a:effectRef idx="1">
+            <a:schemeClr val="accent6"/>
+          </a:effectRef>
+          <a:fontRef idx="minor">
+            <a:schemeClr val="lt1"/>
+          </a:fontRef>
+        </p:style>
+        <p:txBody>
+          <a:bodyPr rtlCol="0" anchor="ctr"/>
+          <a:lstStyle/>
+          <a:p>
+            <a:pPr algn="ctr"/>
+            <a:r>
+              <a:rPr lang="en-CA" dirty="0"/>
+              <a:t>1</a:t>
+            </a:r>
+          </a:p>
+        </p:txBody>
+      </p:sp>
+      <p:sp>
+        <p:nvSpPr>
+          <p:cNvPr id="44" name="Oval 43">
+            <a:extLst>
+              <a:ext uri="{FF2B5EF4-FFF2-40B4-BE49-F238E27FC236}">
+                <a16:creationId xmlns:a16="http://schemas.microsoft.com/office/drawing/2014/main" id="{8625EB4F-EBDA-3E82-BA8E-5BA321E12344}"/>
+              </a:ext>
+            </a:extLst>
+          </p:cNvPr>
+          <p:cNvSpPr/>
+          <p:nvPr/>
+        </p:nvSpPr>
+        <p:spPr>
+          <a:xfrm>
+            <a:off x="6096000" y="3144343"/>
+            <a:ext cx="386433" cy="386433"/>
+          </a:xfrm>
+          <a:prstGeom prst="ellipse">
+            <a:avLst/>
+          </a:prstGeom>
+        </p:spPr>
+        <p:style>
+          <a:lnRef idx="3">
+            <a:schemeClr val="lt1"/>
+          </a:lnRef>
+          <a:fillRef idx="1">
+            <a:schemeClr val="accent6"/>
+          </a:fillRef>
+          <a:effectRef idx="1">
+            <a:schemeClr val="accent6"/>
+          </a:effectRef>
+          <a:fontRef idx="minor">
+            <a:schemeClr val="lt1"/>
+          </a:fontRef>
+        </p:style>
+        <p:txBody>
+          <a:bodyPr rtlCol="0" anchor="ctr"/>
+          <a:lstStyle/>
+          <a:p>
+            <a:pPr algn="ctr"/>
+            <a:r>
+              <a:rPr lang="en-CA" dirty="0"/>
+              <a:t>2</a:t>
+            </a:r>
+          </a:p>
+        </p:txBody>
+      </p:sp>
+      <p:sp>
+        <p:nvSpPr>
+          <p:cNvPr id="45" name="Oval 44">
+            <a:extLst>
+              <a:ext uri="{FF2B5EF4-FFF2-40B4-BE49-F238E27FC236}">
+                <a16:creationId xmlns:a16="http://schemas.microsoft.com/office/drawing/2014/main" id="{F34DD216-B00B-043B-0282-AD20CFE08490}"/>
+              </a:ext>
+            </a:extLst>
+          </p:cNvPr>
+          <p:cNvSpPr/>
+          <p:nvPr/>
+        </p:nvSpPr>
+        <p:spPr>
+          <a:xfrm>
+            <a:off x="956134" y="5382878"/>
+            <a:ext cx="386433" cy="386433"/>
+          </a:xfrm>
+          <a:prstGeom prst="ellipse">
+            <a:avLst/>
+          </a:prstGeom>
+        </p:spPr>
+        <p:style>
+          <a:lnRef idx="3">
+            <a:schemeClr val="lt1"/>
+          </a:lnRef>
+          <a:fillRef idx="1">
+            <a:schemeClr val="accent6"/>
+          </a:fillRef>
+          <a:effectRef idx="1">
+            <a:schemeClr val="accent6"/>
+          </a:effectRef>
+          <a:fontRef idx="minor">
+            <a:schemeClr val="lt1"/>
+          </a:fontRef>
+        </p:style>
+        <p:txBody>
+          <a:bodyPr rtlCol="0" anchor="ctr"/>
+          <a:lstStyle/>
+          <a:p>
+            <a:pPr algn="ctr"/>
+            <a:r>
+              <a:rPr lang="en-CA" dirty="0"/>
+              <a:t>0</a:t>
+            </a:r>
+          </a:p>
+        </p:txBody>
+      </p:sp>
+      <p:sp>
+        <p:nvSpPr>
+          <p:cNvPr id="3" name="Oval 2">
+            <a:extLst>
+              <a:ext uri="{FF2B5EF4-FFF2-40B4-BE49-F238E27FC236}">
+                <a16:creationId xmlns:a16="http://schemas.microsoft.com/office/drawing/2014/main" id="{AD506AE5-FF19-B9D6-5B01-3C7CAE8AC981}"/>
+              </a:ext>
+            </a:extLst>
+          </p:cNvPr>
+          <p:cNvSpPr/>
+          <p:nvPr/>
+        </p:nvSpPr>
+        <p:spPr>
+          <a:xfrm>
+            <a:off x="2956560" y="3042567"/>
+            <a:ext cx="386433" cy="386433"/>
+          </a:xfrm>
+          <a:prstGeom prst="ellipse">
+            <a:avLst/>
+          </a:prstGeom>
+        </p:spPr>
+        <p:style>
+          <a:lnRef idx="3">
+            <a:schemeClr val="lt1"/>
+          </a:lnRef>
+          <a:fillRef idx="1">
+            <a:schemeClr val="accent6"/>
+          </a:fillRef>
+          <a:effectRef idx="1">
+            <a:schemeClr val="accent6"/>
+          </a:effectRef>
+          <a:fontRef idx="minor">
+            <a:schemeClr val="lt1"/>
+          </a:fontRef>
+        </p:style>
+        <p:txBody>
+          <a:bodyPr rtlCol="0" anchor="ctr"/>
+          <a:lstStyle/>
+          <a:p>
+            <a:pPr algn="ctr"/>
+            <a:r>
+              <a:rPr lang="en-CA" dirty="0"/>
+              <a:t>C</a:t>
+            </a:r>
+          </a:p>
+        </p:txBody>
+      </p:sp>
+      <p:cxnSp>
+        <p:nvCxnSpPr>
+          <p:cNvPr id="7" name="Straight Arrow Connector 6">
+            <a:extLst>
+              <a:ext uri="{FF2B5EF4-FFF2-40B4-BE49-F238E27FC236}">
+                <a16:creationId xmlns:a16="http://schemas.microsoft.com/office/drawing/2014/main" id="{BA43AD37-573A-1109-5047-97EEE15162EE}"/>
+              </a:ext>
+            </a:extLst>
+          </p:cNvPr>
+          <p:cNvCxnSpPr>
+            <a:endCxn id="3" idx="1"/>
+          </p:cNvCxnSpPr>
+          <p:nvPr/>
+        </p:nvCxnSpPr>
+        <p:spPr>
+          <a:xfrm>
+            <a:off x="2021840" y="812800"/>
+            <a:ext cx="991312" cy="2286359"/>
+          </a:xfrm>
+          <a:prstGeom prst="straightConnector1">
+            <a:avLst/>
+          </a:prstGeom>
+          <a:ln>
+            <a:tailEnd type="triangle"/>
+          </a:ln>
+        </p:spPr>
+        <p:style>
+          <a:lnRef idx="2">
+            <a:schemeClr val="accent1"/>
+          </a:lnRef>
+          <a:fillRef idx="0">
+            <a:schemeClr val="accent1"/>
+          </a:fillRef>
+          <a:effectRef idx="1">
+            <a:schemeClr val="accent1"/>
+          </a:effectRef>
+          <a:fontRef idx="minor">
+            <a:schemeClr val="tx1"/>
+          </a:fontRef>
+        </p:style>
+      </p:cxnSp>
+      <p:cxnSp>
+        <p:nvCxnSpPr>
+          <p:cNvPr id="11" name="Straight Arrow Connector 10">
+            <a:extLst>
+              <a:ext uri="{FF2B5EF4-FFF2-40B4-BE49-F238E27FC236}">
+                <a16:creationId xmlns:a16="http://schemas.microsoft.com/office/drawing/2014/main" id="{B534D0D2-BD4E-3CD7-6477-3C856327FBC2}"/>
+              </a:ext>
+            </a:extLst>
+          </p:cNvPr>
+          <p:cNvCxnSpPr>
+            <a:endCxn id="3" idx="6"/>
+          </p:cNvCxnSpPr>
+          <p:nvPr/>
+        </p:nvCxnSpPr>
+        <p:spPr>
+          <a:xfrm flipH="1" flipV="1">
+            <a:off x="3342993" y="3235784"/>
+            <a:ext cx="2753007" cy="131266"/>
+          </a:xfrm>
+          <a:prstGeom prst="straightConnector1">
+            <a:avLst/>
+          </a:prstGeom>
+          <a:ln>
+            <a:tailEnd type="triangle"/>
+          </a:ln>
+        </p:spPr>
+        <p:style>
+          <a:lnRef idx="2">
+            <a:schemeClr val="accent1"/>
+          </a:lnRef>
+          <a:fillRef idx="0">
+            <a:schemeClr val="accent1"/>
+          </a:fillRef>
+          <a:effectRef idx="1">
+            <a:schemeClr val="accent1"/>
+          </a:effectRef>
+          <a:fontRef idx="minor">
+            <a:schemeClr val="tx1"/>
+          </a:fontRef>
+        </p:style>
+      </p:cxnSp>
+      <p:cxnSp>
+        <p:nvCxnSpPr>
+          <p:cNvPr id="46" name="Straight Arrow Connector 45">
+            <a:extLst>
+              <a:ext uri="{FF2B5EF4-FFF2-40B4-BE49-F238E27FC236}">
+                <a16:creationId xmlns:a16="http://schemas.microsoft.com/office/drawing/2014/main" id="{BE1BF67D-7A31-48D7-A73A-D24D9DC68DA7}"/>
+              </a:ext>
+            </a:extLst>
+          </p:cNvPr>
+          <p:cNvCxnSpPr>
+            <a:cxnSpLocks/>
+            <a:stCxn id="45" idx="6"/>
+            <a:endCxn id="3" idx="3"/>
+          </p:cNvCxnSpPr>
+          <p:nvPr/>
+        </p:nvCxnSpPr>
+        <p:spPr>
+          <a:xfrm flipV="1">
+            <a:off x="1342567" y="3372408"/>
+            <a:ext cx="1670585" cy="2203687"/>
+          </a:xfrm>
+          <a:prstGeom prst="straightConnector1">
+            <a:avLst/>
+          </a:prstGeom>
+          <a:ln>
+            <a:tailEnd type="triangle"/>
+          </a:ln>
+        </p:spPr>
+        <p:style>
+          <a:lnRef idx="2">
+            <a:schemeClr val="accent1"/>
+          </a:lnRef>
+          <a:fillRef idx="0">
+            <a:schemeClr val="accent1"/>
+          </a:fillRef>
+          <a:effectRef idx="1">
+            <a:schemeClr val="accent1"/>
+          </a:effectRef>
+          <a:fontRef idx="minor">
+            <a:schemeClr val="tx1"/>
+          </a:fontRef>
+        </p:style>
+      </p:cxnSp>
+      <p:sp>
+        <p:nvSpPr>
+          <p:cNvPr id="49" name="TextBox 48">
+            <a:extLst>
+              <a:ext uri="{FF2B5EF4-FFF2-40B4-BE49-F238E27FC236}">
+                <a16:creationId xmlns:a16="http://schemas.microsoft.com/office/drawing/2014/main" id="{72FC93B0-5C61-240E-0B54-C44BAEA1A867}"/>
+              </a:ext>
+            </a:extLst>
+          </p:cNvPr>
+          <p:cNvSpPr txBox="1"/>
+          <p:nvPr/>
+        </p:nvSpPr>
+        <p:spPr>
+          <a:xfrm>
+            <a:off x="7142480" y="660400"/>
+            <a:ext cx="4389120" cy="3970318"/>
+          </a:xfrm>
+          <a:prstGeom prst="rect">
+            <a:avLst/>
+          </a:prstGeom>
+          <a:noFill/>
+        </p:spPr>
+        <p:txBody>
+          <a:bodyPr wrap="square" rtlCol="0">
+            <a:spAutoFit/>
+          </a:bodyPr>
+          <a:lstStyle/>
+          <a:p>
+            <a:r>
+              <a:rPr lang="en-CA" dirty="0"/>
+              <a:t>Centre (“C”) is the average of all three vertices, or:</a:t>
+            </a:r>
+          </a:p>
+          <a:p>
+            <a:r>
+              <a:rPr lang="en-CA" dirty="0"/>
+              <a:t>(V0 + V1 + V2 ) / 3.0f</a:t>
+            </a:r>
+          </a:p>
+          <a:p>
+            <a:endParaRPr lang="en-CA" dirty="0"/>
+          </a:p>
+          <a:p>
+            <a:r>
+              <a:rPr lang="en-CA" dirty="0"/>
+              <a:t>T0: V0, V1, C</a:t>
+            </a:r>
+          </a:p>
+          <a:p>
+            <a:r>
+              <a:rPr lang="en-CA" dirty="0"/>
+              <a:t>T1: V1, V2, C</a:t>
+            </a:r>
+          </a:p>
+          <a:p>
+            <a:r>
+              <a:rPr lang="en-CA" dirty="0"/>
+              <a:t>T2: V2, V0, C</a:t>
+            </a:r>
+          </a:p>
+          <a:p>
+            <a:endParaRPr lang="en-CA" dirty="0"/>
+          </a:p>
+          <a:p>
+            <a:r>
+              <a:rPr lang="en-CA" dirty="0"/>
+              <a:t>We want to be sure that the winding is the same (generally a good idea)</a:t>
+            </a:r>
+          </a:p>
+          <a:p>
+            <a:endParaRPr lang="en-CA" dirty="0"/>
+          </a:p>
+          <a:p>
+            <a:r>
+              <a:rPr lang="en-CA" dirty="0"/>
+              <a:t>Note that the normal of the new triangles is the same as the original because triangles are always flat. </a:t>
+            </a:r>
+          </a:p>
+        </p:txBody>
+      </p:sp>
+      <p:sp>
+        <p:nvSpPr>
+          <p:cNvPr id="50" name="Arrow: Curved Left 49">
+            <a:extLst>
+              <a:ext uri="{FF2B5EF4-FFF2-40B4-BE49-F238E27FC236}">
+                <a16:creationId xmlns:a16="http://schemas.microsoft.com/office/drawing/2014/main" id="{8D668E47-DAAF-309A-2D97-1BFB4FF79A87}"/>
+              </a:ext>
+            </a:extLst>
+          </p:cNvPr>
+          <p:cNvSpPr/>
+          <p:nvPr/>
+        </p:nvSpPr>
+        <p:spPr>
+          <a:xfrm>
+            <a:off x="1983719" y="2793999"/>
+            <a:ext cx="741680" cy="1087120"/>
+          </a:xfrm>
+          <a:prstGeom prst="curvedLeftArrow">
+            <a:avLst/>
+          </a:prstGeom>
+        </p:spPr>
+        <p:style>
+          <a:lnRef idx="2">
+            <a:schemeClr val="accent1">
+              <a:shade val="15000"/>
+            </a:schemeClr>
+          </a:lnRef>
+          <a:fillRef idx="1">
+            <a:schemeClr val="accent1"/>
+          </a:fillRef>
+          <a:effectRef idx="0">
+            <a:schemeClr val="accent1"/>
+          </a:effectRef>
+          <a:fontRef idx="minor">
+            <a:schemeClr val="lt1"/>
+          </a:fontRef>
+        </p:style>
+        <p:txBody>
+          <a:bodyPr rtlCol="0" anchor="ctr"/>
+          <a:lstStyle/>
+          <a:p>
+            <a:pPr algn="ctr"/>
+            <a:endParaRPr lang="en-CA">
+              <a:solidFill>
+                <a:schemeClr val="tx1"/>
+              </a:solidFill>
+            </a:endParaRPr>
+          </a:p>
+        </p:txBody>
+      </p:sp>
+      <p:sp>
+        <p:nvSpPr>
+          <p:cNvPr id="51" name="Arrow: Curved Left 50">
+            <a:extLst>
+              <a:ext uri="{FF2B5EF4-FFF2-40B4-BE49-F238E27FC236}">
+                <a16:creationId xmlns:a16="http://schemas.microsoft.com/office/drawing/2014/main" id="{AD4A0F0C-5B80-AB3B-B19A-963AE6DC528E}"/>
+              </a:ext>
+            </a:extLst>
+          </p:cNvPr>
+          <p:cNvSpPr/>
+          <p:nvPr/>
+        </p:nvSpPr>
+        <p:spPr>
+          <a:xfrm>
+            <a:off x="3133423" y="2012039"/>
+            <a:ext cx="741680" cy="1087120"/>
+          </a:xfrm>
+          <a:prstGeom prst="curvedLeftArrow">
+            <a:avLst/>
+          </a:prstGeom>
+        </p:spPr>
+        <p:style>
+          <a:lnRef idx="2">
+            <a:schemeClr val="accent1">
+              <a:shade val="15000"/>
+            </a:schemeClr>
+          </a:lnRef>
+          <a:fillRef idx="1">
+            <a:schemeClr val="accent1"/>
+          </a:fillRef>
+          <a:effectRef idx="0">
+            <a:schemeClr val="accent1"/>
+          </a:effectRef>
+          <a:fontRef idx="minor">
+            <a:schemeClr val="lt1"/>
+          </a:fontRef>
+        </p:style>
+        <p:txBody>
+          <a:bodyPr rtlCol="0" anchor="ctr"/>
+          <a:lstStyle/>
+          <a:p>
+            <a:pPr algn="ctr"/>
+            <a:endParaRPr lang="en-CA">
+              <a:solidFill>
+                <a:schemeClr val="tx1"/>
+              </a:solidFill>
+            </a:endParaRPr>
+          </a:p>
+        </p:txBody>
+      </p:sp>
+      <p:sp>
+        <p:nvSpPr>
+          <p:cNvPr id="52" name="Arrow: Curved Left 51">
+            <a:extLst>
+              <a:ext uri="{FF2B5EF4-FFF2-40B4-BE49-F238E27FC236}">
+                <a16:creationId xmlns:a16="http://schemas.microsoft.com/office/drawing/2014/main" id="{D0425DB0-88E6-954A-5F35-719F03603420}"/>
+              </a:ext>
+            </a:extLst>
+          </p:cNvPr>
+          <p:cNvSpPr/>
+          <p:nvPr/>
+        </p:nvSpPr>
+        <p:spPr>
+          <a:xfrm>
+            <a:off x="3028745" y="3490951"/>
+            <a:ext cx="741680" cy="1087120"/>
+          </a:xfrm>
+          <a:prstGeom prst="curvedLeftArrow">
+            <a:avLst/>
+          </a:prstGeom>
+        </p:spPr>
+        <p:style>
+          <a:lnRef idx="2">
+            <a:schemeClr val="accent1">
+              <a:shade val="15000"/>
+            </a:schemeClr>
+          </a:lnRef>
+          <a:fillRef idx="1">
+            <a:schemeClr val="accent1"/>
+          </a:fillRef>
+          <a:effectRef idx="0">
+            <a:schemeClr val="accent1"/>
+          </a:effectRef>
+          <a:fontRef idx="minor">
+            <a:schemeClr val="lt1"/>
+          </a:fontRef>
+        </p:style>
+        <p:txBody>
+          <a:bodyPr rtlCol="0" anchor="ctr"/>
+          <a:lstStyle/>
+          <a:p>
+            <a:pPr algn="ctr"/>
+            <a:endParaRPr lang="en-CA">
+              <a:solidFill>
+                <a:schemeClr val="tx1"/>
+              </a:solidFill>
+            </a:endParaRPr>
+          </a:p>
+        </p:txBody>
+      </p:sp>
+      <p:sp>
+        <p:nvSpPr>
+          <p:cNvPr id="53" name="&quot;Not Allowed&quot; Symbol 52">
+            <a:extLst>
+              <a:ext uri="{FF2B5EF4-FFF2-40B4-BE49-F238E27FC236}">
+                <a16:creationId xmlns:a16="http://schemas.microsoft.com/office/drawing/2014/main" id="{23063D6B-FDB7-ACF2-1C5B-788E88CF53A5}"/>
+              </a:ext>
+            </a:extLst>
+          </p:cNvPr>
+          <p:cNvSpPr/>
+          <p:nvPr/>
+        </p:nvSpPr>
+        <p:spPr>
+          <a:xfrm rot="19540275">
+            <a:off x="3241040" y="544909"/>
+            <a:ext cx="5283200" cy="5031186"/>
+          </a:xfrm>
+          <a:prstGeom prst="noSmoking">
+            <a:avLst/>
+          </a:prstGeom>
+        </p:spPr>
+        <p:style>
+          <a:lnRef idx="2">
+            <a:schemeClr val="accent1">
+              <a:shade val="15000"/>
+            </a:schemeClr>
+          </a:lnRef>
+          <a:fillRef idx="1">
+            <a:schemeClr val="accent1"/>
+          </a:fillRef>
+          <a:effectRef idx="0">
+            <a:schemeClr val="accent1"/>
+          </a:effectRef>
+          <a:fontRef idx="minor">
+            <a:schemeClr val="lt1"/>
+          </a:fontRef>
+        </p:style>
+        <p:txBody>
+          <a:bodyPr rtlCol="0" anchor="ctr"/>
+          <a:lstStyle/>
+          <a:p>
+            <a:pPr algn="ctr"/>
+            <a:r>
+              <a:rPr lang="en-CA" dirty="0">
+                <a:solidFill>
+                  <a:schemeClr val="tx1"/>
+                </a:solidFill>
+              </a:rPr>
+              <a:t>Don’t do this</a:t>
+            </a:r>
+          </a:p>
+        </p:txBody>
+      </p:sp>
+      <p:sp>
+        <p:nvSpPr>
+          <p:cNvPr id="54" name="TextBox 53">
+            <a:extLst>
+              <a:ext uri="{FF2B5EF4-FFF2-40B4-BE49-F238E27FC236}">
+                <a16:creationId xmlns:a16="http://schemas.microsoft.com/office/drawing/2014/main" id="{B9FF960E-40A9-216E-25B1-C8D71A3D1577}"/>
+              </a:ext>
+            </a:extLst>
+          </p:cNvPr>
+          <p:cNvSpPr txBox="1"/>
+          <p:nvPr/>
+        </p:nvSpPr>
+        <p:spPr>
+          <a:xfrm>
+            <a:off x="2225821" y="5769311"/>
+            <a:ext cx="8513224" cy="584775"/>
+          </a:xfrm>
+          <a:prstGeom prst="rect">
+            <a:avLst/>
+          </a:prstGeom>
+          <a:noFill/>
+        </p:spPr>
+        <p:txBody>
+          <a:bodyPr wrap="square" rtlCol="0">
+            <a:spAutoFit/>
+          </a:bodyPr>
+          <a:lstStyle/>
+          <a:p>
+            <a:r>
+              <a:rPr lang="en-CA" sz="3200" dirty="0"/>
+              <a:t>This will keep the long side lengths… 😱 </a:t>
+            </a:r>
+          </a:p>
+        </p:txBody>
+      </p:sp>
+    </p:spTree>
+    <p:extLst>
+      <p:ext uri="{BB962C8B-B14F-4D97-AF65-F5344CB8AC3E}">
+        <p14:creationId xmlns:p14="http://schemas.microsoft.com/office/powerpoint/2010/main" val="189769642"/>
+      </p:ext>
+    </p:extLst>
+  </p:cSld>
+  <p:clrMapOvr>
+    <a:masterClrMapping/>
+  </p:clrMapOvr>
+</p:sld>
+</file>
+
+<file path=ppt/slides/slide33.xml><?xml version="1.0" encoding="utf-8"?>
+<p:sld xmlns:a="http://schemas.openxmlformats.org/drawingml/2006/main" xmlns:r="http://schemas.openxmlformats.org/officeDocument/2006/relationships" xmlns:p="http://schemas.openxmlformats.org/presentationml/2006/main">
+  <p:cSld>
+    <p:spTree>
+      <p:nvGrpSpPr>
+        <p:cNvPr id="1" name=""/>
+        <p:cNvGrpSpPr/>
+        <p:nvPr/>
+      </p:nvGrpSpPr>
+      <p:grpSpPr>
+        <a:xfrm>
+          <a:off x="0" y="0"/>
+          <a:ext cx="0" cy="0"/>
+          <a:chOff x="0" y="0"/>
+          <a:chExt cx="0" cy="0"/>
+        </a:xfrm>
+      </p:grpSpPr>
+      <p:sp>
+        <p:nvSpPr>
+          <p:cNvPr id="42" name="Isosceles Triangle 41">
+            <a:extLst>
+              <a:ext uri="{FF2B5EF4-FFF2-40B4-BE49-F238E27FC236}">
+                <a16:creationId xmlns:a16="http://schemas.microsoft.com/office/drawing/2014/main" id="{DAD97A48-EEB0-1FB1-AEEB-E32AF90147B6}"/>
+              </a:ext>
+            </a:extLst>
+          </p:cNvPr>
+          <p:cNvSpPr/>
+          <p:nvPr/>
+        </p:nvSpPr>
+        <p:spPr>
+          <a:xfrm rot="20132433">
+            <a:off x="97905" y="575666"/>
+            <a:ext cx="5564529" cy="4103065"/>
+          </a:xfrm>
+          <a:prstGeom prst="triangle">
+            <a:avLst/>
+          </a:prstGeom>
+          <a:solidFill>
+            <a:schemeClr val="accent5">
+              <a:alpha val="58000"/>
+            </a:schemeClr>
+          </a:solidFill>
+        </p:spPr>
+        <p:style>
+          <a:lnRef idx="2">
+            <a:schemeClr val="accent5">
+              <a:shade val="15000"/>
+            </a:schemeClr>
+          </a:lnRef>
+          <a:fillRef idx="1">
+            <a:schemeClr val="accent5"/>
+          </a:fillRef>
+          <a:effectRef idx="0">
+            <a:schemeClr val="accent5"/>
+          </a:effectRef>
+          <a:fontRef idx="minor">
+            <a:schemeClr val="lt1"/>
+          </a:fontRef>
+        </p:style>
+        <p:txBody>
+          <a:bodyPr rtlCol="0" anchor="ctr"/>
+          <a:lstStyle/>
+          <a:p>
+            <a:pPr algn="ctr"/>
+            <a:endParaRPr lang="en-CA" dirty="0"/>
+          </a:p>
+        </p:txBody>
+      </p:sp>
+      <p:sp>
+        <p:nvSpPr>
+          <p:cNvPr id="43" name="Oval 42">
+            <a:extLst>
+              <a:ext uri="{FF2B5EF4-FFF2-40B4-BE49-F238E27FC236}">
+                <a16:creationId xmlns:a16="http://schemas.microsoft.com/office/drawing/2014/main" id="{9F88374A-068D-198A-B6D5-DD55E5A93C09}"/>
+              </a:ext>
+            </a:extLst>
+          </p:cNvPr>
+          <p:cNvSpPr/>
+          <p:nvPr/>
+        </p:nvSpPr>
+        <p:spPr>
+          <a:xfrm>
+            <a:off x="1866958" y="544909"/>
+            <a:ext cx="386433" cy="386433"/>
+          </a:xfrm>
+          <a:prstGeom prst="ellipse">
+            <a:avLst/>
+          </a:prstGeom>
+        </p:spPr>
+        <p:style>
+          <a:lnRef idx="3">
+            <a:schemeClr val="lt1"/>
+          </a:lnRef>
+          <a:fillRef idx="1">
+            <a:schemeClr val="accent6"/>
+          </a:fillRef>
+          <a:effectRef idx="1">
+            <a:schemeClr val="accent6"/>
+          </a:effectRef>
+          <a:fontRef idx="minor">
+            <a:schemeClr val="lt1"/>
+          </a:fontRef>
+        </p:style>
+        <p:txBody>
+          <a:bodyPr rtlCol="0" anchor="ctr"/>
+          <a:lstStyle/>
+          <a:p>
+            <a:pPr algn="ctr"/>
+            <a:r>
+              <a:rPr lang="en-CA" dirty="0"/>
+              <a:t>1</a:t>
+            </a:r>
+          </a:p>
+        </p:txBody>
+      </p:sp>
+      <p:sp>
+        <p:nvSpPr>
+          <p:cNvPr id="44" name="Oval 43">
+            <a:extLst>
+              <a:ext uri="{FF2B5EF4-FFF2-40B4-BE49-F238E27FC236}">
+                <a16:creationId xmlns:a16="http://schemas.microsoft.com/office/drawing/2014/main" id="{8625EB4F-EBDA-3E82-BA8E-5BA321E12344}"/>
+              </a:ext>
+            </a:extLst>
+          </p:cNvPr>
+          <p:cNvSpPr/>
+          <p:nvPr/>
+        </p:nvSpPr>
+        <p:spPr>
+          <a:xfrm>
+            <a:off x="6096000" y="3144343"/>
+            <a:ext cx="386433" cy="386433"/>
+          </a:xfrm>
+          <a:prstGeom prst="ellipse">
+            <a:avLst/>
+          </a:prstGeom>
+        </p:spPr>
+        <p:style>
+          <a:lnRef idx="3">
+            <a:schemeClr val="lt1"/>
+          </a:lnRef>
+          <a:fillRef idx="1">
+            <a:schemeClr val="accent6"/>
+          </a:fillRef>
+          <a:effectRef idx="1">
+            <a:schemeClr val="accent6"/>
+          </a:effectRef>
+          <a:fontRef idx="minor">
+            <a:schemeClr val="lt1"/>
+          </a:fontRef>
+        </p:style>
+        <p:txBody>
+          <a:bodyPr rtlCol="0" anchor="ctr"/>
+          <a:lstStyle/>
+          <a:p>
+            <a:pPr algn="ctr"/>
+            <a:r>
+              <a:rPr lang="en-CA" dirty="0"/>
+              <a:t>2</a:t>
+            </a:r>
+          </a:p>
+        </p:txBody>
+      </p:sp>
+      <p:sp>
+        <p:nvSpPr>
+          <p:cNvPr id="45" name="Oval 44">
+            <a:extLst>
+              <a:ext uri="{FF2B5EF4-FFF2-40B4-BE49-F238E27FC236}">
+                <a16:creationId xmlns:a16="http://schemas.microsoft.com/office/drawing/2014/main" id="{F34DD216-B00B-043B-0282-AD20CFE08490}"/>
+              </a:ext>
+            </a:extLst>
+          </p:cNvPr>
+          <p:cNvSpPr/>
+          <p:nvPr/>
+        </p:nvSpPr>
+        <p:spPr>
+          <a:xfrm>
+            <a:off x="956134" y="5382878"/>
+            <a:ext cx="386433" cy="386433"/>
+          </a:xfrm>
+          <a:prstGeom prst="ellipse">
+            <a:avLst/>
+          </a:prstGeom>
+        </p:spPr>
+        <p:style>
+          <a:lnRef idx="3">
+            <a:schemeClr val="lt1"/>
+          </a:lnRef>
+          <a:fillRef idx="1">
+            <a:schemeClr val="accent6"/>
+          </a:fillRef>
+          <a:effectRef idx="1">
+            <a:schemeClr val="accent6"/>
+          </a:effectRef>
+          <a:fontRef idx="minor">
+            <a:schemeClr val="lt1"/>
+          </a:fontRef>
+        </p:style>
+        <p:txBody>
+          <a:bodyPr rtlCol="0" anchor="ctr"/>
+          <a:lstStyle/>
+          <a:p>
+            <a:pPr algn="ctr"/>
+            <a:r>
+              <a:rPr lang="en-CA" dirty="0"/>
+              <a:t>0</a:t>
+            </a:r>
+          </a:p>
+        </p:txBody>
+      </p:sp>
+      <p:sp>
+        <p:nvSpPr>
+          <p:cNvPr id="3" name="Oval 2">
+            <a:extLst>
+              <a:ext uri="{FF2B5EF4-FFF2-40B4-BE49-F238E27FC236}">
+                <a16:creationId xmlns:a16="http://schemas.microsoft.com/office/drawing/2014/main" id="{AD506AE5-FF19-B9D6-5B01-3C7CAE8AC981}"/>
+              </a:ext>
+            </a:extLst>
+          </p:cNvPr>
+          <p:cNvSpPr/>
+          <p:nvPr/>
+        </p:nvSpPr>
+        <p:spPr>
+          <a:xfrm>
+            <a:off x="1451139" y="2951126"/>
+            <a:ext cx="386433" cy="386433"/>
+          </a:xfrm>
+          <a:prstGeom prst="ellipse">
+            <a:avLst/>
+          </a:prstGeom>
+          <a:solidFill>
+            <a:srgbClr val="002060"/>
+          </a:solidFill>
+        </p:spPr>
+        <p:style>
+          <a:lnRef idx="3">
+            <a:schemeClr val="lt1"/>
+          </a:lnRef>
+          <a:fillRef idx="1">
+            <a:schemeClr val="accent6"/>
+          </a:fillRef>
+          <a:effectRef idx="1">
+            <a:schemeClr val="accent6"/>
+          </a:effectRef>
+          <a:fontRef idx="minor">
+            <a:schemeClr val="lt1"/>
+          </a:fontRef>
+        </p:style>
+        <p:txBody>
+          <a:bodyPr rtlCol="0" anchor="ctr"/>
+          <a:lstStyle/>
+          <a:p>
+            <a:pPr algn="ctr"/>
+            <a:r>
+              <a:rPr lang="en-CA" dirty="0"/>
+              <a:t>A</a:t>
+            </a:r>
+          </a:p>
+        </p:txBody>
+      </p:sp>
+      <p:cxnSp>
+        <p:nvCxnSpPr>
+          <p:cNvPr id="7" name="Straight Arrow Connector 6">
+            <a:extLst>
+              <a:ext uri="{FF2B5EF4-FFF2-40B4-BE49-F238E27FC236}">
+                <a16:creationId xmlns:a16="http://schemas.microsoft.com/office/drawing/2014/main" id="{BA43AD37-573A-1109-5047-97EEE15162EE}"/>
+              </a:ext>
+            </a:extLst>
+          </p:cNvPr>
+          <p:cNvCxnSpPr>
+            <a:cxnSpLocks/>
+            <a:stCxn id="3" idx="7"/>
+            <a:endCxn id="4" idx="3"/>
+          </p:cNvCxnSpPr>
+          <p:nvPr/>
+        </p:nvCxnSpPr>
+        <p:spPr>
+          <a:xfrm flipV="1">
+            <a:off x="1780980" y="2163367"/>
+            <a:ext cx="2246431" cy="844351"/>
+          </a:xfrm>
+          <a:prstGeom prst="straightConnector1">
+            <a:avLst/>
+          </a:prstGeom>
+          <a:ln>
+            <a:tailEnd type="triangle"/>
+          </a:ln>
+        </p:spPr>
+        <p:style>
+          <a:lnRef idx="2">
+            <a:schemeClr val="accent1"/>
+          </a:lnRef>
+          <a:fillRef idx="0">
+            <a:schemeClr val="accent1"/>
+          </a:fillRef>
+          <a:effectRef idx="1">
+            <a:schemeClr val="accent1"/>
+          </a:effectRef>
+          <a:fontRef idx="minor">
+            <a:schemeClr val="tx1"/>
+          </a:fontRef>
+        </p:style>
+      </p:cxnSp>
+      <p:cxnSp>
+        <p:nvCxnSpPr>
+          <p:cNvPr id="11" name="Straight Arrow Connector 10">
+            <a:extLst>
+              <a:ext uri="{FF2B5EF4-FFF2-40B4-BE49-F238E27FC236}">
+                <a16:creationId xmlns:a16="http://schemas.microsoft.com/office/drawing/2014/main" id="{B534D0D2-BD4E-3CD7-6477-3C856327FBC2}"/>
+              </a:ext>
+            </a:extLst>
+          </p:cNvPr>
+          <p:cNvCxnSpPr>
+            <a:cxnSpLocks/>
+            <a:endCxn id="4" idx="4"/>
+          </p:cNvCxnSpPr>
+          <p:nvPr/>
+        </p:nvCxnSpPr>
+        <p:spPr>
+          <a:xfrm flipV="1">
+            <a:off x="3700971" y="2219959"/>
+            <a:ext cx="463065" cy="2076830"/>
+          </a:xfrm>
+          <a:prstGeom prst="straightConnector1">
+            <a:avLst/>
+          </a:prstGeom>
+          <a:ln>
+            <a:tailEnd type="triangle"/>
+          </a:ln>
+        </p:spPr>
+        <p:style>
+          <a:lnRef idx="2">
+            <a:schemeClr val="accent1"/>
+          </a:lnRef>
+          <a:fillRef idx="0">
+            <a:schemeClr val="accent1"/>
+          </a:fillRef>
+          <a:effectRef idx="1">
+            <a:schemeClr val="accent1"/>
+          </a:effectRef>
+          <a:fontRef idx="minor">
+            <a:schemeClr val="tx1"/>
+          </a:fontRef>
+        </p:style>
+      </p:cxnSp>
+      <p:cxnSp>
+        <p:nvCxnSpPr>
+          <p:cNvPr id="46" name="Straight Arrow Connector 45">
+            <a:extLst>
+              <a:ext uri="{FF2B5EF4-FFF2-40B4-BE49-F238E27FC236}">
+                <a16:creationId xmlns:a16="http://schemas.microsoft.com/office/drawing/2014/main" id="{BE1BF67D-7A31-48D7-A73A-D24D9DC68DA7}"/>
+              </a:ext>
+            </a:extLst>
+          </p:cNvPr>
+          <p:cNvCxnSpPr>
+            <a:cxnSpLocks/>
+            <a:stCxn id="5" idx="1"/>
+            <a:endCxn id="3" idx="5"/>
+          </p:cNvCxnSpPr>
+          <p:nvPr/>
+        </p:nvCxnSpPr>
+        <p:spPr>
+          <a:xfrm flipH="1" flipV="1">
+            <a:off x="1780980" y="3280967"/>
+            <a:ext cx="1636831" cy="1128831"/>
+          </a:xfrm>
+          <a:prstGeom prst="straightConnector1">
+            <a:avLst/>
+          </a:prstGeom>
+          <a:ln>
+            <a:tailEnd type="triangle"/>
+          </a:ln>
+        </p:spPr>
+        <p:style>
+          <a:lnRef idx="2">
+            <a:schemeClr val="accent1"/>
+          </a:lnRef>
+          <a:fillRef idx="0">
+            <a:schemeClr val="accent1"/>
+          </a:fillRef>
+          <a:effectRef idx="1">
+            <a:schemeClr val="accent1"/>
+          </a:effectRef>
+          <a:fontRef idx="minor">
+            <a:schemeClr val="tx1"/>
+          </a:fontRef>
+        </p:style>
+      </p:cxnSp>
+      <p:sp>
+        <p:nvSpPr>
+          <p:cNvPr id="49" name="TextBox 48">
+            <a:extLst>
+              <a:ext uri="{FF2B5EF4-FFF2-40B4-BE49-F238E27FC236}">
+                <a16:creationId xmlns:a16="http://schemas.microsoft.com/office/drawing/2014/main" id="{72FC93B0-5C61-240E-0B54-C44BAEA1A867}"/>
+              </a:ext>
+            </a:extLst>
+          </p:cNvPr>
+          <p:cNvSpPr txBox="1"/>
+          <p:nvPr/>
+        </p:nvSpPr>
+        <p:spPr>
+          <a:xfrm>
+            <a:off x="7172924" y="688968"/>
+            <a:ext cx="4389120" cy="5078313"/>
+          </a:xfrm>
+          <a:prstGeom prst="rect">
+            <a:avLst/>
+          </a:prstGeom>
+          <a:noFill/>
+        </p:spPr>
+        <p:txBody>
+          <a:bodyPr wrap="square" rtlCol="0">
+            <a:spAutoFit/>
+          </a:bodyPr>
+          <a:lstStyle/>
+          <a:p>
+            <a:r>
+              <a:rPr lang="en-CA" dirty="0"/>
+              <a:t>Pick 3 points along the edges (mid-way)</a:t>
+            </a:r>
+          </a:p>
+          <a:p>
+            <a:endParaRPr lang="en-CA" dirty="0"/>
+          </a:p>
+          <a:p>
+            <a:r>
+              <a:rPr lang="en-CA" dirty="0"/>
+              <a:t>A = (V0 + V1) / 2.0f</a:t>
+            </a:r>
+          </a:p>
+          <a:p>
+            <a:r>
+              <a:rPr lang="en-CA" dirty="0"/>
+              <a:t>B = (V1 + V2) / 2.0f</a:t>
+            </a:r>
+          </a:p>
+          <a:p>
+            <a:r>
+              <a:rPr lang="en-CA" dirty="0"/>
+              <a:t>C = (V2 + V0) / 2.0f</a:t>
+            </a:r>
+          </a:p>
+          <a:p>
+            <a:endParaRPr lang="en-CA" dirty="0"/>
+          </a:p>
+          <a:p>
+            <a:endParaRPr lang="en-CA" dirty="0"/>
+          </a:p>
+          <a:p>
+            <a:r>
+              <a:rPr lang="en-CA" dirty="0"/>
+              <a:t>T0: V0, A, C</a:t>
+            </a:r>
+          </a:p>
+          <a:p>
+            <a:r>
+              <a:rPr lang="en-CA" dirty="0"/>
+              <a:t>T1: A, V1, B</a:t>
+            </a:r>
+          </a:p>
+          <a:p>
+            <a:r>
+              <a:rPr lang="en-CA" dirty="0"/>
+              <a:t>T2: B, V2, C</a:t>
+            </a:r>
+          </a:p>
+          <a:p>
+            <a:r>
+              <a:rPr lang="en-CA" dirty="0"/>
+              <a:t>T3: A, B, C</a:t>
+            </a:r>
+          </a:p>
+          <a:p>
+            <a:endParaRPr lang="en-CA" dirty="0"/>
+          </a:p>
+          <a:p>
+            <a:r>
+              <a:rPr lang="en-CA" dirty="0"/>
+              <a:t>We want to be sure that the winding is the same (generally a good idea)</a:t>
+            </a:r>
+          </a:p>
+          <a:p>
+            <a:endParaRPr lang="en-CA" dirty="0"/>
+          </a:p>
+          <a:p>
+            <a:r>
+              <a:rPr lang="en-CA" dirty="0"/>
+              <a:t>Note that the normal of the new triangles is the same as the original because triangles are always flat. </a:t>
+            </a:r>
+          </a:p>
+        </p:txBody>
+      </p:sp>
+      <p:sp>
+        <p:nvSpPr>
+          <p:cNvPr id="50" name="Arrow: Curved Left 49">
+            <a:extLst>
+              <a:ext uri="{FF2B5EF4-FFF2-40B4-BE49-F238E27FC236}">
+                <a16:creationId xmlns:a16="http://schemas.microsoft.com/office/drawing/2014/main" id="{8D668E47-DAAF-309A-2D97-1BFB4FF79A87}"/>
+              </a:ext>
+            </a:extLst>
+          </p:cNvPr>
+          <p:cNvSpPr/>
+          <p:nvPr/>
+        </p:nvSpPr>
+        <p:spPr>
+          <a:xfrm>
+            <a:off x="1808546" y="3898882"/>
+            <a:ext cx="741680" cy="1087120"/>
+          </a:xfrm>
+          <a:prstGeom prst="curvedLeftArrow">
+            <a:avLst/>
+          </a:prstGeom>
+        </p:spPr>
+        <p:style>
+          <a:lnRef idx="2">
+            <a:schemeClr val="accent1">
+              <a:shade val="15000"/>
+            </a:schemeClr>
+          </a:lnRef>
+          <a:fillRef idx="1">
+            <a:schemeClr val="accent1"/>
+          </a:fillRef>
+          <a:effectRef idx="0">
+            <a:schemeClr val="accent1"/>
+          </a:effectRef>
+          <a:fontRef idx="minor">
+            <a:schemeClr val="lt1"/>
+          </a:fontRef>
+        </p:style>
+        <p:txBody>
+          <a:bodyPr rtlCol="0" anchor="ctr"/>
+          <a:lstStyle/>
+          <a:p>
+            <a:pPr algn="ctr"/>
+            <a:endParaRPr lang="en-CA">
+              <a:solidFill>
+                <a:schemeClr val="tx1"/>
+              </a:solidFill>
+            </a:endParaRPr>
+          </a:p>
+        </p:txBody>
+      </p:sp>
+      <p:sp>
+        <p:nvSpPr>
+          <p:cNvPr id="51" name="Arrow: Curved Left 50">
+            <a:extLst>
+              <a:ext uri="{FF2B5EF4-FFF2-40B4-BE49-F238E27FC236}">
+                <a16:creationId xmlns:a16="http://schemas.microsoft.com/office/drawing/2014/main" id="{AD4A0F0C-5B80-AB3B-B19A-963AE6DC528E}"/>
+              </a:ext>
+            </a:extLst>
+          </p:cNvPr>
+          <p:cNvSpPr/>
+          <p:nvPr/>
+        </p:nvSpPr>
+        <p:spPr>
+          <a:xfrm>
+            <a:off x="2188724" y="1324904"/>
+            <a:ext cx="741680" cy="1087120"/>
+          </a:xfrm>
+          <a:prstGeom prst="curvedLeftArrow">
+            <a:avLst/>
+          </a:prstGeom>
+        </p:spPr>
+        <p:style>
+          <a:lnRef idx="2">
+            <a:schemeClr val="accent1">
+              <a:shade val="15000"/>
+            </a:schemeClr>
+          </a:lnRef>
+          <a:fillRef idx="1">
+            <a:schemeClr val="accent1"/>
+          </a:fillRef>
+          <a:effectRef idx="0">
+            <a:schemeClr val="accent1"/>
+          </a:effectRef>
+          <a:fontRef idx="minor">
+            <a:schemeClr val="lt1"/>
+          </a:fontRef>
+        </p:style>
+        <p:txBody>
+          <a:bodyPr rtlCol="0" anchor="ctr"/>
+          <a:lstStyle/>
+          <a:p>
+            <a:pPr algn="ctr"/>
+            <a:endParaRPr lang="en-CA">
+              <a:solidFill>
+                <a:schemeClr val="tx1"/>
+              </a:solidFill>
+            </a:endParaRPr>
+          </a:p>
+        </p:txBody>
+      </p:sp>
+      <p:sp>
+        <p:nvSpPr>
+          <p:cNvPr id="52" name="Arrow: Curved Left 51">
+            <a:extLst>
+              <a:ext uri="{FF2B5EF4-FFF2-40B4-BE49-F238E27FC236}">
+                <a16:creationId xmlns:a16="http://schemas.microsoft.com/office/drawing/2014/main" id="{D0425DB0-88E6-954A-5F35-719F03603420}"/>
+              </a:ext>
+            </a:extLst>
+          </p:cNvPr>
+          <p:cNvSpPr/>
+          <p:nvPr/>
+        </p:nvSpPr>
+        <p:spPr>
+          <a:xfrm>
+            <a:off x="4278293" y="2793999"/>
+            <a:ext cx="741680" cy="1087120"/>
+          </a:xfrm>
+          <a:prstGeom prst="curvedLeftArrow">
+            <a:avLst/>
+          </a:prstGeom>
+        </p:spPr>
+        <p:style>
+          <a:lnRef idx="2">
+            <a:schemeClr val="accent1">
+              <a:shade val="15000"/>
+            </a:schemeClr>
+          </a:lnRef>
+          <a:fillRef idx="1">
+            <a:schemeClr val="accent1"/>
+          </a:fillRef>
+          <a:effectRef idx="0">
+            <a:schemeClr val="accent1"/>
+          </a:effectRef>
+          <a:fontRef idx="minor">
+            <a:schemeClr val="lt1"/>
+          </a:fontRef>
+        </p:style>
+        <p:txBody>
+          <a:bodyPr rtlCol="0" anchor="ctr"/>
+          <a:lstStyle/>
+          <a:p>
+            <a:pPr algn="ctr"/>
+            <a:endParaRPr lang="en-CA">
+              <a:solidFill>
+                <a:schemeClr val="tx1"/>
+              </a:solidFill>
+            </a:endParaRPr>
+          </a:p>
+        </p:txBody>
+      </p:sp>
+      <p:sp>
+        <p:nvSpPr>
+          <p:cNvPr id="4" name="Oval 3">
+            <a:extLst>
+              <a:ext uri="{FF2B5EF4-FFF2-40B4-BE49-F238E27FC236}">
+                <a16:creationId xmlns:a16="http://schemas.microsoft.com/office/drawing/2014/main" id="{A764D1E7-0EFF-45EF-4B39-D226CE8E92B1}"/>
+              </a:ext>
+            </a:extLst>
+          </p:cNvPr>
+          <p:cNvSpPr/>
+          <p:nvPr/>
+        </p:nvSpPr>
+        <p:spPr>
+          <a:xfrm>
+            <a:off x="3970819" y="1833526"/>
+            <a:ext cx="386433" cy="386433"/>
+          </a:xfrm>
+          <a:prstGeom prst="ellipse">
+            <a:avLst/>
+          </a:prstGeom>
+          <a:solidFill>
+            <a:srgbClr val="002060"/>
+          </a:solidFill>
+        </p:spPr>
+        <p:style>
+          <a:lnRef idx="3">
+            <a:schemeClr val="lt1"/>
+          </a:lnRef>
+          <a:fillRef idx="1">
+            <a:schemeClr val="accent6"/>
+          </a:fillRef>
+          <a:effectRef idx="1">
+            <a:schemeClr val="accent6"/>
+          </a:effectRef>
+          <a:fontRef idx="minor">
+            <a:schemeClr val="lt1"/>
+          </a:fontRef>
+        </p:style>
+        <p:txBody>
+          <a:bodyPr rtlCol="0" anchor="ctr"/>
+          <a:lstStyle/>
+          <a:p>
+            <a:pPr algn="ctr"/>
+            <a:r>
+              <a:rPr lang="en-CA" dirty="0"/>
+              <a:t>B</a:t>
+            </a:r>
+          </a:p>
+        </p:txBody>
+      </p:sp>
+      <p:sp>
+        <p:nvSpPr>
+          <p:cNvPr id="5" name="Oval 4">
+            <a:extLst>
+              <a:ext uri="{FF2B5EF4-FFF2-40B4-BE49-F238E27FC236}">
+                <a16:creationId xmlns:a16="http://schemas.microsoft.com/office/drawing/2014/main" id="{081B1A2A-BB46-247C-1F99-BB0E97DA768F}"/>
+              </a:ext>
+            </a:extLst>
+          </p:cNvPr>
+          <p:cNvSpPr/>
+          <p:nvPr/>
+        </p:nvSpPr>
+        <p:spPr>
+          <a:xfrm>
+            <a:off x="3361219" y="4353206"/>
+            <a:ext cx="386433" cy="386433"/>
+          </a:xfrm>
+          <a:prstGeom prst="ellipse">
+            <a:avLst/>
+          </a:prstGeom>
+          <a:solidFill>
+            <a:srgbClr val="002060"/>
+          </a:solidFill>
+        </p:spPr>
+        <p:style>
+          <a:lnRef idx="3">
+            <a:schemeClr val="lt1"/>
+          </a:lnRef>
+          <a:fillRef idx="1">
+            <a:schemeClr val="accent6"/>
+          </a:fillRef>
+          <a:effectRef idx="1">
+            <a:schemeClr val="accent6"/>
+          </a:effectRef>
+          <a:fontRef idx="minor">
+            <a:schemeClr val="lt1"/>
+          </a:fontRef>
+        </p:style>
+        <p:txBody>
+          <a:bodyPr rtlCol="0" anchor="ctr"/>
+          <a:lstStyle/>
+          <a:p>
+            <a:pPr algn="ctr"/>
+            <a:r>
+              <a:rPr lang="en-CA" dirty="0"/>
+              <a:t>C</a:t>
+            </a:r>
+          </a:p>
+        </p:txBody>
+      </p:sp>
+      <p:sp>
+        <p:nvSpPr>
+          <p:cNvPr id="14" name="Arrow: Curved Left 13">
+            <a:extLst>
+              <a:ext uri="{FF2B5EF4-FFF2-40B4-BE49-F238E27FC236}">
+                <a16:creationId xmlns:a16="http://schemas.microsoft.com/office/drawing/2014/main" id="{DFD364D4-538D-AA91-2E71-45F4C9AAB6C8}"/>
+              </a:ext>
+            </a:extLst>
+          </p:cNvPr>
+          <p:cNvSpPr/>
+          <p:nvPr/>
+        </p:nvSpPr>
+        <p:spPr>
+          <a:xfrm>
+            <a:off x="2745444" y="2811762"/>
+            <a:ext cx="741680" cy="1087120"/>
+          </a:xfrm>
+          <a:prstGeom prst="curvedLeftArrow">
+            <a:avLst/>
+          </a:prstGeom>
+        </p:spPr>
+        <p:style>
+          <a:lnRef idx="2">
+            <a:schemeClr val="accent1">
+              <a:shade val="15000"/>
+            </a:schemeClr>
+          </a:lnRef>
+          <a:fillRef idx="1">
+            <a:schemeClr val="accent1"/>
+          </a:fillRef>
+          <a:effectRef idx="0">
+            <a:schemeClr val="accent1"/>
+          </a:effectRef>
+          <a:fontRef idx="minor">
+            <a:schemeClr val="lt1"/>
+          </a:fontRef>
+        </p:style>
+        <p:txBody>
+          <a:bodyPr rtlCol="0" anchor="ctr"/>
+          <a:lstStyle/>
+          <a:p>
+            <a:pPr algn="ctr"/>
+            <a:endParaRPr lang="en-CA">
+              <a:solidFill>
+                <a:schemeClr val="tx1"/>
+              </a:solidFill>
+            </a:endParaRPr>
+          </a:p>
+        </p:txBody>
+      </p:sp>
+    </p:spTree>
+    <p:extLst>
+      <p:ext uri="{BB962C8B-B14F-4D97-AF65-F5344CB8AC3E}">
+        <p14:creationId xmlns:p14="http://schemas.microsoft.com/office/powerpoint/2010/main" val="710900760"/>
       </p:ext>
     </p:extLst>
   </p:cSld>
